--- a/XML,JSON,SQL/XML/XML.pptx
+++ b/XML,JSON,SQL/XML/XML.pptx
@@ -10,20 +10,26 @@
     <p:sldId id="261" r:id="rId4"/>
     <p:sldId id="260" r:id="rId5"/>
     <p:sldId id="258" r:id="rId6"/>
-    <p:sldId id="259" r:id="rId7"/>
-    <p:sldId id="264" r:id="rId8"/>
-    <p:sldId id="265" r:id="rId9"/>
-    <p:sldId id="262" r:id="rId10"/>
-    <p:sldId id="267" r:id="rId11"/>
-    <p:sldId id="263" r:id="rId12"/>
-    <p:sldId id="268" r:id="rId13"/>
-    <p:sldId id="266" r:id="rId14"/>
-    <p:sldId id="269" r:id="rId15"/>
-    <p:sldId id="270" r:id="rId16"/>
-    <p:sldId id="273" r:id="rId17"/>
-    <p:sldId id="271" r:id="rId18"/>
-    <p:sldId id="274" r:id="rId19"/>
-    <p:sldId id="272" r:id="rId20"/>
+    <p:sldId id="279" r:id="rId7"/>
+    <p:sldId id="280" r:id="rId8"/>
+    <p:sldId id="259" r:id="rId9"/>
+    <p:sldId id="264" r:id="rId10"/>
+    <p:sldId id="276" r:id="rId11"/>
+    <p:sldId id="275" r:id="rId12"/>
+    <p:sldId id="265" r:id="rId13"/>
+    <p:sldId id="262" r:id="rId14"/>
+    <p:sldId id="278" r:id="rId15"/>
+    <p:sldId id="267" r:id="rId16"/>
+    <p:sldId id="263" r:id="rId17"/>
+    <p:sldId id="268" r:id="rId18"/>
+    <p:sldId id="266" r:id="rId19"/>
+    <p:sldId id="277" r:id="rId20"/>
+    <p:sldId id="269" r:id="rId21"/>
+    <p:sldId id="270" r:id="rId22"/>
+    <p:sldId id="273" r:id="rId23"/>
+    <p:sldId id="271" r:id="rId24"/>
+    <p:sldId id="274" r:id="rId25"/>
+    <p:sldId id="272" r:id="rId26"/>
   </p:sldIdLst>
   <p:sldSz cx="12192000" cy="6858000"/>
   <p:notesSz cx="6858000" cy="9144000"/>
@@ -269,7 +275,7 @@
           <a:p>
             <a:fld id="{AD8A3D73-312B-4B46-ADED-303040ADE1ED}" type="datetimeFigureOut">
               <a:rPr lang="en-US" smtClean="0"/>
-              <a:t>3/13/2023</a:t>
+              <a:t>3/29/2023</a:t>
             </a:fld>
             <a:endParaRPr lang="en-US"/>
           </a:p>
@@ -480,7 +486,7 @@
           <a:p>
             <a:fld id="{AD8A3D73-312B-4B46-ADED-303040ADE1ED}" type="datetimeFigureOut">
               <a:rPr lang="en-US" smtClean="0"/>
-              <a:t>3/13/2023</a:t>
+              <a:t>3/29/2023</a:t>
             </a:fld>
             <a:endParaRPr lang="en-US"/>
           </a:p>
@@ -695,7 +701,7 @@
           <a:p>
             <a:fld id="{AD8A3D73-312B-4B46-ADED-303040ADE1ED}" type="datetimeFigureOut">
               <a:rPr lang="en-US" smtClean="0"/>
-              <a:t>3/13/2023</a:t>
+              <a:t>3/29/2023</a:t>
             </a:fld>
             <a:endParaRPr lang="en-US"/>
           </a:p>
@@ -896,7 +902,7 @@
           <a:p>
             <a:fld id="{AD8A3D73-312B-4B46-ADED-303040ADE1ED}" type="datetimeFigureOut">
               <a:rPr lang="en-US" smtClean="0"/>
-              <a:t>3/13/2023</a:t>
+              <a:t>3/29/2023</a:t>
             </a:fld>
             <a:endParaRPr lang="en-US"/>
           </a:p>
@@ -1175,7 +1181,7 @@
           <a:p>
             <a:fld id="{AD8A3D73-312B-4B46-ADED-303040ADE1ED}" type="datetimeFigureOut">
               <a:rPr lang="en-US" smtClean="0"/>
-              <a:t>3/13/2023</a:t>
+              <a:t>3/29/2023</a:t>
             </a:fld>
             <a:endParaRPr lang="en-US"/>
           </a:p>
@@ -1443,7 +1449,7 @@
           <a:p>
             <a:fld id="{AD8A3D73-312B-4B46-ADED-303040ADE1ED}" type="datetimeFigureOut">
               <a:rPr lang="en-US" smtClean="0"/>
-              <a:t>3/13/2023</a:t>
+              <a:t>3/29/2023</a:t>
             </a:fld>
             <a:endParaRPr lang="en-US"/>
           </a:p>
@@ -1859,7 +1865,7 @@
           <a:p>
             <a:fld id="{AD8A3D73-312B-4B46-ADED-303040ADE1ED}" type="datetimeFigureOut">
               <a:rPr lang="en-US" smtClean="0"/>
-              <a:t>3/13/2023</a:t>
+              <a:t>3/29/2023</a:t>
             </a:fld>
             <a:endParaRPr lang="en-US"/>
           </a:p>
@@ -2008,7 +2014,7 @@
           <a:p>
             <a:fld id="{AD8A3D73-312B-4B46-ADED-303040ADE1ED}" type="datetimeFigureOut">
               <a:rPr lang="en-US" smtClean="0"/>
-              <a:t>3/13/2023</a:t>
+              <a:t>3/29/2023</a:t>
             </a:fld>
             <a:endParaRPr lang="en-US"/>
           </a:p>
@@ -2134,7 +2140,7 @@
           <a:p>
             <a:fld id="{AD8A3D73-312B-4B46-ADED-303040ADE1ED}" type="datetimeFigureOut">
               <a:rPr lang="en-US" smtClean="0"/>
-              <a:t>3/13/2023</a:t>
+              <a:t>3/29/2023</a:t>
             </a:fld>
             <a:endParaRPr lang="en-US"/>
           </a:p>
@@ -2385,7 +2391,7 @@
           <a:p>
             <a:fld id="{AD8A3D73-312B-4B46-ADED-303040ADE1ED}" type="datetimeFigureOut">
               <a:rPr lang="en-US" smtClean="0"/>
-              <a:t>3/13/2023</a:t>
+              <a:t>3/29/2023</a:t>
             </a:fld>
             <a:endParaRPr lang="en-US"/>
           </a:p>
@@ -2830,7 +2836,7 @@
           <a:p>
             <a:fld id="{AD8A3D73-312B-4B46-ADED-303040ADE1ED}" type="datetimeFigureOut">
               <a:rPr lang="en-US" smtClean="0"/>
-              <a:t>3/13/2023</a:t>
+              <a:t>3/29/2023</a:t>
             </a:fld>
             <a:endParaRPr lang="en-US"/>
           </a:p>
@@ -3157,7 +3163,7 @@
           <a:p>
             <a:fld id="{AD8A3D73-312B-4B46-ADED-303040ADE1ED}" type="datetimeFigureOut">
               <a:rPr lang="en-US" smtClean="0"/>
-              <a:t>3/13/2023</a:t>
+              <a:t>3/29/2023</a:t>
             </a:fld>
             <a:endParaRPr lang="en-US"/>
           </a:p>
@@ -3877,21 +3883,8 @@
           <a:p>
             <a:r>
               <a:rPr lang="en-US" sz="1600" b="1" dirty="0"/>
-              <a:t>For any queries please drop a mail to </a:t>
-            </a:r>
-            <a:r>
-              <a:rPr lang="en-US" sz="1600" b="1" dirty="0" err="1"/>
-              <a:t>santhoshkumarbj@</a:t>
-            </a:r>
-            <a:r>
-              <a:rPr lang="en-US" sz="1600" b="1" err="1"/>
-              <a:t>gmail</a:t>
-            </a:r>
-            <a:r>
-              <a:rPr lang="en-US" sz="1600" b="1"/>
-              <a:t>.com</a:t>
-            </a:r>
-            <a:endParaRPr lang="en-US" sz="1600" b="1" dirty="0"/>
+              <a:t>For any queries please drop a mail to santhoshkumarbj@gmail.com</a:t>
+            </a:r>
           </a:p>
         </p:txBody>
       </p:sp>
@@ -4115,7 +4108,7 @@
           <p:cNvPr id="2" name="Title 1">
             <a:extLst>
               <a:ext uri="{FF2B5EF4-FFF2-40B4-BE49-F238E27FC236}">
-                <a16:creationId xmlns:a16="http://schemas.microsoft.com/office/drawing/2014/main" id="{33FE1EA6-E3CD-4C6D-8647-5C255B9EF6D7}"/>
+                <a16:creationId xmlns:a16="http://schemas.microsoft.com/office/drawing/2014/main" id="{D34954AB-E092-7481-FB86-5A94BC673080}"/>
               </a:ext>
             </a:extLst>
           </p:cNvPr>
@@ -4131,438 +4124,43 @@
           <a:bodyPr/>
           <a:lstStyle/>
           <a:p>
-            <a:r>
-              <a:rPr lang="en-US" dirty="0"/>
-              <a:t>Elements , attributes</a:t>
-            </a:r>
-          </a:p>
-        </p:txBody>
-      </p:sp>
-      <p:sp>
-        <p:nvSpPr>
-          <p:cNvPr id="3" name="Content Placeholder 2">
+            <a:endParaRPr lang="en-US"/>
+          </a:p>
+        </p:txBody>
+      </p:sp>
+      <p:pic>
+        <p:nvPicPr>
+          <p:cNvPr id="5" name="Content Placeholder 4">
             <a:extLst>
               <a:ext uri="{FF2B5EF4-FFF2-40B4-BE49-F238E27FC236}">
-                <a16:creationId xmlns:a16="http://schemas.microsoft.com/office/drawing/2014/main" id="{474A5F05-2500-4F4F-9E8E-F4372BF9F465}"/>
+                <a16:creationId xmlns:a16="http://schemas.microsoft.com/office/drawing/2014/main" id="{5FE58261-68AD-0CEA-E6D2-9880C0D57C85}"/>
               </a:ext>
             </a:extLst>
           </p:cNvPr>
-          <p:cNvSpPr>
-            <a:spLocks noGrp="1"/>
-          </p:cNvSpPr>
+          <p:cNvPicPr>
+            <a:picLocks noGrp="1" noChangeAspect="1"/>
+          </p:cNvPicPr>
           <p:nvPr>
             <p:ph idx="1"/>
           </p:nvPr>
-        </p:nvSpPr>
-        <p:spPr/>
-        <p:txBody>
-          <a:bodyPr>
-            <a:normAutofit fontScale="85000" lnSpcReduction="20000"/>
-          </a:bodyPr>
-          <a:lstStyle/>
-          <a:p>
-            <a:pPr algn="l"/>
-            <a:r>
-              <a:rPr lang="en-US" b="0" i="0" dirty="0">
-                <a:solidFill>
-                  <a:srgbClr val="000000"/>
-                </a:solidFill>
-                <a:effectLst/>
-                <a:latin typeface="Verdana" panose="020B0604030504040204" pitchFamily="34" charset="0"/>
-              </a:rPr>
-              <a:t>The HTML </a:t>
-            </a:r>
-            <a:r>
-              <a:rPr lang="en-US" b="1" i="0" dirty="0">
-                <a:solidFill>
-                  <a:srgbClr val="000000"/>
-                </a:solidFill>
-                <a:effectLst/>
-                <a:latin typeface="Verdana" panose="020B0604030504040204" pitchFamily="34" charset="0"/>
-              </a:rPr>
-              <a:t>element</a:t>
-            </a:r>
-            <a:r>
-              <a:rPr lang="en-US" b="0" i="0" dirty="0">
-                <a:solidFill>
-                  <a:srgbClr val="000000"/>
-                </a:solidFill>
-                <a:effectLst/>
-                <a:latin typeface="Verdana" panose="020B0604030504040204" pitchFamily="34" charset="0"/>
-              </a:rPr>
-              <a:t> is everything from the start tag to the end tag:</a:t>
-            </a:r>
-          </a:p>
-          <a:p>
-            <a:pPr algn="l"/>
-            <a:r>
-              <a:rPr lang="en-US" b="0" i="0" dirty="0">
-                <a:solidFill>
-                  <a:srgbClr val="0000CD"/>
-                </a:solidFill>
-                <a:effectLst/>
-                <a:latin typeface="Verdana" panose="020B0604030504040204" pitchFamily="34" charset="0"/>
-              </a:rPr>
-              <a:t>&lt;</a:t>
-            </a:r>
-            <a:r>
-              <a:rPr lang="en-US" b="0" i="0" dirty="0">
-                <a:solidFill>
-                  <a:srgbClr val="A52A2A"/>
-                </a:solidFill>
-                <a:effectLst/>
-                <a:latin typeface="Verdana" panose="020B0604030504040204" pitchFamily="34" charset="0"/>
-              </a:rPr>
-              <a:t>h1</a:t>
-            </a:r>
-            <a:r>
-              <a:rPr lang="en-US" b="0" i="0" dirty="0">
-                <a:solidFill>
-                  <a:srgbClr val="0000CD"/>
-                </a:solidFill>
-                <a:effectLst/>
-                <a:latin typeface="Verdana" panose="020B0604030504040204" pitchFamily="34" charset="0"/>
-              </a:rPr>
-              <a:t>&gt;</a:t>
-            </a:r>
-            <a:r>
-              <a:rPr lang="en-US" b="0" i="0" dirty="0">
-                <a:solidFill>
-                  <a:srgbClr val="000000"/>
-                </a:solidFill>
-                <a:effectLst/>
-                <a:latin typeface="Verdana" panose="020B0604030504040204" pitchFamily="34" charset="0"/>
-              </a:rPr>
-              <a:t>My First Heading</a:t>
-            </a:r>
-            <a:r>
-              <a:rPr lang="en-US" b="0" i="0" dirty="0">
-                <a:solidFill>
-                  <a:srgbClr val="0000CD"/>
-                </a:solidFill>
-                <a:effectLst/>
-                <a:latin typeface="Verdana" panose="020B0604030504040204" pitchFamily="34" charset="0"/>
-              </a:rPr>
-              <a:t>&lt;</a:t>
-            </a:r>
-            <a:r>
-              <a:rPr lang="en-US" b="0" i="0" dirty="0">
-                <a:solidFill>
-                  <a:srgbClr val="A52A2A"/>
-                </a:solidFill>
-                <a:effectLst/>
-                <a:latin typeface="Verdana" panose="020B0604030504040204" pitchFamily="34" charset="0"/>
-              </a:rPr>
-              <a:t>/h1</a:t>
-            </a:r>
-            <a:r>
-              <a:rPr lang="en-US" b="0" i="0" dirty="0">
-                <a:solidFill>
-                  <a:srgbClr val="0000CD"/>
-                </a:solidFill>
-                <a:effectLst/>
-                <a:latin typeface="Verdana" panose="020B0604030504040204" pitchFamily="34" charset="0"/>
-              </a:rPr>
-              <a:t>&gt;</a:t>
-            </a:r>
-            <a:endParaRPr lang="en-US" b="0" i="0" dirty="0">
-              <a:solidFill>
-                <a:srgbClr val="000000"/>
-              </a:solidFill>
-              <a:effectLst/>
-              <a:latin typeface="Verdana" panose="020B0604030504040204" pitchFamily="34" charset="0"/>
-            </a:endParaRPr>
-          </a:p>
-          <a:p>
-            <a:pPr algn="l">
-              <a:buFont typeface="Arial" panose="020B0604020202020204" pitchFamily="34" charset="0"/>
-              <a:buChar char="•"/>
-            </a:pPr>
-            <a:r>
-              <a:rPr lang="en-US" b="0" i="0" dirty="0">
-                <a:solidFill>
-                  <a:srgbClr val="000000"/>
-                </a:solidFill>
-                <a:effectLst/>
-                <a:latin typeface="Verdana" panose="020B0604030504040204" pitchFamily="34" charset="0"/>
-              </a:rPr>
-              <a:t>All HTML elements can have </a:t>
-            </a:r>
-            <a:r>
-              <a:rPr lang="en-US" b="1" i="0" dirty="0">
-                <a:solidFill>
-                  <a:srgbClr val="000000"/>
-                </a:solidFill>
-                <a:effectLst/>
-                <a:latin typeface="Verdana" panose="020B0604030504040204" pitchFamily="34" charset="0"/>
-              </a:rPr>
-              <a:t>attributes</a:t>
-            </a:r>
-            <a:endParaRPr lang="en-US" b="0" i="0" dirty="0">
-              <a:solidFill>
-                <a:srgbClr val="000000"/>
-              </a:solidFill>
-              <a:effectLst/>
-              <a:latin typeface="Verdana" panose="020B0604030504040204" pitchFamily="34" charset="0"/>
-            </a:endParaRPr>
-          </a:p>
-          <a:p>
-            <a:pPr algn="l">
-              <a:buFont typeface="Arial" panose="020B0604020202020204" pitchFamily="34" charset="0"/>
-              <a:buChar char="•"/>
-            </a:pPr>
-            <a:r>
-              <a:rPr lang="en-US" b="0" i="0" dirty="0">
-                <a:solidFill>
-                  <a:srgbClr val="000000"/>
-                </a:solidFill>
-                <a:effectLst/>
-                <a:latin typeface="Verdana" panose="020B0604030504040204" pitchFamily="34" charset="0"/>
-              </a:rPr>
-              <a:t>Attributes provide </a:t>
-            </a:r>
-            <a:r>
-              <a:rPr lang="en-US" b="1" i="0" dirty="0">
-                <a:solidFill>
-                  <a:srgbClr val="000000"/>
-                </a:solidFill>
-                <a:effectLst/>
-                <a:latin typeface="Verdana" panose="020B0604030504040204" pitchFamily="34" charset="0"/>
-              </a:rPr>
-              <a:t>additional information</a:t>
-            </a:r>
-            <a:r>
-              <a:rPr lang="en-US" b="0" i="0" dirty="0">
-                <a:solidFill>
-                  <a:srgbClr val="000000"/>
-                </a:solidFill>
-                <a:effectLst/>
-                <a:latin typeface="Verdana" panose="020B0604030504040204" pitchFamily="34" charset="0"/>
-              </a:rPr>
-              <a:t> about elements</a:t>
-            </a:r>
-          </a:p>
-          <a:p>
-            <a:pPr algn="l">
-              <a:buFont typeface="Arial" panose="020B0604020202020204" pitchFamily="34" charset="0"/>
-              <a:buChar char="•"/>
-            </a:pPr>
-            <a:r>
-              <a:rPr lang="en-US" b="0" i="0" dirty="0">
-                <a:solidFill>
-                  <a:srgbClr val="000000"/>
-                </a:solidFill>
-                <a:effectLst/>
-                <a:latin typeface="Verdana" panose="020B0604030504040204" pitchFamily="34" charset="0"/>
-              </a:rPr>
-              <a:t>Attributes are always specified in </a:t>
-            </a:r>
-            <a:r>
-              <a:rPr lang="en-US" b="1" i="0" dirty="0">
-                <a:solidFill>
-                  <a:srgbClr val="000000"/>
-                </a:solidFill>
-                <a:effectLst/>
-                <a:latin typeface="Verdana" panose="020B0604030504040204" pitchFamily="34" charset="0"/>
-              </a:rPr>
-              <a:t>the start tag</a:t>
-            </a:r>
-            <a:endParaRPr lang="en-US" b="0" i="0" dirty="0">
-              <a:solidFill>
-                <a:srgbClr val="000000"/>
-              </a:solidFill>
-              <a:effectLst/>
-              <a:latin typeface="Verdana" panose="020B0604030504040204" pitchFamily="34" charset="0"/>
-            </a:endParaRPr>
-          </a:p>
-          <a:p>
-            <a:pPr algn="l">
-              <a:buFont typeface="Arial" panose="020B0604020202020204" pitchFamily="34" charset="0"/>
-              <a:buChar char="•"/>
-            </a:pPr>
-            <a:r>
-              <a:rPr lang="en-US" b="0" i="0" dirty="0">
-                <a:solidFill>
-                  <a:srgbClr val="000000"/>
-                </a:solidFill>
-                <a:effectLst/>
-                <a:latin typeface="Verdana" panose="020B0604030504040204" pitchFamily="34" charset="0"/>
-              </a:rPr>
-              <a:t>Attributes usually come in name/value pairs like: </a:t>
-            </a:r>
-            <a:r>
-              <a:rPr lang="en-US" b="1" i="0" dirty="0">
-                <a:solidFill>
-                  <a:srgbClr val="000000"/>
-                </a:solidFill>
-                <a:effectLst/>
-                <a:latin typeface="Verdana" panose="020B0604030504040204" pitchFamily="34" charset="0"/>
-              </a:rPr>
-              <a:t>name="value“</a:t>
-            </a:r>
-          </a:p>
-          <a:p>
-            <a:pPr algn="l">
-              <a:buFont typeface="Arial" panose="020B0604020202020204" pitchFamily="34" charset="0"/>
-              <a:buChar char="•"/>
-            </a:pPr>
-            <a:r>
-              <a:rPr lang="en-US" b="0" i="0" dirty="0">
-                <a:solidFill>
-                  <a:srgbClr val="000000"/>
-                </a:solidFill>
-                <a:effectLst/>
-                <a:latin typeface="Verdana" panose="020B0604030504040204" pitchFamily="34" charset="0"/>
-              </a:rPr>
-              <a:t>The &lt;a&gt; tag defines a hyperlink. The </a:t>
-            </a:r>
-            <a:r>
-              <a:rPr lang="en-US" b="0" i="0" dirty="0" err="1">
-                <a:solidFill>
-                  <a:srgbClr val="000000"/>
-                </a:solidFill>
-                <a:effectLst/>
-                <a:latin typeface="Verdana" panose="020B0604030504040204" pitchFamily="34" charset="0"/>
-              </a:rPr>
-              <a:t>href</a:t>
-            </a:r>
-            <a:r>
-              <a:rPr lang="en-US" b="0" i="0" dirty="0">
-                <a:solidFill>
-                  <a:srgbClr val="000000"/>
-                </a:solidFill>
-                <a:effectLst/>
-                <a:latin typeface="Verdana" panose="020B0604030504040204" pitchFamily="34" charset="0"/>
-              </a:rPr>
-              <a:t> attribute specifies the URL of the page the link goes to:</a:t>
-            </a:r>
-          </a:p>
-          <a:p>
-            <a:pPr marL="0" indent="0" algn="l">
-              <a:buNone/>
-            </a:pPr>
-            <a:r>
-              <a:rPr lang="en-US" b="0" i="0" dirty="0">
-                <a:solidFill>
-                  <a:srgbClr val="0000CD"/>
-                </a:solidFill>
-                <a:effectLst/>
-                <a:latin typeface="Consolas" panose="020B0609020204030204" pitchFamily="49" charset="0"/>
-              </a:rPr>
-              <a:t>&lt;</a:t>
-            </a:r>
-            <a:r>
-              <a:rPr lang="en-US" b="0" i="0" dirty="0">
-                <a:solidFill>
-                  <a:srgbClr val="A52A2A"/>
-                </a:solidFill>
-                <a:effectLst/>
-                <a:latin typeface="Consolas" panose="020B0609020204030204" pitchFamily="49" charset="0"/>
-              </a:rPr>
-              <a:t>a</a:t>
-            </a:r>
-            <a:r>
-              <a:rPr lang="en-US" b="0" i="0" dirty="0">
-                <a:solidFill>
-                  <a:srgbClr val="FF0000"/>
-                </a:solidFill>
-                <a:effectLst/>
-                <a:latin typeface="Consolas" panose="020B0609020204030204" pitchFamily="49" charset="0"/>
-              </a:rPr>
-              <a:t> </a:t>
-            </a:r>
-            <a:r>
-              <a:rPr lang="en-US" b="0" i="0" dirty="0" err="1">
-                <a:solidFill>
-                  <a:srgbClr val="FF0000"/>
-                </a:solidFill>
-                <a:effectLst/>
-                <a:latin typeface="Consolas" panose="020B0609020204030204" pitchFamily="49" charset="0"/>
-              </a:rPr>
-              <a:t>href</a:t>
-            </a:r>
-            <a:r>
-              <a:rPr lang="en-US" b="0" i="0" dirty="0">
-                <a:solidFill>
-                  <a:srgbClr val="0000CD"/>
-                </a:solidFill>
-                <a:effectLst/>
-                <a:latin typeface="Consolas" panose="020B0609020204030204" pitchFamily="49" charset="0"/>
-              </a:rPr>
-              <a:t>="https://www.w3schools.com"&gt;</a:t>
-            </a:r>
-            <a:r>
-              <a:rPr lang="en-US" b="0" i="0" dirty="0">
-                <a:solidFill>
-                  <a:srgbClr val="000000"/>
-                </a:solidFill>
-                <a:effectLst/>
-                <a:latin typeface="Consolas" panose="020B0609020204030204" pitchFamily="49" charset="0"/>
-              </a:rPr>
-              <a:t>Visit W3Schools</a:t>
-            </a:r>
-            <a:r>
-              <a:rPr lang="en-US" b="0" i="0" dirty="0">
-                <a:solidFill>
-                  <a:srgbClr val="0000CD"/>
-                </a:solidFill>
-                <a:effectLst/>
-                <a:latin typeface="Consolas" panose="020B0609020204030204" pitchFamily="49" charset="0"/>
-              </a:rPr>
-              <a:t>&lt;</a:t>
-            </a:r>
-            <a:r>
-              <a:rPr lang="en-US" b="0" i="0" dirty="0">
-                <a:solidFill>
-                  <a:srgbClr val="A52A2A"/>
-                </a:solidFill>
-                <a:effectLst/>
-                <a:latin typeface="Consolas" panose="020B0609020204030204" pitchFamily="49" charset="0"/>
-              </a:rPr>
-              <a:t>/a</a:t>
-            </a:r>
-            <a:r>
-              <a:rPr lang="en-US" b="0" i="0" dirty="0">
-                <a:solidFill>
-                  <a:srgbClr val="0000CD"/>
-                </a:solidFill>
-                <a:effectLst/>
-                <a:latin typeface="Consolas" panose="020B0609020204030204" pitchFamily="49" charset="0"/>
-              </a:rPr>
-              <a:t>&gt;</a:t>
-            </a:r>
-            <a:endParaRPr lang="en-US" b="0" i="0" dirty="0">
-              <a:solidFill>
-                <a:srgbClr val="000000"/>
-              </a:solidFill>
-              <a:effectLst/>
-              <a:latin typeface="Consolas" panose="020B0609020204030204" pitchFamily="49" charset="0"/>
-            </a:endParaRPr>
-          </a:p>
-          <a:p>
-            <a:pPr marL="0" indent="0" algn="l">
-              <a:buNone/>
-            </a:pPr>
-            <a:endParaRPr lang="en-US" b="0" i="0" dirty="0">
-              <a:solidFill>
-                <a:srgbClr val="000000"/>
-              </a:solidFill>
-              <a:effectLst/>
-              <a:latin typeface="Verdana" panose="020B0604030504040204" pitchFamily="34" charset="0"/>
-            </a:endParaRPr>
-          </a:p>
-          <a:p>
-            <a:pPr marL="0" indent="0">
-              <a:buNone/>
-            </a:pPr>
-            <a:endParaRPr lang="en-US" dirty="0"/>
-          </a:p>
-        </p:txBody>
-      </p:sp>
+        </p:nvPicPr>
+        <p:blipFill>
+          <a:blip r:embed="rId2"/>
+          <a:stretch>
+            <a:fillRect/>
+          </a:stretch>
+        </p:blipFill>
+        <p:spPr>
+          <a:xfrm>
+            <a:off x="1451579" y="335902"/>
+            <a:ext cx="9603275" cy="5495731"/>
+          </a:xfrm>
+        </p:spPr>
+      </p:pic>
     </p:spTree>
     <p:extLst>
       <p:ext uri="{BB962C8B-B14F-4D97-AF65-F5344CB8AC3E}">
-        <p14:creationId xmlns:p14="http://schemas.microsoft.com/office/powerpoint/2010/main" val="1730504205"/>
+        <p14:creationId xmlns:p14="http://schemas.microsoft.com/office/powerpoint/2010/main" val="2656493013"/>
       </p:ext>
     </p:extLst>
   </p:cSld>
@@ -4594,7 +4192,7 @@
           <p:cNvPr id="2" name="Title 1">
             <a:extLst>
               <a:ext uri="{FF2B5EF4-FFF2-40B4-BE49-F238E27FC236}">
-                <a16:creationId xmlns:a16="http://schemas.microsoft.com/office/drawing/2014/main" id="{43C6CFEF-0FB7-4682-BA74-371090754CD8}"/>
+                <a16:creationId xmlns:a16="http://schemas.microsoft.com/office/drawing/2014/main" id="{3B19164F-F9BF-3094-1861-FA3F5CA2801A}"/>
               </a:ext>
             </a:extLst>
           </p:cNvPr>
@@ -4610,75 +4208,105 @@
           <a:bodyPr/>
           <a:lstStyle/>
           <a:p>
-            <a:r>
-              <a:rPr lang="en-US" dirty="0"/>
-              <a:t>Introduction to Tags</a:t>
-            </a:r>
-          </a:p>
-        </p:txBody>
-      </p:sp>
-      <p:sp>
-        <p:nvSpPr>
-          <p:cNvPr id="3" name="Content Placeholder 2">
+            <a:endParaRPr lang="en-US"/>
+          </a:p>
+        </p:txBody>
+      </p:sp>
+      <p:pic>
+        <p:nvPicPr>
+          <p:cNvPr id="5" name="Content Placeholder 4" descr="What does the web server do?&#10;">
             <a:extLst>
               <a:ext uri="{FF2B5EF4-FFF2-40B4-BE49-F238E27FC236}">
-                <a16:creationId xmlns:a16="http://schemas.microsoft.com/office/drawing/2014/main" id="{6968723C-0BA3-493C-923D-81BA4B46D77C}"/>
+                <a16:creationId xmlns:a16="http://schemas.microsoft.com/office/drawing/2014/main" id="{A3C70039-3EE7-1BDD-E619-3F356E3222A8}"/>
+              </a:ext>
+              <a:ext uri="{C183D7F6-B498-43B3-948B-1728B52AA6E4}">
+                <adec:decorative xmlns:adec="http://schemas.microsoft.com/office/drawing/2017/decorative" val="0"/>
               </a:ext>
             </a:extLst>
           </p:cNvPr>
-          <p:cNvSpPr>
-            <a:spLocks noGrp="1"/>
-          </p:cNvSpPr>
+          <p:cNvPicPr>
+            <a:picLocks noGrp="1" noChangeAspect="1"/>
+          </p:cNvPicPr>
           <p:nvPr>
             <p:ph idx="1"/>
           </p:nvPr>
-        </p:nvSpPr>
-        <p:spPr/>
-        <p:txBody>
-          <a:bodyPr>
-            <a:normAutofit fontScale="85000" lnSpcReduction="10000"/>
+        </p:nvPicPr>
+        <p:blipFill>
+          <a:blip r:embed="rId2"/>
+          <a:stretch>
+            <a:fillRect/>
+          </a:stretch>
+        </p:blipFill>
+        <p:spPr>
+          <a:xfrm>
+            <a:off x="1451579" y="23132"/>
+            <a:ext cx="9603275" cy="5542384"/>
+          </a:xfrm>
+        </p:spPr>
+      </p:pic>
+      <p:sp>
+        <p:nvSpPr>
+          <p:cNvPr id="6" name="TextBox 5">
+            <a:extLst>
+              <a:ext uri="{FF2B5EF4-FFF2-40B4-BE49-F238E27FC236}">
+                <a16:creationId xmlns:a16="http://schemas.microsoft.com/office/drawing/2014/main" id="{E45422CD-3153-E1DA-3BDB-5BF408779EE4}"/>
+              </a:ext>
+            </a:extLst>
+          </p:cNvPr>
+          <p:cNvSpPr txBox="1"/>
+          <p:nvPr/>
+        </p:nvSpPr>
+        <p:spPr>
+          <a:xfrm>
+            <a:off x="4343400" y="5857875"/>
+            <a:ext cx="2895600" cy="369332"/>
+          </a:xfrm>
+          <a:prstGeom prst="rect">
+            <a:avLst/>
+          </a:prstGeom>
+          <a:noFill/>
+        </p:spPr>
+        <p:txBody>
+          <a:bodyPr wrap="square" rtlCol="0">
+            <a:spAutoFit/>
           </a:bodyPr>
           <a:lstStyle/>
           <a:p>
+            <a:endParaRPr lang="en-US" dirty="0"/>
+          </a:p>
+        </p:txBody>
+      </p:sp>
+      <p:sp>
+        <p:nvSpPr>
+          <p:cNvPr id="7" name="TextBox 6">
+            <a:extLst>
+              <a:ext uri="{FF2B5EF4-FFF2-40B4-BE49-F238E27FC236}">
+                <a16:creationId xmlns:a16="http://schemas.microsoft.com/office/drawing/2014/main" id="{D7E5BB1B-F787-84A9-D315-CEDA6D021A69}"/>
+              </a:ext>
+            </a:extLst>
+          </p:cNvPr>
+          <p:cNvSpPr txBox="1"/>
+          <p:nvPr/>
+        </p:nvSpPr>
+        <p:spPr>
+          <a:xfrm>
+            <a:off x="4219628" y="5555991"/>
+            <a:ext cx="4067175" cy="369332"/>
+          </a:xfrm>
+          <a:prstGeom prst="rect">
+            <a:avLst/>
+          </a:prstGeom>
+          <a:noFill/>
+        </p:spPr>
+        <p:txBody>
+          <a:bodyPr wrap="square" rtlCol="0">
+            <a:spAutoFit/>
+          </a:bodyPr>
+          <a:lstStyle/>
+          <a:p>
             <a:r>
               <a:rPr lang="en-US" dirty="0"/>
-              <a:t>The &lt;!DOCTYPE html&gt; declaration defines that this document is an HTML5 document</a:t>
-            </a:r>
-          </a:p>
-          <a:p>
-            <a:r>
-              <a:rPr lang="en-US" dirty="0"/>
-              <a:t>The &lt;html&gt; element is the root element of an HTML page</a:t>
-            </a:r>
-          </a:p>
-          <a:p>
-            <a:r>
-              <a:rPr lang="en-US" dirty="0"/>
-              <a:t>The &lt;head&gt; element contains meta information about the HTML page</a:t>
-            </a:r>
-          </a:p>
-          <a:p>
-            <a:r>
-              <a:rPr lang="en-US" dirty="0"/>
-              <a:t>The &lt;title&gt; element specifies a title for the HTML page (which is shown in the browser's title bar or in the page's tab)</a:t>
-            </a:r>
-          </a:p>
-          <a:p>
-            <a:r>
-              <a:rPr lang="en-US" dirty="0"/>
-              <a:t>The &lt;body&gt; element defines the document's body, and is a container for all the visible contents, such as headings, paragraphs, images, hyperlinks, tables, lists, etc.</a:t>
-            </a:r>
-          </a:p>
-          <a:p>
-            <a:r>
-              <a:rPr lang="en-US" dirty="0"/>
-              <a:t>The &lt;h1&gt; element defines a large heading</a:t>
-            </a:r>
-          </a:p>
-          <a:p>
-            <a:r>
-              <a:rPr lang="en-US" dirty="0"/>
-              <a:t>The &lt;p&gt; element defines a paragraph</a:t>
+              <a:t>What does a web browser do ? </a:t>
             </a:r>
           </a:p>
         </p:txBody>
@@ -4686,7 +4314,7 @@
     </p:spTree>
     <p:extLst>
       <p:ext uri="{BB962C8B-B14F-4D97-AF65-F5344CB8AC3E}">
-        <p14:creationId xmlns:p14="http://schemas.microsoft.com/office/powerpoint/2010/main" val="1332495351"/>
+        <p14:creationId xmlns:p14="http://schemas.microsoft.com/office/powerpoint/2010/main" val="3764265641"/>
       </p:ext>
     </p:extLst>
   </p:cSld>
@@ -4718,7 +4346,7 @@
           <p:cNvPr id="2" name="Title 1">
             <a:extLst>
               <a:ext uri="{FF2B5EF4-FFF2-40B4-BE49-F238E27FC236}">
-                <a16:creationId xmlns:a16="http://schemas.microsoft.com/office/drawing/2014/main" id="{D1A19085-5181-48DC-BFDB-E44161D5F1E0}"/>
+                <a16:creationId xmlns:a16="http://schemas.microsoft.com/office/drawing/2014/main" id="{20DB9FD8-DF4A-4BD2-AA29-E47BD88AD94A}"/>
               </a:ext>
             </a:extLst>
           </p:cNvPr>
@@ -4736,7 +4364,7 @@
           <a:p>
             <a:r>
               <a:rPr lang="en-US" dirty="0"/>
-              <a:t>HTML Styles</a:t>
+              <a:t>URL, URI and URN</a:t>
             </a:r>
           </a:p>
         </p:txBody>
@@ -4746,7 +4374,7 @@
           <p:cNvPr id="3" name="Content Placeholder 2">
             <a:extLst>
               <a:ext uri="{FF2B5EF4-FFF2-40B4-BE49-F238E27FC236}">
-                <a16:creationId xmlns:a16="http://schemas.microsoft.com/office/drawing/2014/main" id="{2DC85936-22EF-4DD5-AE5C-C7ABEDEFDA62}"/>
+                <a16:creationId xmlns:a16="http://schemas.microsoft.com/office/drawing/2014/main" id="{43AA2C27-E973-4F3A-945D-C790D2CD1DBD}"/>
               </a:ext>
             </a:extLst>
           </p:cNvPr>
@@ -4762,574 +4390,249 @@
           <a:bodyPr/>
           <a:lstStyle/>
           <a:p>
-            <a:pPr marL="0" indent="0" algn="l">
-              <a:buNone/>
-            </a:pPr>
-            <a:r>
-              <a:rPr lang="en-US" b="0" i="0" dirty="0">
-                <a:solidFill>
-                  <a:srgbClr val="0000CD"/>
-                </a:solidFill>
-                <a:effectLst/>
-                <a:latin typeface="Consolas" panose="020B0609020204030204" pitchFamily="49" charset="0"/>
-              </a:rPr>
-              <a:t>&lt;</a:t>
-            </a:r>
-            <a:r>
-              <a:rPr lang="en-US" b="0" i="1" dirty="0" err="1">
-                <a:solidFill>
-                  <a:srgbClr val="A52A2A"/>
-                </a:solidFill>
-                <a:effectLst/>
-                <a:latin typeface="Consolas" panose="020B0609020204030204" pitchFamily="49" charset="0"/>
-              </a:rPr>
-              <a:t>tagname</a:t>
-            </a:r>
-            <a:r>
-              <a:rPr lang="en-US" b="0" i="0" dirty="0">
-                <a:solidFill>
-                  <a:srgbClr val="FF0000"/>
-                </a:solidFill>
-                <a:effectLst/>
-                <a:latin typeface="Consolas" panose="020B0609020204030204" pitchFamily="49" charset="0"/>
-              </a:rPr>
-              <a:t> style</a:t>
-            </a:r>
-            <a:r>
-              <a:rPr lang="en-US" b="0" i="0" dirty="0">
-                <a:solidFill>
-                  <a:srgbClr val="0000CD"/>
-                </a:solidFill>
-                <a:effectLst/>
-                <a:latin typeface="Consolas" panose="020B0609020204030204" pitchFamily="49" charset="0"/>
-              </a:rPr>
-              <a:t>="</a:t>
-            </a:r>
-            <a:r>
-              <a:rPr lang="en-US" b="0" i="1" dirty="0" err="1">
-                <a:solidFill>
-                  <a:srgbClr val="0000CD"/>
-                </a:solidFill>
-                <a:effectLst/>
-                <a:latin typeface="Consolas" panose="020B0609020204030204" pitchFamily="49" charset="0"/>
-              </a:rPr>
-              <a:t>property</a:t>
-            </a:r>
-            <a:r>
-              <a:rPr lang="en-US" b="0" i="0" dirty="0" err="1">
-                <a:solidFill>
-                  <a:srgbClr val="0000CD"/>
-                </a:solidFill>
-                <a:effectLst/>
-                <a:latin typeface="Consolas" panose="020B0609020204030204" pitchFamily="49" charset="0"/>
-              </a:rPr>
-              <a:t>:</a:t>
-            </a:r>
-            <a:r>
-              <a:rPr lang="en-US" b="0" i="1" dirty="0" err="1">
-                <a:solidFill>
-                  <a:srgbClr val="0000CD"/>
-                </a:solidFill>
-                <a:effectLst/>
-                <a:latin typeface="Consolas" panose="020B0609020204030204" pitchFamily="49" charset="0"/>
-              </a:rPr>
-              <a:t>value</a:t>
-            </a:r>
-            <a:r>
-              <a:rPr lang="en-US" b="0" i="1" dirty="0">
-                <a:solidFill>
-                  <a:srgbClr val="0000CD"/>
-                </a:solidFill>
-                <a:effectLst/>
-                <a:latin typeface="Consolas" panose="020B0609020204030204" pitchFamily="49" charset="0"/>
-              </a:rPr>
-              <a:t>;</a:t>
-            </a:r>
-            <a:r>
-              <a:rPr lang="en-US" b="0" i="0" dirty="0">
-                <a:solidFill>
-                  <a:srgbClr val="0000CD"/>
-                </a:solidFill>
-                <a:effectLst/>
-                <a:latin typeface="Consolas" panose="020B0609020204030204" pitchFamily="49" charset="0"/>
-              </a:rPr>
-              <a:t>"&gt;</a:t>
-            </a:r>
-            <a:endParaRPr lang="en-US" b="0" i="0" dirty="0">
-              <a:solidFill>
-                <a:srgbClr val="000000"/>
-              </a:solidFill>
-              <a:effectLst/>
-              <a:latin typeface="Consolas" panose="020B0609020204030204" pitchFamily="49" charset="0"/>
-            </a:endParaRPr>
-          </a:p>
-          <a:p>
-            <a:pPr marL="0" indent="0">
-              <a:buNone/>
-            </a:pPr>
-            <a:r>
-              <a:rPr lang="en-US" b="0" i="0" dirty="0">
-                <a:solidFill>
-                  <a:srgbClr val="0000CD"/>
-                </a:solidFill>
-                <a:effectLst/>
-                <a:latin typeface="Consolas" panose="020B0609020204030204" pitchFamily="49" charset="0"/>
-              </a:rPr>
-              <a:t>&lt;</a:t>
-            </a:r>
-            <a:r>
-              <a:rPr lang="en-US" b="0" i="0" dirty="0">
-                <a:solidFill>
-                  <a:srgbClr val="A52A2A"/>
-                </a:solidFill>
-                <a:effectLst/>
-                <a:latin typeface="Consolas" panose="020B0609020204030204" pitchFamily="49" charset="0"/>
-              </a:rPr>
-              <a:t>body</a:t>
-            </a:r>
-            <a:r>
-              <a:rPr lang="en-US" b="0" i="0" dirty="0">
-                <a:solidFill>
-                  <a:srgbClr val="FF0000"/>
-                </a:solidFill>
-                <a:effectLst/>
-                <a:latin typeface="Consolas" panose="020B0609020204030204" pitchFamily="49" charset="0"/>
-              </a:rPr>
-              <a:t> style</a:t>
-            </a:r>
-            <a:r>
-              <a:rPr lang="en-US" b="0" i="0" dirty="0">
-                <a:solidFill>
-                  <a:srgbClr val="0000CD"/>
-                </a:solidFill>
-                <a:effectLst/>
-                <a:latin typeface="Consolas" panose="020B0609020204030204" pitchFamily="49" charset="0"/>
-              </a:rPr>
-              <a:t>="</a:t>
-            </a:r>
-            <a:r>
-              <a:rPr lang="en-US" b="0" i="0" dirty="0" err="1">
-                <a:solidFill>
-                  <a:srgbClr val="0000CD"/>
-                </a:solidFill>
-                <a:effectLst/>
-                <a:latin typeface="Consolas" panose="020B0609020204030204" pitchFamily="49" charset="0"/>
-              </a:rPr>
-              <a:t>background-color:powderblue</a:t>
-            </a:r>
-            <a:r>
-              <a:rPr lang="en-US" b="0" i="0" dirty="0">
-                <a:solidFill>
-                  <a:srgbClr val="0000CD"/>
-                </a:solidFill>
-                <a:effectLst/>
-                <a:latin typeface="Consolas" panose="020B0609020204030204" pitchFamily="49" charset="0"/>
-              </a:rPr>
-              <a:t>;"&gt;</a:t>
-            </a:r>
-            <a:br>
+            <a:r>
               <a:rPr lang="en-US" dirty="0"/>
-            </a:br>
-            <a:r>
-              <a:rPr lang="en-US" b="0" i="0" dirty="0">
-                <a:solidFill>
-                  <a:srgbClr val="0000CD"/>
-                </a:solidFill>
-                <a:effectLst/>
-                <a:latin typeface="Consolas" panose="020B0609020204030204" pitchFamily="49" charset="0"/>
-              </a:rPr>
-              <a:t>&lt;</a:t>
-            </a:r>
-            <a:r>
-              <a:rPr lang="en-US" b="0" i="0" dirty="0">
-                <a:solidFill>
-                  <a:srgbClr val="A52A2A"/>
-                </a:solidFill>
-                <a:effectLst/>
-                <a:latin typeface="Consolas" panose="020B0609020204030204" pitchFamily="49" charset="0"/>
-              </a:rPr>
-              <a:t>h1</a:t>
-            </a:r>
-            <a:r>
-              <a:rPr lang="en-US" b="0" i="0" dirty="0">
-                <a:solidFill>
-                  <a:srgbClr val="FF0000"/>
-                </a:solidFill>
-                <a:effectLst/>
-                <a:latin typeface="Consolas" panose="020B0609020204030204" pitchFamily="49" charset="0"/>
-              </a:rPr>
-              <a:t> style</a:t>
-            </a:r>
-            <a:r>
-              <a:rPr lang="en-US" b="0" i="0" dirty="0">
-                <a:solidFill>
-                  <a:srgbClr val="0000CD"/>
-                </a:solidFill>
-                <a:effectLst/>
-                <a:latin typeface="Consolas" panose="020B0609020204030204" pitchFamily="49" charset="0"/>
-              </a:rPr>
-              <a:t>="</a:t>
-            </a:r>
-            <a:r>
-              <a:rPr lang="en-US" b="0" i="0" dirty="0" err="1">
-                <a:solidFill>
-                  <a:srgbClr val="0000CD"/>
-                </a:solidFill>
-                <a:effectLst/>
-                <a:latin typeface="Consolas" panose="020B0609020204030204" pitchFamily="49" charset="0"/>
-              </a:rPr>
-              <a:t>color:blue</a:t>
-            </a:r>
-            <a:r>
-              <a:rPr lang="en-US" b="0" i="0" dirty="0">
-                <a:solidFill>
-                  <a:srgbClr val="0000CD"/>
-                </a:solidFill>
-                <a:effectLst/>
-                <a:latin typeface="Consolas" panose="020B0609020204030204" pitchFamily="49" charset="0"/>
-              </a:rPr>
-              <a:t>;"&gt;</a:t>
-            </a:r>
-            <a:r>
-              <a:rPr lang="en-US" b="0" i="0" dirty="0">
-                <a:solidFill>
-                  <a:srgbClr val="000000"/>
-                </a:solidFill>
-                <a:effectLst/>
-                <a:latin typeface="Consolas" panose="020B0609020204030204" pitchFamily="49" charset="0"/>
-              </a:rPr>
-              <a:t>This is a heading</a:t>
-            </a:r>
-            <a:r>
-              <a:rPr lang="en-US" b="0" i="0" dirty="0">
-                <a:solidFill>
-                  <a:srgbClr val="0000CD"/>
-                </a:solidFill>
-                <a:effectLst/>
-                <a:latin typeface="Consolas" panose="020B0609020204030204" pitchFamily="49" charset="0"/>
-              </a:rPr>
-              <a:t>&lt;</a:t>
-            </a:r>
-            <a:r>
-              <a:rPr lang="en-US" b="0" i="0" dirty="0">
-                <a:solidFill>
-                  <a:srgbClr val="A52A2A"/>
-                </a:solidFill>
-                <a:effectLst/>
-                <a:latin typeface="Consolas" panose="020B0609020204030204" pitchFamily="49" charset="0"/>
-              </a:rPr>
-              <a:t>/h1</a:t>
-            </a:r>
-            <a:r>
-              <a:rPr lang="en-US" b="0" i="0" dirty="0">
-                <a:solidFill>
-                  <a:srgbClr val="0000CD"/>
-                </a:solidFill>
-                <a:effectLst/>
-                <a:latin typeface="Consolas" panose="020B0609020204030204" pitchFamily="49" charset="0"/>
-              </a:rPr>
-              <a:t>&gt;</a:t>
-            </a:r>
-            <a:br>
+              <a:t>Uniform Resource Name, Uniform Resource Identifier, Uniform Resource Locator</a:t>
+            </a:r>
+          </a:p>
+          <a:p>
+            <a:endParaRPr lang="en-US" dirty="0"/>
+          </a:p>
+          <a:p>
+            <a:endParaRPr lang="en-US" dirty="0"/>
+          </a:p>
+          <a:p>
+            <a:endParaRPr lang="en-US" dirty="0"/>
+          </a:p>
+          <a:p>
+            <a:endParaRPr lang="en-US" dirty="0"/>
+          </a:p>
+          <a:p>
+            <a:endParaRPr lang="en-US" dirty="0"/>
+          </a:p>
+          <a:p>
+            <a:r>
               <a:rPr lang="en-US" dirty="0"/>
-            </a:br>
-            <a:r>
-              <a:rPr lang="en-US" b="0" i="0" dirty="0">
-                <a:solidFill>
-                  <a:srgbClr val="0000CD"/>
-                </a:solidFill>
-                <a:effectLst/>
-                <a:latin typeface="Consolas" panose="020B0609020204030204" pitchFamily="49" charset="0"/>
-              </a:rPr>
-              <a:t>&lt;</a:t>
-            </a:r>
-            <a:r>
-              <a:rPr lang="en-US" b="0" i="0" dirty="0">
-                <a:solidFill>
-                  <a:srgbClr val="A52A2A"/>
-                </a:solidFill>
-                <a:effectLst/>
-                <a:latin typeface="Consolas" panose="020B0609020204030204" pitchFamily="49" charset="0"/>
-              </a:rPr>
-              <a:t>h1</a:t>
-            </a:r>
-            <a:r>
-              <a:rPr lang="en-US" b="0" i="0" dirty="0">
-                <a:solidFill>
-                  <a:srgbClr val="FF0000"/>
-                </a:solidFill>
-                <a:effectLst/>
-                <a:latin typeface="Consolas" panose="020B0609020204030204" pitchFamily="49" charset="0"/>
-              </a:rPr>
-              <a:t> style</a:t>
-            </a:r>
-            <a:r>
-              <a:rPr lang="en-US" b="0" i="0" dirty="0">
-                <a:solidFill>
-                  <a:srgbClr val="0000CD"/>
-                </a:solidFill>
-                <a:effectLst/>
-                <a:latin typeface="Consolas" panose="020B0609020204030204" pitchFamily="49" charset="0"/>
-              </a:rPr>
-              <a:t>="</a:t>
-            </a:r>
-            <a:r>
-              <a:rPr lang="en-US" b="0" i="0" dirty="0" err="1">
-                <a:solidFill>
-                  <a:srgbClr val="0000CD"/>
-                </a:solidFill>
-                <a:effectLst/>
-                <a:latin typeface="Consolas" panose="020B0609020204030204" pitchFamily="49" charset="0"/>
-              </a:rPr>
-              <a:t>font-family:verdana</a:t>
-            </a:r>
-            <a:r>
-              <a:rPr lang="en-US" b="0" i="0" dirty="0">
-                <a:solidFill>
-                  <a:srgbClr val="0000CD"/>
-                </a:solidFill>
-                <a:effectLst/>
-                <a:latin typeface="Consolas" panose="020B0609020204030204" pitchFamily="49" charset="0"/>
-              </a:rPr>
-              <a:t>;"&gt;</a:t>
-            </a:r>
-            <a:r>
-              <a:rPr lang="en-US" b="0" i="0" dirty="0">
-                <a:solidFill>
-                  <a:srgbClr val="000000"/>
-                </a:solidFill>
-                <a:effectLst/>
-                <a:latin typeface="Consolas" panose="020B0609020204030204" pitchFamily="49" charset="0"/>
-              </a:rPr>
-              <a:t>This is a heading</a:t>
-            </a:r>
-            <a:r>
-              <a:rPr lang="en-US" b="0" i="0" dirty="0">
-                <a:solidFill>
-                  <a:srgbClr val="0000CD"/>
-                </a:solidFill>
-                <a:effectLst/>
-                <a:latin typeface="Consolas" panose="020B0609020204030204" pitchFamily="49" charset="0"/>
-              </a:rPr>
-              <a:t>&lt;</a:t>
-            </a:r>
-            <a:r>
-              <a:rPr lang="en-US" b="0" i="0" dirty="0">
-                <a:solidFill>
-                  <a:srgbClr val="A52A2A"/>
-                </a:solidFill>
-                <a:effectLst/>
-                <a:latin typeface="Consolas" panose="020B0609020204030204" pitchFamily="49" charset="0"/>
-              </a:rPr>
-              <a:t>/h1</a:t>
-            </a:r>
-            <a:r>
-              <a:rPr lang="en-US" b="0" i="0" dirty="0">
-                <a:solidFill>
-                  <a:srgbClr val="0000CD"/>
-                </a:solidFill>
-                <a:effectLst/>
-                <a:latin typeface="Consolas" panose="020B0609020204030204" pitchFamily="49" charset="0"/>
-              </a:rPr>
-              <a:t>&gt;</a:t>
-            </a:r>
-            <a:br>
+              <a:t>URL is subset of URI. URI identifies the resource and URL identifies location.</a:t>
+            </a:r>
+          </a:p>
+        </p:txBody>
+      </p:sp>
+      <p:sp>
+        <p:nvSpPr>
+          <p:cNvPr id="4" name="Rectangle 3">
+            <a:extLst>
+              <a:ext uri="{FF2B5EF4-FFF2-40B4-BE49-F238E27FC236}">
+                <a16:creationId xmlns:a16="http://schemas.microsoft.com/office/drawing/2014/main" id="{C5057F6F-8914-46E9-8F5C-9D5995B7E6B0}"/>
+              </a:ext>
+            </a:extLst>
+          </p:cNvPr>
+          <p:cNvSpPr/>
+          <p:nvPr/>
+        </p:nvSpPr>
+        <p:spPr>
+          <a:xfrm>
+            <a:off x="1451579" y="2603863"/>
+            <a:ext cx="5419738" cy="2351314"/>
+          </a:xfrm>
+          <a:prstGeom prst="rect">
+            <a:avLst/>
+          </a:prstGeom>
+        </p:spPr>
+        <p:style>
+          <a:lnRef idx="2">
+            <a:schemeClr val="accent4">
+              <a:shade val="50000"/>
+            </a:schemeClr>
+          </a:lnRef>
+          <a:fillRef idx="1">
+            <a:schemeClr val="accent4"/>
+          </a:fillRef>
+          <a:effectRef idx="0">
+            <a:schemeClr val="accent4"/>
+          </a:effectRef>
+          <a:fontRef idx="minor">
+            <a:schemeClr val="lt1"/>
+          </a:fontRef>
+        </p:style>
+        <p:txBody>
+          <a:bodyPr rtlCol="0" anchor="ctr"/>
+          <a:lstStyle/>
+          <a:p>
+            <a:pPr algn="ctr"/>
+            <a:endParaRPr lang="en-US" dirty="0"/>
+          </a:p>
+          <a:p>
+            <a:pPr algn="ctr"/>
+            <a:endParaRPr lang="en-US" dirty="0"/>
+          </a:p>
+          <a:p>
+            <a:pPr algn="ctr"/>
+            <a:endParaRPr lang="en-US" dirty="0"/>
+          </a:p>
+          <a:p>
+            <a:pPr algn="ctr"/>
+            <a:r>
               <a:rPr lang="en-US" dirty="0"/>
-            </a:br>
-            <a:r>
-              <a:rPr lang="en-US" b="0" i="0" dirty="0">
-                <a:solidFill>
-                  <a:srgbClr val="0000CD"/>
-                </a:solidFill>
-                <a:effectLst/>
-                <a:latin typeface="Consolas" panose="020B0609020204030204" pitchFamily="49" charset="0"/>
-              </a:rPr>
-              <a:t>&lt;</a:t>
-            </a:r>
-            <a:r>
-              <a:rPr lang="en-US" b="0" i="0" dirty="0">
-                <a:solidFill>
-                  <a:srgbClr val="A52A2A"/>
-                </a:solidFill>
-                <a:effectLst/>
-                <a:latin typeface="Consolas" panose="020B0609020204030204" pitchFamily="49" charset="0"/>
-              </a:rPr>
-              <a:t>h1</a:t>
-            </a:r>
-            <a:r>
-              <a:rPr lang="en-US" b="0" i="0" dirty="0">
-                <a:solidFill>
-                  <a:srgbClr val="FF0000"/>
-                </a:solidFill>
-                <a:effectLst/>
-                <a:latin typeface="Consolas" panose="020B0609020204030204" pitchFamily="49" charset="0"/>
-              </a:rPr>
-              <a:t> style</a:t>
-            </a:r>
-            <a:r>
-              <a:rPr lang="en-US" b="0" i="0" dirty="0">
-                <a:solidFill>
-                  <a:srgbClr val="0000CD"/>
-                </a:solidFill>
-                <a:effectLst/>
-                <a:latin typeface="Consolas" panose="020B0609020204030204" pitchFamily="49" charset="0"/>
-              </a:rPr>
-              <a:t>="font-size:300%;"&gt;</a:t>
-            </a:r>
-            <a:r>
-              <a:rPr lang="en-US" b="0" i="0" dirty="0">
-                <a:solidFill>
-                  <a:srgbClr val="000000"/>
-                </a:solidFill>
-                <a:effectLst/>
-                <a:latin typeface="Consolas" panose="020B0609020204030204" pitchFamily="49" charset="0"/>
-              </a:rPr>
-              <a:t>This is a heading</a:t>
-            </a:r>
-            <a:r>
-              <a:rPr lang="en-US" b="0" i="0" dirty="0">
-                <a:solidFill>
-                  <a:srgbClr val="0000CD"/>
-                </a:solidFill>
-                <a:effectLst/>
-                <a:latin typeface="Consolas" panose="020B0609020204030204" pitchFamily="49" charset="0"/>
-              </a:rPr>
-              <a:t>&lt;</a:t>
-            </a:r>
-            <a:r>
-              <a:rPr lang="en-US" b="0" i="0" dirty="0">
-                <a:solidFill>
-                  <a:srgbClr val="A52A2A"/>
-                </a:solidFill>
-                <a:effectLst/>
-                <a:latin typeface="Consolas" panose="020B0609020204030204" pitchFamily="49" charset="0"/>
-              </a:rPr>
-              <a:t>/h1</a:t>
-            </a:r>
-            <a:r>
-              <a:rPr lang="en-US" b="0" i="0" dirty="0">
-                <a:solidFill>
-                  <a:srgbClr val="0000CD"/>
-                </a:solidFill>
-                <a:effectLst/>
-                <a:latin typeface="Consolas" panose="020B0609020204030204" pitchFamily="49" charset="0"/>
-              </a:rPr>
-              <a:t>&gt;</a:t>
-            </a:r>
-            <a:br>
+              <a:t>+</a:t>
+            </a:r>
+          </a:p>
+          <a:p>
+            <a:pPr algn="ctr"/>
+            <a:endParaRPr lang="en-US" dirty="0"/>
+          </a:p>
+          <a:p>
+            <a:pPr algn="ctr"/>
+            <a:r>
               <a:rPr lang="en-US" dirty="0"/>
-            </a:br>
-            <a:r>
-              <a:rPr lang="en-US" b="0" i="0" dirty="0">
-                <a:solidFill>
-                  <a:srgbClr val="0000CD"/>
-                </a:solidFill>
-                <a:effectLst/>
-                <a:latin typeface="Consolas" panose="020B0609020204030204" pitchFamily="49" charset="0"/>
-              </a:rPr>
-              <a:t>&lt;</a:t>
-            </a:r>
-            <a:r>
-              <a:rPr lang="en-US" b="0" i="0" dirty="0">
-                <a:solidFill>
-                  <a:srgbClr val="A52A2A"/>
-                </a:solidFill>
-                <a:effectLst/>
-                <a:latin typeface="Consolas" panose="020B0609020204030204" pitchFamily="49" charset="0"/>
-              </a:rPr>
-              <a:t>h1</a:t>
-            </a:r>
-            <a:r>
-              <a:rPr lang="en-US" b="0" i="0" dirty="0">
-                <a:solidFill>
-                  <a:srgbClr val="FF0000"/>
-                </a:solidFill>
-                <a:effectLst/>
-                <a:latin typeface="Consolas" panose="020B0609020204030204" pitchFamily="49" charset="0"/>
-              </a:rPr>
-              <a:t> style</a:t>
-            </a:r>
-            <a:r>
-              <a:rPr lang="en-US" b="0" i="0" dirty="0">
-                <a:solidFill>
-                  <a:srgbClr val="0000CD"/>
-                </a:solidFill>
-                <a:effectLst/>
-                <a:latin typeface="Consolas" panose="020B0609020204030204" pitchFamily="49" charset="0"/>
-              </a:rPr>
-              <a:t>="</a:t>
-            </a:r>
-            <a:r>
-              <a:rPr lang="en-US" b="0" i="0" dirty="0" err="1">
-                <a:solidFill>
-                  <a:srgbClr val="0000CD"/>
-                </a:solidFill>
-                <a:effectLst/>
-                <a:latin typeface="Consolas" panose="020B0609020204030204" pitchFamily="49" charset="0"/>
-              </a:rPr>
-              <a:t>text-align:center</a:t>
-            </a:r>
-            <a:r>
-              <a:rPr lang="en-US" b="0" i="0" dirty="0">
-                <a:solidFill>
-                  <a:srgbClr val="0000CD"/>
-                </a:solidFill>
-                <a:effectLst/>
-                <a:latin typeface="Consolas" panose="020B0609020204030204" pitchFamily="49" charset="0"/>
-              </a:rPr>
-              <a:t>;"&gt;</a:t>
-            </a:r>
-            <a:r>
-              <a:rPr lang="en-US" b="0" i="0" dirty="0">
-                <a:solidFill>
-                  <a:srgbClr val="000000"/>
-                </a:solidFill>
-                <a:effectLst/>
-                <a:latin typeface="Consolas" panose="020B0609020204030204" pitchFamily="49" charset="0"/>
-              </a:rPr>
-              <a:t>Centered Heading</a:t>
-            </a:r>
-            <a:r>
-              <a:rPr lang="en-US" b="0" i="0" dirty="0">
-                <a:solidFill>
-                  <a:srgbClr val="0000CD"/>
-                </a:solidFill>
-                <a:effectLst/>
-                <a:latin typeface="Consolas" panose="020B0609020204030204" pitchFamily="49" charset="0"/>
-              </a:rPr>
-              <a:t>&lt;</a:t>
-            </a:r>
-            <a:r>
-              <a:rPr lang="en-US" b="0" i="0" dirty="0">
-                <a:solidFill>
-                  <a:srgbClr val="A52A2A"/>
-                </a:solidFill>
-                <a:effectLst/>
-                <a:latin typeface="Consolas" panose="020B0609020204030204" pitchFamily="49" charset="0"/>
-              </a:rPr>
-              <a:t>/h1</a:t>
-            </a:r>
-            <a:r>
-              <a:rPr lang="en-US" b="0" i="0" dirty="0">
-                <a:solidFill>
-                  <a:srgbClr val="0000CD"/>
-                </a:solidFill>
-                <a:effectLst/>
-                <a:latin typeface="Consolas" panose="020B0609020204030204" pitchFamily="49" charset="0"/>
-              </a:rPr>
-              <a:t>&gt;</a:t>
-            </a:r>
-            <a:br>
+              <a:t>=</a:t>
+            </a:r>
+          </a:p>
+          <a:p>
+            <a:pPr algn="ctr"/>
+            <a:endParaRPr lang="en-US" dirty="0"/>
+          </a:p>
+          <a:p>
+            <a:pPr algn="ctr"/>
+            <a:r>
               <a:rPr lang="en-US" dirty="0"/>
-            </a:br>
-            <a:endParaRPr lang="en-US" dirty="0"/>
-          </a:p>
-        </p:txBody>
-      </p:sp>
+              <a:t>URI</a:t>
+            </a:r>
+          </a:p>
+        </p:txBody>
+      </p:sp>
+      <p:sp>
+        <p:nvSpPr>
+          <p:cNvPr id="5" name="Rectangle 4">
+            <a:extLst>
+              <a:ext uri="{FF2B5EF4-FFF2-40B4-BE49-F238E27FC236}">
+                <a16:creationId xmlns:a16="http://schemas.microsoft.com/office/drawing/2014/main" id="{9B049205-24B7-44BC-8774-0F3D5FE1CDD3}"/>
+              </a:ext>
+            </a:extLst>
+          </p:cNvPr>
+          <p:cNvSpPr/>
+          <p:nvPr/>
+        </p:nvSpPr>
+        <p:spPr>
+          <a:xfrm>
+            <a:off x="1702801" y="3100251"/>
+            <a:ext cx="1933303" cy="1166949"/>
+          </a:xfrm>
+          <a:prstGeom prst="rect">
+            <a:avLst/>
+          </a:prstGeom>
+        </p:spPr>
+        <p:style>
+          <a:lnRef idx="2">
+            <a:schemeClr val="accent6">
+              <a:shade val="50000"/>
+            </a:schemeClr>
+          </a:lnRef>
+          <a:fillRef idx="1">
+            <a:schemeClr val="accent6"/>
+          </a:fillRef>
+          <a:effectRef idx="0">
+            <a:schemeClr val="accent6"/>
+          </a:effectRef>
+          <a:fontRef idx="minor">
+            <a:schemeClr val="lt1"/>
+          </a:fontRef>
+        </p:style>
+        <p:txBody>
+          <a:bodyPr rtlCol="0" anchor="ctr"/>
+          <a:lstStyle/>
+          <a:p>
+            <a:pPr algn="ctr"/>
+            <a:r>
+              <a:rPr lang="en-US" dirty="0"/>
+              <a:t>URN</a:t>
+            </a:r>
+          </a:p>
+        </p:txBody>
+      </p:sp>
+      <p:sp>
+        <p:nvSpPr>
+          <p:cNvPr id="7" name="Rectangle 6">
+            <a:extLst>
+              <a:ext uri="{FF2B5EF4-FFF2-40B4-BE49-F238E27FC236}">
+                <a16:creationId xmlns:a16="http://schemas.microsoft.com/office/drawing/2014/main" id="{A3C4DF8C-E490-4A5D-B88D-DFEE122BCB7A}"/>
+              </a:ext>
+            </a:extLst>
+          </p:cNvPr>
+          <p:cNvSpPr/>
+          <p:nvPr/>
+        </p:nvSpPr>
+        <p:spPr>
+          <a:xfrm>
+            <a:off x="4668070" y="3100251"/>
+            <a:ext cx="1933303" cy="1166949"/>
+          </a:xfrm>
+          <a:prstGeom prst="rect">
+            <a:avLst/>
+          </a:prstGeom>
+        </p:spPr>
+        <p:style>
+          <a:lnRef idx="2">
+            <a:schemeClr val="accent6">
+              <a:shade val="50000"/>
+            </a:schemeClr>
+          </a:lnRef>
+          <a:fillRef idx="1">
+            <a:schemeClr val="accent6"/>
+          </a:fillRef>
+          <a:effectRef idx="0">
+            <a:schemeClr val="accent6"/>
+          </a:effectRef>
+          <a:fontRef idx="minor">
+            <a:schemeClr val="lt1"/>
+          </a:fontRef>
+        </p:style>
+        <p:txBody>
+          <a:bodyPr rtlCol="0" anchor="ctr"/>
+          <a:lstStyle/>
+          <a:p>
+            <a:pPr algn="ctr"/>
+            <a:r>
+              <a:rPr lang="en-US" dirty="0"/>
+              <a:t>URL</a:t>
+            </a:r>
+          </a:p>
+        </p:txBody>
+      </p:sp>
+      <p:pic>
+        <p:nvPicPr>
+          <p:cNvPr id="9" name="Picture 8">
+            <a:extLst>
+              <a:ext uri="{FF2B5EF4-FFF2-40B4-BE49-F238E27FC236}">
+                <a16:creationId xmlns:a16="http://schemas.microsoft.com/office/drawing/2014/main" id="{40AE2559-2524-4BF1-A94E-AF5106991F11}"/>
+              </a:ext>
+            </a:extLst>
+          </p:cNvPr>
+          <p:cNvPicPr>
+            <a:picLocks noChangeAspect="1"/>
+          </p:cNvPicPr>
+          <p:nvPr/>
+        </p:nvPicPr>
+        <p:blipFill>
+          <a:blip r:embed="rId2"/>
+          <a:stretch>
+            <a:fillRect/>
+          </a:stretch>
+        </p:blipFill>
+        <p:spPr>
+          <a:xfrm>
+            <a:off x="7367006" y="2558227"/>
+            <a:ext cx="4453481" cy="2446020"/>
+          </a:xfrm>
+          <a:prstGeom prst="rect">
+            <a:avLst/>
+          </a:prstGeom>
+        </p:spPr>
+      </p:pic>
     </p:spTree>
     <p:extLst>
       <p:ext uri="{BB962C8B-B14F-4D97-AF65-F5344CB8AC3E}">
-        <p14:creationId xmlns:p14="http://schemas.microsoft.com/office/powerpoint/2010/main" val="2038142108"/>
+        <p14:creationId xmlns:p14="http://schemas.microsoft.com/office/powerpoint/2010/main" val="1022714928"/>
       </p:ext>
     </p:extLst>
   </p:cSld>
@@ -5361,7 +4664,7 @@
           <p:cNvPr id="2" name="Title 1">
             <a:extLst>
               <a:ext uri="{FF2B5EF4-FFF2-40B4-BE49-F238E27FC236}">
-                <a16:creationId xmlns:a16="http://schemas.microsoft.com/office/drawing/2014/main" id="{2B50BDC5-EC3A-458A-BAAD-0D21C32711B7}"/>
+                <a16:creationId xmlns:a16="http://schemas.microsoft.com/office/drawing/2014/main" id="{95045FED-EFF6-49C4-BC63-67B44A36B2D5}"/>
               </a:ext>
             </a:extLst>
           </p:cNvPr>
@@ -5379,7 +4682,7 @@
           <a:p>
             <a:r>
               <a:rPr lang="en-US" dirty="0"/>
-              <a:t>Formatting</a:t>
+              <a:t>Html structure</a:t>
             </a:r>
           </a:p>
         </p:txBody>
@@ -5389,7 +4692,7 @@
           <p:cNvPr id="3" name="Content Placeholder 2">
             <a:extLst>
               <a:ext uri="{FF2B5EF4-FFF2-40B4-BE49-F238E27FC236}">
-                <a16:creationId xmlns:a16="http://schemas.microsoft.com/office/drawing/2014/main" id="{6D2A56F5-D0CB-4AA4-8FDF-37AED66FE362}"/>
+                <a16:creationId xmlns:a16="http://schemas.microsoft.com/office/drawing/2014/main" id="{97FA0FEE-94B4-4271-AD47-71D636A88E15}"/>
               </a:ext>
             </a:extLst>
           </p:cNvPr>
@@ -5403,94 +4706,485 @@
         <p:spPr/>
         <p:txBody>
           <a:bodyPr>
-            <a:normAutofit fontScale="55000" lnSpcReduction="20000"/>
+            <a:normAutofit fontScale="85000" lnSpcReduction="20000"/>
           </a:bodyPr>
           <a:lstStyle/>
           <a:p>
-            <a:endParaRPr lang="en-US" dirty="0"/>
-          </a:p>
-          <a:p>
-            <a:r>
+            <a:r>
+              <a:rPr lang="en-US" b="0" i="0" dirty="0">
+                <a:solidFill>
+                  <a:srgbClr val="0000CD"/>
+                </a:solidFill>
+                <a:effectLst/>
+                <a:latin typeface="Consolas" panose="020B0609020204030204" pitchFamily="49" charset="0"/>
+              </a:rPr>
+              <a:t>&lt;</a:t>
+            </a:r>
+            <a:r>
+              <a:rPr lang="en-US" b="0" i="0" dirty="0">
+                <a:solidFill>
+                  <a:srgbClr val="A52A2A"/>
+                </a:solidFill>
+                <a:effectLst/>
+                <a:latin typeface="Consolas" panose="020B0609020204030204" pitchFamily="49" charset="0"/>
+              </a:rPr>
+              <a:t>!DOCTYPE</a:t>
+            </a:r>
+            <a:r>
+              <a:rPr lang="en-US" b="0" i="0" dirty="0">
+                <a:solidFill>
+                  <a:srgbClr val="FF0000"/>
+                </a:solidFill>
+                <a:effectLst/>
+                <a:latin typeface="Consolas" panose="020B0609020204030204" pitchFamily="49" charset="0"/>
+              </a:rPr>
+              <a:t> html</a:t>
+            </a:r>
+            <a:r>
+              <a:rPr lang="en-US" b="0" i="0" dirty="0">
+                <a:solidFill>
+                  <a:srgbClr val="0000CD"/>
+                </a:solidFill>
+                <a:effectLst/>
+                <a:latin typeface="Consolas" panose="020B0609020204030204" pitchFamily="49" charset="0"/>
+              </a:rPr>
+              <a:t>&gt;</a:t>
+            </a:r>
+            <a:br>
               <a:rPr lang="en-US" dirty="0"/>
-              <a:t>&lt;b&gt; - Bold text</a:t>
-            </a:r>
-          </a:p>
-          <a:p>
-            <a:r>
+            </a:br>
+            <a:r>
+              <a:rPr lang="en-US" b="0" i="0" dirty="0">
+                <a:solidFill>
+                  <a:srgbClr val="0000CD"/>
+                </a:solidFill>
+                <a:effectLst/>
+                <a:latin typeface="Consolas" panose="020B0609020204030204" pitchFamily="49" charset="0"/>
+              </a:rPr>
+              <a:t>&lt;</a:t>
+            </a:r>
+            <a:r>
+              <a:rPr lang="en-US" b="0" i="0" dirty="0">
+                <a:solidFill>
+                  <a:srgbClr val="A52A2A"/>
+                </a:solidFill>
+                <a:effectLst/>
+                <a:latin typeface="Consolas" panose="020B0609020204030204" pitchFamily="49" charset="0"/>
+              </a:rPr>
+              <a:t>html</a:t>
+            </a:r>
+            <a:r>
+              <a:rPr lang="en-US" b="0" i="0" dirty="0">
+                <a:solidFill>
+                  <a:srgbClr val="0000CD"/>
+                </a:solidFill>
+                <a:effectLst/>
+                <a:latin typeface="Consolas" panose="020B0609020204030204" pitchFamily="49" charset="0"/>
+              </a:rPr>
+              <a:t>&gt;</a:t>
+            </a:r>
+            <a:br>
               <a:rPr lang="en-US" dirty="0"/>
-              <a:t>&lt;strong&gt; - Important text</a:t>
-            </a:r>
-          </a:p>
-          <a:p>
-            <a:r>
+            </a:br>
+            <a:r>
+              <a:rPr lang="en-US" b="0" i="0" dirty="0">
+                <a:solidFill>
+                  <a:srgbClr val="0000CD"/>
+                </a:solidFill>
+                <a:effectLst/>
+                <a:latin typeface="Consolas" panose="020B0609020204030204" pitchFamily="49" charset="0"/>
+              </a:rPr>
+              <a:t>&lt;</a:t>
+            </a:r>
+            <a:r>
+              <a:rPr lang="en-US" b="0" i="0" dirty="0">
+                <a:solidFill>
+                  <a:srgbClr val="A52A2A"/>
+                </a:solidFill>
+                <a:effectLst/>
+                <a:latin typeface="Consolas" panose="020B0609020204030204" pitchFamily="49" charset="0"/>
+              </a:rPr>
+              <a:t>head</a:t>
+            </a:r>
+            <a:r>
+              <a:rPr lang="en-US" b="0" i="0" dirty="0">
+                <a:solidFill>
+                  <a:srgbClr val="0000CD"/>
+                </a:solidFill>
+                <a:effectLst/>
+                <a:latin typeface="Consolas" panose="020B0609020204030204" pitchFamily="49" charset="0"/>
+              </a:rPr>
+              <a:t>&gt;</a:t>
+            </a:r>
+            <a:br>
               <a:rPr lang="en-US" dirty="0"/>
+            </a:br>
+            <a:r>
+              <a:rPr lang="en-US" b="0" i="0" dirty="0">
+                <a:solidFill>
+                  <a:srgbClr val="0000CD"/>
+                </a:solidFill>
+                <a:effectLst/>
+                <a:latin typeface="Consolas" panose="020B0609020204030204" pitchFamily="49" charset="0"/>
+              </a:rPr>
               <a:t>&lt;</a:t>
             </a:r>
             <a:r>
-              <a:rPr lang="en-US" dirty="0" err="1"/>
-              <a:t>i</a:t>
-            </a:r>
-            <a:r>
+              <a:rPr lang="en-US" b="0" i="0" dirty="0">
+                <a:solidFill>
+                  <a:srgbClr val="A52A2A"/>
+                </a:solidFill>
+                <a:effectLst/>
+                <a:latin typeface="Consolas" panose="020B0609020204030204" pitchFamily="49" charset="0"/>
+              </a:rPr>
+              <a:t>title</a:t>
+            </a:r>
+            <a:r>
+              <a:rPr lang="en-US" b="0" i="0" dirty="0">
+                <a:solidFill>
+                  <a:srgbClr val="0000CD"/>
+                </a:solidFill>
+                <a:effectLst/>
+                <a:latin typeface="Consolas" panose="020B0609020204030204" pitchFamily="49" charset="0"/>
+              </a:rPr>
+              <a:t>&gt;</a:t>
+            </a:r>
+            <a:r>
+              <a:rPr lang="en-US" b="0" i="0" dirty="0">
+                <a:solidFill>
+                  <a:srgbClr val="000000"/>
+                </a:solidFill>
+                <a:effectLst/>
+                <a:latin typeface="Consolas" panose="020B0609020204030204" pitchFamily="49" charset="0"/>
+              </a:rPr>
+              <a:t>Page Title</a:t>
+            </a:r>
+            <a:r>
+              <a:rPr lang="en-US" b="0" i="0" dirty="0">
+                <a:solidFill>
+                  <a:srgbClr val="0000CD"/>
+                </a:solidFill>
+                <a:effectLst/>
+                <a:latin typeface="Consolas" panose="020B0609020204030204" pitchFamily="49" charset="0"/>
+              </a:rPr>
+              <a:t>&lt;</a:t>
+            </a:r>
+            <a:r>
+              <a:rPr lang="en-US" b="0" i="0" dirty="0">
+                <a:solidFill>
+                  <a:srgbClr val="A52A2A"/>
+                </a:solidFill>
+                <a:effectLst/>
+                <a:latin typeface="Consolas" panose="020B0609020204030204" pitchFamily="49" charset="0"/>
+              </a:rPr>
+              <a:t>/title</a:t>
+            </a:r>
+            <a:r>
+              <a:rPr lang="en-US" b="0" i="0" dirty="0">
+                <a:solidFill>
+                  <a:srgbClr val="0000CD"/>
+                </a:solidFill>
+                <a:effectLst/>
+                <a:latin typeface="Consolas" panose="020B0609020204030204" pitchFamily="49" charset="0"/>
+              </a:rPr>
+              <a:t>&gt;</a:t>
+            </a:r>
+            <a:br>
               <a:rPr lang="en-US" dirty="0"/>
-              <a:t>&gt; - Italic text</a:t>
-            </a:r>
-          </a:p>
-          <a:p>
-            <a:r>
+            </a:br>
+            <a:r>
+              <a:rPr lang="en-US" b="0" i="0" dirty="0">
+                <a:solidFill>
+                  <a:srgbClr val="0000CD"/>
+                </a:solidFill>
+                <a:effectLst/>
+                <a:latin typeface="Consolas" panose="020B0609020204030204" pitchFamily="49" charset="0"/>
+              </a:rPr>
+              <a:t>&lt;</a:t>
+            </a:r>
+            <a:r>
+              <a:rPr lang="en-US" b="0" i="0" dirty="0">
+                <a:solidFill>
+                  <a:srgbClr val="A52A2A"/>
+                </a:solidFill>
+                <a:effectLst/>
+                <a:latin typeface="Consolas" panose="020B0609020204030204" pitchFamily="49" charset="0"/>
+              </a:rPr>
+              <a:t>/head</a:t>
+            </a:r>
+            <a:r>
+              <a:rPr lang="en-US" b="0" i="0" dirty="0">
+                <a:solidFill>
+                  <a:srgbClr val="0000CD"/>
+                </a:solidFill>
+                <a:effectLst/>
+                <a:latin typeface="Consolas" panose="020B0609020204030204" pitchFamily="49" charset="0"/>
+              </a:rPr>
+              <a:t>&gt;</a:t>
+            </a:r>
+            <a:br>
               <a:rPr lang="en-US" dirty="0"/>
+            </a:br>
+            <a:r>
+              <a:rPr lang="en-US" b="0" i="0" dirty="0">
+                <a:solidFill>
+                  <a:srgbClr val="0000CD"/>
+                </a:solidFill>
+                <a:effectLst/>
+                <a:latin typeface="Consolas" panose="020B0609020204030204" pitchFamily="49" charset="0"/>
+              </a:rPr>
               <a:t>&lt;</a:t>
             </a:r>
             <a:r>
-              <a:rPr lang="en-US" dirty="0" err="1"/>
-              <a:t>em</a:t>
-            </a:r>
-            <a:r>
+              <a:rPr lang="en-US" b="0" i="0" dirty="0">
+                <a:solidFill>
+                  <a:srgbClr val="A52A2A"/>
+                </a:solidFill>
+                <a:effectLst/>
+                <a:latin typeface="Consolas" panose="020B0609020204030204" pitchFamily="49" charset="0"/>
+              </a:rPr>
+              <a:t>body</a:t>
+            </a:r>
+            <a:r>
+              <a:rPr lang="en-US" b="0" i="0" dirty="0">
+                <a:solidFill>
+                  <a:srgbClr val="0000CD"/>
+                </a:solidFill>
+                <a:effectLst/>
+                <a:latin typeface="Consolas" panose="020B0609020204030204" pitchFamily="49" charset="0"/>
+              </a:rPr>
+              <a:t>&gt;</a:t>
+            </a:r>
+            <a:br>
               <a:rPr lang="en-US" dirty="0"/>
-              <a:t>&gt; - Emphasized text</a:t>
-            </a:r>
-          </a:p>
-          <a:p>
-            <a:r>
+            </a:br>
+            <a:br>
               <a:rPr lang="en-US" dirty="0"/>
-              <a:t>&lt;mark&gt; - Marked text</a:t>
-            </a:r>
-          </a:p>
-          <a:p>
-            <a:r>
+            </a:br>
+            <a:r>
+              <a:rPr lang="en-US" b="0" i="0" dirty="0">
+                <a:solidFill>
+                  <a:srgbClr val="0000CD"/>
+                </a:solidFill>
+                <a:effectLst/>
+                <a:latin typeface="Consolas" panose="020B0609020204030204" pitchFamily="49" charset="0"/>
+              </a:rPr>
+              <a:t>&lt;</a:t>
+            </a:r>
+            <a:r>
+              <a:rPr lang="en-US" b="0" i="0" dirty="0">
+                <a:solidFill>
+                  <a:srgbClr val="A52A2A"/>
+                </a:solidFill>
+                <a:effectLst/>
+                <a:latin typeface="Consolas" panose="020B0609020204030204" pitchFamily="49" charset="0"/>
+              </a:rPr>
+              <a:t>h1</a:t>
+            </a:r>
+            <a:r>
+              <a:rPr lang="en-US" b="0" i="0" dirty="0">
+                <a:solidFill>
+                  <a:srgbClr val="0000CD"/>
+                </a:solidFill>
+                <a:effectLst/>
+                <a:latin typeface="Consolas" panose="020B0609020204030204" pitchFamily="49" charset="0"/>
+              </a:rPr>
+              <a:t>&gt;</a:t>
+            </a:r>
+            <a:r>
+              <a:rPr lang="en-US" b="0" i="0" dirty="0">
+                <a:solidFill>
+                  <a:srgbClr val="000000"/>
+                </a:solidFill>
+                <a:effectLst/>
+                <a:latin typeface="Consolas" panose="020B0609020204030204" pitchFamily="49" charset="0"/>
+              </a:rPr>
+              <a:t>My First Heading</a:t>
+            </a:r>
+            <a:r>
+              <a:rPr lang="en-US" b="0" i="0" dirty="0">
+                <a:solidFill>
+                  <a:srgbClr val="0000CD"/>
+                </a:solidFill>
+                <a:effectLst/>
+                <a:latin typeface="Consolas" panose="020B0609020204030204" pitchFamily="49" charset="0"/>
+              </a:rPr>
+              <a:t>&lt;</a:t>
+            </a:r>
+            <a:r>
+              <a:rPr lang="en-US" b="0" i="0" dirty="0">
+                <a:solidFill>
+                  <a:srgbClr val="A52A2A"/>
+                </a:solidFill>
+                <a:effectLst/>
+                <a:latin typeface="Consolas" panose="020B0609020204030204" pitchFamily="49" charset="0"/>
+              </a:rPr>
+              <a:t>/h1</a:t>
+            </a:r>
+            <a:r>
+              <a:rPr lang="en-US" b="0" i="0" dirty="0">
+                <a:solidFill>
+                  <a:srgbClr val="0000CD"/>
+                </a:solidFill>
+                <a:effectLst/>
+                <a:latin typeface="Consolas" panose="020B0609020204030204" pitchFamily="49" charset="0"/>
+              </a:rPr>
+              <a:t>&gt;</a:t>
+            </a:r>
+            <a:br>
               <a:rPr lang="en-US" dirty="0"/>
-              <a:t>&lt;small&gt; - Smaller text</a:t>
-            </a:r>
-          </a:p>
-          <a:p>
-            <a:r>
+            </a:br>
+            <a:r>
+              <a:rPr lang="en-US" b="0" i="0" dirty="0">
+                <a:solidFill>
+                  <a:srgbClr val="0000CD"/>
+                </a:solidFill>
+                <a:effectLst/>
+                <a:latin typeface="Consolas" panose="020B0609020204030204" pitchFamily="49" charset="0"/>
+              </a:rPr>
+              <a:t>&lt;</a:t>
+            </a:r>
+            <a:r>
+              <a:rPr lang="en-US" b="0" i="0" dirty="0">
+                <a:solidFill>
+                  <a:srgbClr val="A52A2A"/>
+                </a:solidFill>
+                <a:effectLst/>
+                <a:latin typeface="Consolas" panose="020B0609020204030204" pitchFamily="49" charset="0"/>
+              </a:rPr>
+              <a:t>p</a:t>
+            </a:r>
+            <a:r>
+              <a:rPr lang="en-US" b="0" i="0" dirty="0">
+                <a:solidFill>
+                  <a:srgbClr val="0000CD"/>
+                </a:solidFill>
+                <a:effectLst/>
+                <a:latin typeface="Consolas" panose="020B0609020204030204" pitchFamily="49" charset="0"/>
+              </a:rPr>
+              <a:t>&gt;</a:t>
+            </a:r>
+            <a:r>
+              <a:rPr lang="en-US" b="0" i="0" dirty="0">
+                <a:solidFill>
+                  <a:srgbClr val="000000"/>
+                </a:solidFill>
+                <a:effectLst/>
+                <a:latin typeface="Consolas" panose="020B0609020204030204" pitchFamily="49" charset="0"/>
+              </a:rPr>
+              <a:t>My first paragraph.</a:t>
+            </a:r>
+            <a:r>
+              <a:rPr lang="en-US" b="0" i="0" dirty="0">
+                <a:solidFill>
+                  <a:srgbClr val="0000CD"/>
+                </a:solidFill>
+                <a:effectLst/>
+                <a:latin typeface="Consolas" panose="020B0609020204030204" pitchFamily="49" charset="0"/>
+              </a:rPr>
+              <a:t>&lt;</a:t>
+            </a:r>
+            <a:r>
+              <a:rPr lang="en-US" b="0" i="0" dirty="0">
+                <a:solidFill>
+                  <a:srgbClr val="A52A2A"/>
+                </a:solidFill>
+                <a:effectLst/>
+                <a:latin typeface="Consolas" panose="020B0609020204030204" pitchFamily="49" charset="0"/>
+              </a:rPr>
+              <a:t>/p</a:t>
+            </a:r>
+            <a:r>
+              <a:rPr lang="en-US" b="0" i="0" dirty="0">
+                <a:solidFill>
+                  <a:srgbClr val="0000CD"/>
+                </a:solidFill>
+                <a:effectLst/>
+                <a:latin typeface="Consolas" panose="020B0609020204030204" pitchFamily="49" charset="0"/>
+              </a:rPr>
+              <a:t>&gt;</a:t>
+            </a:r>
+            <a:br>
               <a:rPr lang="en-US" dirty="0"/>
-              <a:t>&lt;del&gt; - Deleted text</a:t>
-            </a:r>
-          </a:p>
-          <a:p>
-            <a:r>
+            </a:br>
+            <a:br>
               <a:rPr lang="en-US" dirty="0"/>
-              <a:t>&lt;ins&gt; - Inserted text</a:t>
-            </a:r>
-          </a:p>
-          <a:p>
-            <a:r>
+            </a:br>
+            <a:r>
+              <a:rPr lang="en-US" b="0" i="0" dirty="0">
+                <a:solidFill>
+                  <a:srgbClr val="0000CD"/>
+                </a:solidFill>
+                <a:effectLst/>
+                <a:latin typeface="Consolas" panose="020B0609020204030204" pitchFamily="49" charset="0"/>
+              </a:rPr>
+              <a:t>&lt;</a:t>
+            </a:r>
+            <a:r>
+              <a:rPr lang="en-US" b="0" i="0" dirty="0">
+                <a:solidFill>
+                  <a:srgbClr val="A52A2A"/>
+                </a:solidFill>
+                <a:effectLst/>
+                <a:latin typeface="Consolas" panose="020B0609020204030204" pitchFamily="49" charset="0"/>
+              </a:rPr>
+              <a:t>/body</a:t>
+            </a:r>
+            <a:r>
+              <a:rPr lang="en-US" b="0" i="0" dirty="0">
+                <a:solidFill>
+                  <a:srgbClr val="0000CD"/>
+                </a:solidFill>
+                <a:effectLst/>
+                <a:latin typeface="Consolas" panose="020B0609020204030204" pitchFamily="49" charset="0"/>
+              </a:rPr>
+              <a:t>&gt;</a:t>
+            </a:r>
+            <a:br>
               <a:rPr lang="en-US" dirty="0"/>
-              <a:t>&lt;sub&gt; - Subscript text</a:t>
-            </a:r>
-          </a:p>
-          <a:p>
-            <a:r>
-              <a:rPr lang="en-US" dirty="0"/>
-              <a:t>&lt;sup&gt; - Superscript text</a:t>
-            </a:r>
+            </a:br>
+            <a:r>
+              <a:rPr lang="en-US" b="0" i="0" dirty="0">
+                <a:solidFill>
+                  <a:srgbClr val="0000CD"/>
+                </a:solidFill>
+                <a:effectLst/>
+                <a:latin typeface="Consolas" panose="020B0609020204030204" pitchFamily="49" charset="0"/>
+              </a:rPr>
+              <a:t>&lt;</a:t>
+            </a:r>
+            <a:r>
+              <a:rPr lang="en-US" b="0" i="0" dirty="0">
+                <a:solidFill>
+                  <a:srgbClr val="A52A2A"/>
+                </a:solidFill>
+                <a:effectLst/>
+                <a:latin typeface="Consolas" panose="020B0609020204030204" pitchFamily="49" charset="0"/>
+              </a:rPr>
+              <a:t>/html</a:t>
+            </a:r>
+            <a:r>
+              <a:rPr lang="en-US" b="0" i="0" dirty="0">
+                <a:solidFill>
+                  <a:srgbClr val="002060"/>
+                </a:solidFill>
+                <a:effectLst/>
+                <a:latin typeface="Consolas" panose="020B0609020204030204" pitchFamily="49" charset="0"/>
+              </a:rPr>
+              <a:t>&gt;</a:t>
+            </a:r>
+            <a:endParaRPr lang="en-US" dirty="0">
+              <a:solidFill>
+                <a:srgbClr val="002060"/>
+              </a:solidFill>
+            </a:endParaRPr>
           </a:p>
         </p:txBody>
       </p:sp>
     </p:spTree>
     <p:extLst>
       <p:ext uri="{BB962C8B-B14F-4D97-AF65-F5344CB8AC3E}">
-        <p14:creationId xmlns:p14="http://schemas.microsoft.com/office/powerpoint/2010/main" val="2994182655"/>
+        <p14:creationId xmlns:p14="http://schemas.microsoft.com/office/powerpoint/2010/main" val="3032092202"/>
       </p:ext>
     </p:extLst>
   </p:cSld>
@@ -5522,7 +5216,7 @@
           <p:cNvPr id="2" name="Title 1">
             <a:extLst>
               <a:ext uri="{FF2B5EF4-FFF2-40B4-BE49-F238E27FC236}">
-                <a16:creationId xmlns:a16="http://schemas.microsoft.com/office/drawing/2014/main" id="{F0B1AB91-3CA9-4B6C-B578-8B5362859DAB}"/>
+                <a16:creationId xmlns:a16="http://schemas.microsoft.com/office/drawing/2014/main" id="{5D90A9AA-4DB6-2A03-DC50-F4A6153D8E96}"/>
               </a:ext>
             </a:extLst>
           </p:cNvPr>
@@ -5538,10 +5232,7 @@
           <a:bodyPr/>
           <a:lstStyle/>
           <a:p>
-            <a:r>
-              <a:rPr lang="en-US" dirty="0"/>
-              <a:t>XML introduction</a:t>
-            </a:r>
+            <a:endParaRPr lang="en-US" dirty="0"/>
           </a:p>
         </p:txBody>
       </p:sp>
@@ -5550,7 +5241,7 @@
           <p:cNvPr id="3" name="Content Placeholder 2">
             <a:extLst>
               <a:ext uri="{FF2B5EF4-FFF2-40B4-BE49-F238E27FC236}">
-                <a16:creationId xmlns:a16="http://schemas.microsoft.com/office/drawing/2014/main" id="{A3DEA943-4140-41B8-A86D-42706A78323E}"/>
+                <a16:creationId xmlns:a16="http://schemas.microsoft.com/office/drawing/2014/main" id="{D759EE4B-40FC-7CF7-32A2-B39345A14945}"/>
               </a:ext>
             </a:extLst>
           </p:cNvPr>
@@ -5563,217 +5254,47 @@
         </p:nvSpPr>
         <p:spPr/>
         <p:txBody>
-          <a:bodyPr>
-            <a:normAutofit fontScale="77500" lnSpcReduction="20000"/>
-          </a:bodyPr>
+          <a:bodyPr/>
           <a:lstStyle/>
           <a:p>
-            <a:pPr algn="l">
-              <a:buFont typeface="Arial" panose="020B0604020202020204" pitchFamily="34" charset="0"/>
-              <a:buChar char="•"/>
-            </a:pPr>
-            <a:r>
-              <a:rPr lang="en-US" b="0" i="0" dirty="0">
-                <a:solidFill>
-                  <a:srgbClr val="000000"/>
-                </a:solidFill>
-                <a:effectLst/>
-                <a:latin typeface="Verdana" panose="020B0604030504040204" pitchFamily="34" charset="0"/>
-              </a:rPr>
-              <a:t>XML was designed to store and transport data</a:t>
-            </a:r>
-          </a:p>
-          <a:p>
-            <a:pPr algn="l">
-              <a:buFont typeface="Arial" panose="020B0604020202020204" pitchFamily="34" charset="0"/>
-              <a:buChar char="•"/>
-            </a:pPr>
-            <a:r>
-              <a:rPr lang="en-US" b="0" i="0" dirty="0">
-                <a:solidFill>
-                  <a:srgbClr val="000000"/>
-                </a:solidFill>
-                <a:effectLst/>
-                <a:latin typeface="Verdana" panose="020B0604030504040204" pitchFamily="34" charset="0"/>
-              </a:rPr>
-              <a:t>XML was designed to be self-descriptive</a:t>
-            </a:r>
-          </a:p>
-          <a:p>
-            <a:pPr algn="l">
-              <a:buFont typeface="Arial" panose="020B0604020202020204" pitchFamily="34" charset="0"/>
-              <a:buChar char="•"/>
-            </a:pPr>
-            <a:r>
-              <a:rPr lang="en-US" b="0" i="0" dirty="0">
-                <a:solidFill>
-                  <a:srgbClr val="000000"/>
-                </a:solidFill>
-                <a:effectLst/>
-                <a:latin typeface="Verdana" panose="020B0604030504040204" pitchFamily="34" charset="0"/>
-              </a:rPr>
-              <a:t>XML is a W3C Recommendation</a:t>
-            </a:r>
-          </a:p>
-          <a:p>
-            <a:r>
-              <a:rPr lang="en-US" dirty="0"/>
-              <a:t>&lt;Student&gt;</a:t>
-            </a:r>
-          </a:p>
-          <a:p>
-            <a:pPr marL="0" indent="0">
-              <a:buNone/>
-            </a:pPr>
-            <a:r>
-              <a:rPr lang="en-US" dirty="0"/>
-              <a:t>        &lt;USN&gt;2BLCS001&lt;USN&gt;</a:t>
-            </a:r>
-          </a:p>
-          <a:p>
-            <a:pPr marL="0" indent="0">
-              <a:buNone/>
-            </a:pPr>
-            <a:r>
-              <a:rPr lang="en-US" dirty="0"/>
-              <a:t>        &lt;Name&gt;Santhosh&lt;/Name&gt;</a:t>
-            </a:r>
-            <a:br>
-              <a:rPr lang="en-US" dirty="0"/>
-            </a:br>
-            <a:r>
-              <a:rPr lang="en-US" dirty="0"/>
-              <a:t>&lt;/Student&gt;</a:t>
-            </a:r>
-          </a:p>
-          <a:p>
-            <a:pPr algn="l"/>
-            <a:r>
-              <a:rPr lang="en-US" b="0" i="0" dirty="0">
-                <a:solidFill>
-                  <a:srgbClr val="000000"/>
-                </a:solidFill>
-                <a:effectLst/>
-                <a:latin typeface="Verdana" panose="020B0604030504040204" pitchFamily="34" charset="0"/>
-              </a:rPr>
-              <a:t>In many HTML applications, XML is used to store or transport data, while HTML is used to format and display the same data.</a:t>
-            </a:r>
-          </a:p>
-          <a:p>
-            <a:pPr algn="l"/>
-            <a:r>
-              <a:rPr lang="en-US" b="0" i="0" dirty="0">
-                <a:solidFill>
-                  <a:srgbClr val="0000CD"/>
-                </a:solidFill>
-                <a:effectLst/>
-                <a:latin typeface="Consolas" panose="020B0609020204030204" pitchFamily="49" charset="0"/>
-              </a:rPr>
-              <a:t>&lt;</a:t>
-            </a:r>
-            <a:r>
-              <a:rPr lang="en-US" b="0" i="0" dirty="0">
-                <a:solidFill>
-                  <a:srgbClr val="A52A2A"/>
-                </a:solidFill>
-                <a:effectLst/>
-                <a:latin typeface="Consolas" panose="020B0609020204030204" pitchFamily="49" charset="0"/>
-              </a:rPr>
-              <a:t>?xml</a:t>
-            </a:r>
-            <a:r>
-              <a:rPr lang="en-US" b="0" i="0" dirty="0">
-                <a:solidFill>
-                  <a:srgbClr val="FF0000"/>
-                </a:solidFill>
-                <a:effectLst/>
-                <a:latin typeface="Consolas" panose="020B0609020204030204" pitchFamily="49" charset="0"/>
-              </a:rPr>
-              <a:t> version</a:t>
-            </a:r>
-            <a:r>
-              <a:rPr lang="en-US" b="0" i="0" dirty="0">
-                <a:solidFill>
-                  <a:srgbClr val="0000CD"/>
-                </a:solidFill>
-                <a:effectLst/>
-                <a:latin typeface="Consolas" panose="020B0609020204030204" pitchFamily="49" charset="0"/>
-              </a:rPr>
-              <a:t>="1.0"</a:t>
-            </a:r>
-            <a:r>
-              <a:rPr lang="en-US" b="0" i="0" dirty="0">
-                <a:solidFill>
-                  <a:srgbClr val="FF0000"/>
-                </a:solidFill>
-                <a:effectLst/>
-                <a:latin typeface="Consolas" panose="020B0609020204030204" pitchFamily="49" charset="0"/>
-              </a:rPr>
-              <a:t> encoding</a:t>
-            </a:r>
-            <a:r>
-              <a:rPr lang="en-US" b="0" i="0" dirty="0">
-                <a:solidFill>
-                  <a:srgbClr val="0000CD"/>
-                </a:solidFill>
-                <a:effectLst/>
-                <a:latin typeface="Consolas" panose="020B0609020204030204" pitchFamily="49" charset="0"/>
-              </a:rPr>
-              <a:t>="UTF-8</a:t>
-            </a:r>
-            <a:r>
-              <a:rPr lang="en-US" b="1" i="0" dirty="0">
-                <a:solidFill>
-                  <a:srgbClr val="0000CD"/>
-                </a:solidFill>
-                <a:effectLst/>
-                <a:latin typeface="Consolas" panose="020B0609020204030204" pitchFamily="49" charset="0"/>
-              </a:rPr>
-              <a:t>"</a:t>
-            </a:r>
-            <a:r>
-              <a:rPr lang="en-US" b="0" i="0" dirty="0">
-                <a:solidFill>
-                  <a:srgbClr val="FF0000"/>
-                </a:solidFill>
-                <a:effectLst/>
-                <a:latin typeface="Consolas" panose="020B0609020204030204" pitchFamily="49" charset="0"/>
-              </a:rPr>
-              <a:t>?</a:t>
-            </a:r>
-            <a:r>
-              <a:rPr lang="en-US" b="0" i="0" dirty="0">
-                <a:solidFill>
-                  <a:srgbClr val="0000CD"/>
-                </a:solidFill>
-                <a:effectLst/>
-                <a:latin typeface="Consolas" panose="020B0609020204030204" pitchFamily="49" charset="0"/>
-              </a:rPr>
-              <a:t>&gt; </a:t>
-            </a:r>
-            <a:r>
-              <a:rPr lang="en-US" b="0" i="0" dirty="0">
-                <a:solidFill>
-                  <a:srgbClr val="002060"/>
-                </a:solidFill>
-                <a:effectLst/>
-                <a:latin typeface="Consolas" panose="020B0609020204030204" pitchFamily="49" charset="0"/>
-              </a:rPr>
-              <a:t>is prolog and optional</a:t>
-            </a:r>
-          </a:p>
-          <a:p>
-            <a:pPr marL="0" indent="0">
-              <a:buNone/>
-            </a:pPr>
-            <a:endParaRPr lang="en-US" dirty="0"/>
-          </a:p>
-        </p:txBody>
-      </p:sp>
+            <a:endParaRPr lang="en-US"/>
+          </a:p>
+        </p:txBody>
+      </p:sp>
+      <p:pic>
+        <p:nvPicPr>
+          <p:cNvPr id="5" name="Picture 4">
+            <a:extLst>
+              <a:ext uri="{FF2B5EF4-FFF2-40B4-BE49-F238E27FC236}">
+                <a16:creationId xmlns:a16="http://schemas.microsoft.com/office/drawing/2014/main" id="{5632AB2C-B98E-D582-E774-8DA3D39696BC}"/>
+              </a:ext>
+            </a:extLst>
+          </p:cNvPr>
+          <p:cNvPicPr>
+            <a:picLocks noChangeAspect="1"/>
+          </p:cNvPicPr>
+          <p:nvPr/>
+        </p:nvPicPr>
+        <p:blipFill>
+          <a:blip r:embed="rId2"/>
+          <a:stretch>
+            <a:fillRect/>
+          </a:stretch>
+        </p:blipFill>
+        <p:spPr>
+          <a:xfrm>
+            <a:off x="1451579" y="0"/>
+            <a:ext cx="9603275" cy="6053481"/>
+          </a:xfrm>
+          <a:prstGeom prst="rect">
+            <a:avLst/>
+          </a:prstGeom>
+        </p:spPr>
+      </p:pic>
     </p:spTree>
     <p:extLst>
       <p:ext uri="{BB962C8B-B14F-4D97-AF65-F5344CB8AC3E}">
-        <p14:creationId xmlns:p14="http://schemas.microsoft.com/office/powerpoint/2010/main" val="1609945871"/>
+        <p14:creationId xmlns:p14="http://schemas.microsoft.com/office/powerpoint/2010/main" val="2542197593"/>
       </p:ext>
     </p:extLst>
   </p:cSld>
@@ -5805,7 +5326,7 @@
           <p:cNvPr id="2" name="Title 1">
             <a:extLst>
               <a:ext uri="{FF2B5EF4-FFF2-40B4-BE49-F238E27FC236}">
-                <a16:creationId xmlns:a16="http://schemas.microsoft.com/office/drawing/2014/main" id="{CE5E0387-1B97-4B31-9CE9-9638702B2D9E}"/>
+                <a16:creationId xmlns:a16="http://schemas.microsoft.com/office/drawing/2014/main" id="{33FE1EA6-E3CD-4C6D-8647-5C255B9EF6D7}"/>
               </a:ext>
             </a:extLst>
           </p:cNvPr>
@@ -5823,7 +5344,7 @@
           <a:p>
             <a:r>
               <a:rPr lang="en-US" dirty="0"/>
-              <a:t>Namespace and DOM</a:t>
+              <a:t>Elements , attributes</a:t>
             </a:r>
           </a:p>
         </p:txBody>
@@ -5833,7 +5354,7 @@
           <p:cNvPr id="3" name="Content Placeholder 2">
             <a:extLst>
               <a:ext uri="{FF2B5EF4-FFF2-40B4-BE49-F238E27FC236}">
-                <a16:creationId xmlns:a16="http://schemas.microsoft.com/office/drawing/2014/main" id="{EFB267B3-66C2-4819-A664-98B7ADA1E55A}"/>
+                <a16:creationId xmlns:a16="http://schemas.microsoft.com/office/drawing/2014/main" id="{474A5F05-2500-4F4F-9E8E-F4372BF9F465}"/>
               </a:ext>
             </a:extLst>
           </p:cNvPr>
@@ -5847,19 +5368,63 @@
         <p:spPr/>
         <p:txBody>
           <a:bodyPr>
-            <a:normAutofit fontScale="92500" lnSpcReduction="20000"/>
+            <a:normAutofit fontScale="85000" lnSpcReduction="20000"/>
           </a:bodyPr>
           <a:lstStyle/>
           <a:p>
+            <a:pPr algn="l"/>
+            <a:r>
+              <a:rPr lang="en-US" b="0" i="0" dirty="0">
+                <a:solidFill>
+                  <a:srgbClr val="000000"/>
+                </a:solidFill>
+                <a:effectLst/>
+                <a:latin typeface="Verdana" panose="020B0604030504040204" pitchFamily="34" charset="0"/>
+              </a:rPr>
+              <a:t>The HTML </a:t>
+            </a:r>
             <a:r>
               <a:rPr lang="en-US" b="1" i="0" dirty="0">
                 <a:solidFill>
+                  <a:srgbClr val="000000"/>
+                </a:solidFill>
+                <a:effectLst/>
+                <a:latin typeface="Verdana" panose="020B0604030504040204" pitchFamily="34" charset="0"/>
+              </a:rPr>
+              <a:t>element</a:t>
+            </a:r>
+            <a:r>
+              <a:rPr lang="en-US" b="0" i="0" dirty="0">
+                <a:solidFill>
+                  <a:srgbClr val="000000"/>
+                </a:solidFill>
+                <a:effectLst/>
+                <a:latin typeface="Verdana" panose="020B0604030504040204" pitchFamily="34" charset="0"/>
+              </a:rPr>
+              <a:t> is everything from the start tag to the end tag:</a:t>
+            </a:r>
+          </a:p>
+          <a:p>
+            <a:pPr algn="l"/>
+            <a:r>
+              <a:rPr lang="en-US" b="0" i="0" dirty="0">
+                <a:solidFill>
                   <a:srgbClr val="0000CD"/>
                 </a:solidFill>
                 <a:effectLst/>
-                <a:latin typeface="Consolas" panose="020B0609020204030204" pitchFamily="49" charset="0"/>
-              </a:rPr>
-              <a:t>Namespace</a:t>
+                <a:latin typeface="Verdana" panose="020B0604030504040204" pitchFamily="34" charset="0"/>
+              </a:rPr>
+              <a:t>&lt;</a:t>
+            </a:r>
+            <a:r>
+              <a:rPr lang="en-US" b="0" i="0" dirty="0">
+                <a:solidFill>
+                  <a:srgbClr val="A52A2A"/>
+                </a:solidFill>
+                <a:effectLst/>
+                <a:latin typeface="Verdana" panose="020B0604030504040204" pitchFamily="34" charset="0"/>
+              </a:rPr>
+              <a:t>h1</a:t>
             </a:r>
             <a:r>
               <a:rPr lang="en-US" b="0" i="0" dirty="0">
@@ -5867,82 +5432,220 @@
                   <a:srgbClr val="0000CD"/>
                 </a:solidFill>
                 <a:effectLst/>
-                <a:latin typeface="Consolas" panose="020B0609020204030204" pitchFamily="49" charset="0"/>
-              </a:rPr>
-              <a:t> : &lt;</a:t>
+                <a:latin typeface="Verdana" panose="020B0604030504040204" pitchFamily="34" charset="0"/>
+              </a:rPr>
+              <a:t>&gt;</a:t>
+            </a:r>
+            <a:r>
+              <a:rPr lang="en-US" b="0" i="0" dirty="0">
+                <a:solidFill>
+                  <a:srgbClr val="000000"/>
+                </a:solidFill>
+                <a:effectLst/>
+                <a:latin typeface="Verdana" panose="020B0604030504040204" pitchFamily="34" charset="0"/>
+              </a:rPr>
+              <a:t>My First Heading</a:t>
+            </a:r>
+            <a:r>
+              <a:rPr lang="en-US" b="0" i="0" dirty="0">
+                <a:solidFill>
+                  <a:srgbClr val="0000CD"/>
+                </a:solidFill>
+                <a:effectLst/>
+                <a:latin typeface="Verdana" panose="020B0604030504040204" pitchFamily="34" charset="0"/>
+              </a:rPr>
+              <a:t>&lt;</a:t>
+            </a:r>
+            <a:r>
+              <a:rPr lang="en-US" b="0" i="0" dirty="0">
+                <a:solidFill>
+                  <a:srgbClr val="A52A2A"/>
+                </a:solidFill>
+                <a:effectLst/>
+                <a:latin typeface="Verdana" panose="020B0604030504040204" pitchFamily="34" charset="0"/>
+              </a:rPr>
+              <a:t>/h1</a:t>
+            </a:r>
+            <a:r>
+              <a:rPr lang="en-US" b="0" i="0" dirty="0">
+                <a:solidFill>
+                  <a:srgbClr val="0000CD"/>
+                </a:solidFill>
+                <a:effectLst/>
+                <a:latin typeface="Verdana" panose="020B0604030504040204" pitchFamily="34" charset="0"/>
+              </a:rPr>
+              <a:t>&gt;</a:t>
+            </a:r>
+            <a:endParaRPr lang="en-US" b="0" i="0" dirty="0">
+              <a:solidFill>
+                <a:srgbClr val="000000"/>
+              </a:solidFill>
+              <a:effectLst/>
+              <a:latin typeface="Verdana" panose="020B0604030504040204" pitchFamily="34" charset="0"/>
+            </a:endParaRPr>
+          </a:p>
+          <a:p>
+            <a:pPr algn="l">
+              <a:buFont typeface="Arial" panose="020B0604020202020204" pitchFamily="34" charset="0"/>
+              <a:buChar char="•"/>
+            </a:pPr>
+            <a:r>
+              <a:rPr lang="en-US" b="0" i="0" dirty="0">
+                <a:solidFill>
+                  <a:srgbClr val="000000"/>
+                </a:solidFill>
+                <a:effectLst/>
+                <a:latin typeface="Verdana" panose="020B0604030504040204" pitchFamily="34" charset="0"/>
+              </a:rPr>
+              <a:t>All HTML elements can have </a:t>
+            </a:r>
+            <a:r>
+              <a:rPr lang="en-US" b="1" i="0" dirty="0">
+                <a:solidFill>
+                  <a:srgbClr val="000000"/>
+                </a:solidFill>
+                <a:effectLst/>
+                <a:latin typeface="Verdana" panose="020B0604030504040204" pitchFamily="34" charset="0"/>
+              </a:rPr>
+              <a:t>attributes</a:t>
+            </a:r>
+            <a:endParaRPr lang="en-US" b="0" i="0" dirty="0">
+              <a:solidFill>
+                <a:srgbClr val="000000"/>
+              </a:solidFill>
+              <a:effectLst/>
+              <a:latin typeface="Verdana" panose="020B0604030504040204" pitchFamily="34" charset="0"/>
+            </a:endParaRPr>
+          </a:p>
+          <a:p>
+            <a:pPr algn="l">
+              <a:buFont typeface="Arial" panose="020B0604020202020204" pitchFamily="34" charset="0"/>
+              <a:buChar char="•"/>
+            </a:pPr>
+            <a:r>
+              <a:rPr lang="en-US" b="0" i="0" dirty="0">
+                <a:solidFill>
+                  <a:srgbClr val="000000"/>
+                </a:solidFill>
+                <a:effectLst/>
+                <a:latin typeface="Verdana" panose="020B0604030504040204" pitchFamily="34" charset="0"/>
+              </a:rPr>
+              <a:t>Attributes provide </a:t>
+            </a:r>
+            <a:r>
+              <a:rPr lang="en-US" b="1" i="0" dirty="0">
+                <a:solidFill>
+                  <a:srgbClr val="000000"/>
+                </a:solidFill>
+                <a:effectLst/>
+                <a:latin typeface="Verdana" panose="020B0604030504040204" pitchFamily="34" charset="0"/>
+              </a:rPr>
+              <a:t>additional information</a:t>
+            </a:r>
+            <a:r>
+              <a:rPr lang="en-US" b="0" i="0" dirty="0">
+                <a:solidFill>
+                  <a:srgbClr val="000000"/>
+                </a:solidFill>
+                <a:effectLst/>
+                <a:latin typeface="Verdana" panose="020B0604030504040204" pitchFamily="34" charset="0"/>
+              </a:rPr>
+              <a:t> about elements</a:t>
+            </a:r>
+          </a:p>
+          <a:p>
+            <a:pPr algn="l">
+              <a:buFont typeface="Arial" panose="020B0604020202020204" pitchFamily="34" charset="0"/>
+              <a:buChar char="•"/>
+            </a:pPr>
+            <a:r>
+              <a:rPr lang="en-US" b="0" i="0" dirty="0">
+                <a:solidFill>
+                  <a:srgbClr val="000000"/>
+                </a:solidFill>
+                <a:effectLst/>
+                <a:latin typeface="Verdana" panose="020B0604030504040204" pitchFamily="34" charset="0"/>
+              </a:rPr>
+              <a:t>Attributes are always specified in </a:t>
+            </a:r>
+            <a:r>
+              <a:rPr lang="en-US" b="1" i="0" dirty="0">
+                <a:solidFill>
+                  <a:srgbClr val="000000"/>
+                </a:solidFill>
+                <a:effectLst/>
+                <a:latin typeface="Verdana" panose="020B0604030504040204" pitchFamily="34" charset="0"/>
+              </a:rPr>
+              <a:t>the start tag</a:t>
+            </a:r>
+            <a:endParaRPr lang="en-US" b="0" i="0" dirty="0">
+              <a:solidFill>
+                <a:srgbClr val="000000"/>
+              </a:solidFill>
+              <a:effectLst/>
+              <a:latin typeface="Verdana" panose="020B0604030504040204" pitchFamily="34" charset="0"/>
+            </a:endParaRPr>
+          </a:p>
+          <a:p>
+            <a:pPr algn="l">
+              <a:buFont typeface="Arial" panose="020B0604020202020204" pitchFamily="34" charset="0"/>
+              <a:buChar char="•"/>
+            </a:pPr>
+            <a:r>
+              <a:rPr lang="en-US" b="0" i="0" dirty="0">
+                <a:solidFill>
+                  <a:srgbClr val="000000"/>
+                </a:solidFill>
+                <a:effectLst/>
+                <a:latin typeface="Verdana" panose="020B0604030504040204" pitchFamily="34" charset="0"/>
+              </a:rPr>
+              <a:t>Attributes usually come in name/value pairs like: </a:t>
+            </a:r>
+            <a:r>
+              <a:rPr lang="en-US" b="1" i="0" dirty="0">
+                <a:solidFill>
+                  <a:srgbClr val="000000"/>
+                </a:solidFill>
+                <a:effectLst/>
+                <a:latin typeface="Verdana" panose="020B0604030504040204" pitchFamily="34" charset="0"/>
+              </a:rPr>
+              <a:t>name="value“</a:t>
+            </a:r>
+          </a:p>
+          <a:p>
+            <a:pPr algn="l">
+              <a:buFont typeface="Arial" panose="020B0604020202020204" pitchFamily="34" charset="0"/>
+              <a:buChar char="•"/>
+            </a:pPr>
+            <a:r>
+              <a:rPr lang="en-US" b="0" i="0" dirty="0">
+                <a:solidFill>
+                  <a:srgbClr val="000000"/>
+                </a:solidFill>
+                <a:effectLst/>
+                <a:latin typeface="Verdana" panose="020B0604030504040204" pitchFamily="34" charset="0"/>
+              </a:rPr>
+              <a:t>The &lt;a&gt; tag defines a hyperlink. The </a:t>
             </a:r>
             <a:r>
               <a:rPr lang="en-US" b="0" i="0" dirty="0" err="1">
                 <a:solidFill>
-                  <a:srgbClr val="A52A2A"/>
-                </a:solidFill>
-                <a:effectLst/>
-                <a:latin typeface="Consolas" panose="020B0609020204030204" pitchFamily="49" charset="0"/>
-              </a:rPr>
-              <a:t>h:table</a:t>
-            </a:r>
-            <a:r>
-              <a:rPr lang="en-US" b="0" i="0" dirty="0">
-                <a:solidFill>
-                  <a:srgbClr val="FF0000"/>
-                </a:solidFill>
-                <a:effectLst/>
-                <a:latin typeface="Consolas" panose="020B0609020204030204" pitchFamily="49" charset="0"/>
-              </a:rPr>
-              <a:t> </a:t>
-            </a:r>
-            <a:r>
-              <a:rPr lang="en-US" b="0" i="0" dirty="0" err="1">
-                <a:solidFill>
-                  <a:srgbClr val="FF0000"/>
-                </a:solidFill>
-                <a:effectLst/>
-                <a:latin typeface="Consolas" panose="020B0609020204030204" pitchFamily="49" charset="0"/>
-              </a:rPr>
-              <a:t>xmlns:h</a:t>
-            </a:r>
-            <a:r>
-              <a:rPr lang="en-US" b="0" i="0" dirty="0">
-                <a:solidFill>
-                  <a:srgbClr val="0000CD"/>
-                </a:solidFill>
-                <a:effectLst/>
-                <a:latin typeface="Consolas" panose="020B0609020204030204" pitchFamily="49" charset="0"/>
-              </a:rPr>
-              <a:t>="http://www.w3.org/TR/html4/"&gt;</a:t>
-            </a:r>
-          </a:p>
-          <a:p>
-            <a:pPr algn="l"/>
-            <a:r>
-              <a:rPr lang="en-US" b="0" i="0" dirty="0">
-                <a:solidFill>
                   <a:srgbClr val="000000"/>
                 </a:solidFill>
                 <a:effectLst/>
                 <a:latin typeface="Verdana" panose="020B0604030504040204" pitchFamily="34" charset="0"/>
               </a:rPr>
-              <a:t>All HTML elements can be accessed through the </a:t>
-            </a:r>
-            <a:r>
-              <a:rPr lang="en-US" b="1" i="0" dirty="0">
+              <a:t>href</a:t>
+            </a:r>
+            <a:r>
+              <a:rPr lang="en-US" b="0" i="0" dirty="0">
                 <a:solidFill>
                   <a:srgbClr val="000000"/>
                 </a:solidFill>
                 <a:effectLst/>
                 <a:latin typeface="Verdana" panose="020B0604030504040204" pitchFamily="34" charset="0"/>
               </a:rPr>
-              <a:t>HTML DOM</a:t>
-            </a:r>
-            <a:r>
-              <a:rPr lang="en-US" b="0" i="0" dirty="0">
-                <a:solidFill>
-                  <a:srgbClr val="000000"/>
-                </a:solidFill>
-                <a:effectLst/>
-                <a:latin typeface="Verdana" panose="020B0604030504040204" pitchFamily="34" charset="0"/>
-              </a:rPr>
-              <a:t>.</a:t>
+              <a:t> attribute specifies the URL of the page the link goes to:</a:t>
             </a:r>
           </a:p>
           <a:p>
@@ -5967,7 +5670,7 @@
                 <a:effectLst/>
                 <a:latin typeface="Consolas" panose="020B0609020204030204" pitchFamily="49" charset="0"/>
               </a:rPr>
-              <a:t>h1</a:t>
+              <a:t>a</a:t>
             </a:r>
             <a:r>
               <a:rPr lang="en-US" b="0" i="0" dirty="0">
@@ -5977,7 +5680,17 @@
                 <a:effectLst/>
                 <a:latin typeface="Consolas" panose="020B0609020204030204" pitchFamily="49" charset="0"/>
               </a:rPr>
-              <a:t> id</a:t>
+              <a:t> </a:t>
+            </a:r>
+            <a:r>
+              <a:rPr lang="en-US" b="0" i="0" dirty="0" err="1">
+                <a:solidFill>
+                  <a:srgbClr val="FF0000"/>
+                </a:solidFill>
+                <a:effectLst/>
+                <a:latin typeface="Consolas" panose="020B0609020204030204" pitchFamily="49" charset="0"/>
+              </a:rPr>
+              <a:t>href</a:t>
             </a:r>
             <a:r>
               <a:rPr lang="en-US" b="0" i="0" dirty="0">
@@ -5987,7 +5700,7 @@
                 <a:effectLst/>
                 <a:latin typeface="Consolas" panose="020B0609020204030204" pitchFamily="49" charset="0"/>
               </a:rPr>
-              <a:t>="demo"&gt;</a:t>
+              <a:t>="https://www.w3schools.com"&gt;</a:t>
             </a:r>
             <a:r>
               <a:rPr lang="en-US" b="0" i="0" dirty="0">
@@ -5997,7 +5710,7 @@
                 <a:effectLst/>
                 <a:latin typeface="Consolas" panose="020B0609020204030204" pitchFamily="49" charset="0"/>
               </a:rPr>
-              <a:t>This is a Heading</a:t>
+              <a:t>Visit W3Schools</a:t>
             </a:r>
             <a:r>
               <a:rPr lang="en-US" b="0" i="0" dirty="0">
@@ -6017,183 +5730,7 @@
                 <a:effectLst/>
                 <a:latin typeface="Consolas" panose="020B0609020204030204" pitchFamily="49" charset="0"/>
               </a:rPr>
-              <a:t>/h1</a:t>
-            </a:r>
-            <a:r>
-              <a:rPr lang="en-US" b="0" i="0" dirty="0">
-                <a:solidFill>
-                  <a:srgbClr val="0000CD"/>
-                </a:solidFill>
-                <a:effectLst/>
-                <a:latin typeface="Consolas" panose="020B0609020204030204" pitchFamily="49" charset="0"/>
-              </a:rPr>
-              <a:t>&gt;</a:t>
-            </a:r>
-            <a:br>
-              <a:rPr lang="en-US" b="0" i="0" dirty="0">
-                <a:solidFill>
-                  <a:srgbClr val="000000"/>
-                </a:solidFill>
-                <a:effectLst/>
-                <a:latin typeface="Consolas" panose="020B0609020204030204" pitchFamily="49" charset="0"/>
-              </a:rPr>
-            </a:br>
-            <a:br>
-              <a:rPr lang="en-US" b="0" i="0" dirty="0">
-                <a:solidFill>
-                  <a:srgbClr val="000000"/>
-                </a:solidFill>
-                <a:effectLst/>
-                <a:latin typeface="Consolas" panose="020B0609020204030204" pitchFamily="49" charset="0"/>
-              </a:rPr>
-            </a:br>
-            <a:r>
-              <a:rPr lang="en-US" b="0" i="0" dirty="0">
-                <a:solidFill>
-                  <a:srgbClr val="0000CD"/>
-                </a:solidFill>
-                <a:effectLst/>
-                <a:latin typeface="Consolas" panose="020B0609020204030204" pitchFamily="49" charset="0"/>
-              </a:rPr>
-              <a:t>&lt;</a:t>
-            </a:r>
-            <a:r>
-              <a:rPr lang="en-US" b="0" i="0" dirty="0">
-                <a:solidFill>
-                  <a:srgbClr val="A52A2A"/>
-                </a:solidFill>
-                <a:effectLst/>
-                <a:latin typeface="Consolas" panose="020B0609020204030204" pitchFamily="49" charset="0"/>
-              </a:rPr>
-              <a:t>button</a:t>
-            </a:r>
-            <a:r>
-              <a:rPr lang="en-US" b="0" i="0" dirty="0">
-                <a:solidFill>
-                  <a:srgbClr val="FF0000"/>
-                </a:solidFill>
-                <a:effectLst/>
-                <a:latin typeface="Consolas" panose="020B0609020204030204" pitchFamily="49" charset="0"/>
-              </a:rPr>
-              <a:t> type</a:t>
-            </a:r>
-            <a:r>
-              <a:rPr lang="en-US" b="0" i="0" dirty="0">
-                <a:solidFill>
-                  <a:srgbClr val="0000CD"/>
-                </a:solidFill>
-                <a:effectLst/>
-                <a:latin typeface="Consolas" panose="020B0609020204030204" pitchFamily="49" charset="0"/>
-              </a:rPr>
-              <a:t>="button"</a:t>
-            </a:r>
-            <a:br>
-              <a:rPr lang="en-US" b="0" i="0" dirty="0">
-                <a:solidFill>
-                  <a:srgbClr val="FF0000"/>
-                </a:solidFill>
-                <a:effectLst/>
-                <a:latin typeface="Consolas" panose="020B0609020204030204" pitchFamily="49" charset="0"/>
-              </a:rPr>
-            </a:br>
-            <a:r>
-              <a:rPr lang="en-US" b="0" i="0" dirty="0">
-                <a:solidFill>
-                  <a:srgbClr val="FF0000"/>
-                </a:solidFill>
-                <a:effectLst/>
-                <a:latin typeface="Consolas" panose="020B0609020204030204" pitchFamily="49" charset="0"/>
-              </a:rPr>
-              <a:t>onclick</a:t>
-            </a:r>
-            <a:r>
-              <a:rPr lang="en-US" b="0" i="0" dirty="0">
-                <a:solidFill>
-                  <a:srgbClr val="0000CD"/>
-                </a:solidFill>
-                <a:effectLst/>
-                <a:latin typeface="Consolas" panose="020B0609020204030204" pitchFamily="49" charset="0"/>
-              </a:rPr>
-              <a:t>="</a:t>
-            </a:r>
-            <a:r>
-              <a:rPr lang="en-US" b="0" i="0" dirty="0" err="1">
-                <a:solidFill>
-                  <a:srgbClr val="0000CD"/>
-                </a:solidFill>
-                <a:effectLst/>
-                <a:latin typeface="Consolas" panose="020B0609020204030204" pitchFamily="49" charset="0"/>
-              </a:rPr>
-              <a:t>document.getElementById</a:t>
-            </a:r>
-            <a:r>
-              <a:rPr lang="en-US" b="0" i="0" dirty="0">
-                <a:solidFill>
-                  <a:srgbClr val="0000CD"/>
-                </a:solidFill>
-                <a:effectLst/>
-                <a:latin typeface="Consolas" panose="020B0609020204030204" pitchFamily="49" charset="0"/>
-              </a:rPr>
-              <a:t>('demo').</a:t>
-            </a:r>
-            <a:r>
-              <a:rPr lang="en-US" b="0" i="0" dirty="0" err="1">
-                <a:solidFill>
-                  <a:srgbClr val="0000CD"/>
-                </a:solidFill>
-                <a:effectLst/>
-                <a:latin typeface="Consolas" panose="020B0609020204030204" pitchFamily="49" charset="0"/>
-              </a:rPr>
-              <a:t>innerHTML</a:t>
-            </a:r>
-            <a:r>
-              <a:rPr lang="en-US" b="0" i="0" dirty="0">
-                <a:solidFill>
-                  <a:srgbClr val="0000CD"/>
-                </a:solidFill>
-                <a:effectLst/>
-                <a:latin typeface="Consolas" panose="020B0609020204030204" pitchFamily="49" charset="0"/>
-              </a:rPr>
-              <a:t> = 'Hello World!'"&gt;</a:t>
-            </a:r>
-            <a:r>
-              <a:rPr lang="en-US" b="0" i="0" dirty="0">
-                <a:solidFill>
-                  <a:srgbClr val="000000"/>
-                </a:solidFill>
-                <a:effectLst/>
-                <a:latin typeface="Consolas" panose="020B0609020204030204" pitchFamily="49" charset="0"/>
-              </a:rPr>
-              <a:t>Click Me!</a:t>
-            </a:r>
-            <a:br>
-              <a:rPr lang="en-US" b="0" i="0" dirty="0">
-                <a:solidFill>
-                  <a:srgbClr val="000000"/>
-                </a:solidFill>
-                <a:effectLst/>
-                <a:latin typeface="Consolas" panose="020B0609020204030204" pitchFamily="49" charset="0"/>
-              </a:rPr>
-            </a:br>
-            <a:r>
-              <a:rPr lang="en-US" b="0" i="0" dirty="0">
-                <a:solidFill>
-                  <a:srgbClr val="0000CD"/>
-                </a:solidFill>
-                <a:effectLst/>
-                <a:latin typeface="Consolas" panose="020B0609020204030204" pitchFamily="49" charset="0"/>
-              </a:rPr>
-              <a:t>&lt;</a:t>
-            </a:r>
-            <a:r>
-              <a:rPr lang="en-US" b="0" i="0" dirty="0">
-                <a:solidFill>
-                  <a:srgbClr val="A52A2A"/>
-                </a:solidFill>
-                <a:effectLst/>
-                <a:latin typeface="Consolas" panose="020B0609020204030204" pitchFamily="49" charset="0"/>
-              </a:rPr>
-              <a:t>/button</a:t>
+              <a:t>/a</a:t>
             </a:r>
             <a:r>
               <a:rPr lang="en-US" b="0" i="0" dirty="0">
@@ -6217,9 +5754,18 @@
             <a:pPr marL="0" indent="0" algn="l">
               <a:buNone/>
             </a:pPr>
-            <a:br>
-              <a:rPr lang="en-US" dirty="0"/>
-            </a:br>
+            <a:endParaRPr lang="en-US" b="0" i="0" dirty="0">
+              <a:solidFill>
+                <a:srgbClr val="000000"/>
+              </a:solidFill>
+              <a:effectLst/>
+              <a:latin typeface="Verdana" panose="020B0604030504040204" pitchFamily="34" charset="0"/>
+            </a:endParaRPr>
+          </a:p>
+          <a:p>
+            <a:pPr marL="0" indent="0">
+              <a:buNone/>
+            </a:pPr>
             <a:endParaRPr lang="en-US" dirty="0"/>
           </a:p>
         </p:txBody>
@@ -6227,7 +5773,7 @@
     </p:spTree>
     <p:extLst>
       <p:ext uri="{BB962C8B-B14F-4D97-AF65-F5344CB8AC3E}">
-        <p14:creationId xmlns:p14="http://schemas.microsoft.com/office/powerpoint/2010/main" val="2485841501"/>
+        <p14:creationId xmlns:p14="http://schemas.microsoft.com/office/powerpoint/2010/main" val="1730504205"/>
       </p:ext>
     </p:extLst>
   </p:cSld>
@@ -6259,6 +5805,2032 @@
           <p:cNvPr id="2" name="Title 1">
             <a:extLst>
               <a:ext uri="{FF2B5EF4-FFF2-40B4-BE49-F238E27FC236}">
+                <a16:creationId xmlns:a16="http://schemas.microsoft.com/office/drawing/2014/main" id="{43C6CFEF-0FB7-4682-BA74-371090754CD8}"/>
+              </a:ext>
+            </a:extLst>
+          </p:cNvPr>
+          <p:cNvSpPr>
+            <a:spLocks noGrp="1"/>
+          </p:cNvSpPr>
+          <p:nvPr>
+            <p:ph type="title"/>
+          </p:nvPr>
+        </p:nvSpPr>
+        <p:spPr/>
+        <p:txBody>
+          <a:bodyPr/>
+          <a:lstStyle/>
+          <a:p>
+            <a:r>
+              <a:rPr lang="en-US" dirty="0"/>
+              <a:t>Introduction to Tags</a:t>
+            </a:r>
+          </a:p>
+        </p:txBody>
+      </p:sp>
+      <p:sp>
+        <p:nvSpPr>
+          <p:cNvPr id="3" name="Content Placeholder 2">
+            <a:extLst>
+              <a:ext uri="{FF2B5EF4-FFF2-40B4-BE49-F238E27FC236}">
+                <a16:creationId xmlns:a16="http://schemas.microsoft.com/office/drawing/2014/main" id="{6968723C-0BA3-493C-923D-81BA4B46D77C}"/>
+              </a:ext>
+            </a:extLst>
+          </p:cNvPr>
+          <p:cNvSpPr>
+            <a:spLocks noGrp="1"/>
+          </p:cNvSpPr>
+          <p:nvPr>
+            <p:ph idx="1"/>
+          </p:nvPr>
+        </p:nvSpPr>
+        <p:spPr/>
+        <p:txBody>
+          <a:bodyPr>
+            <a:normAutofit fontScale="85000" lnSpcReduction="10000"/>
+          </a:bodyPr>
+          <a:lstStyle/>
+          <a:p>
+            <a:r>
+              <a:rPr lang="en-US" dirty="0"/>
+              <a:t>The &lt;!DOCTYPE html&gt; declaration defines that this document is an HTML5 document</a:t>
+            </a:r>
+          </a:p>
+          <a:p>
+            <a:r>
+              <a:rPr lang="en-US" dirty="0"/>
+              <a:t>The &lt;html&gt; element is the root element of an HTML page</a:t>
+            </a:r>
+          </a:p>
+          <a:p>
+            <a:r>
+              <a:rPr lang="en-US" dirty="0"/>
+              <a:t>The &lt;head&gt; element contains meta information about the HTML page</a:t>
+            </a:r>
+          </a:p>
+          <a:p>
+            <a:r>
+              <a:rPr lang="en-US" dirty="0"/>
+              <a:t>The &lt;title&gt; element specifies a title for the HTML page (which is shown in the browser's title bar or in the page's tab)</a:t>
+            </a:r>
+          </a:p>
+          <a:p>
+            <a:r>
+              <a:rPr lang="en-US" dirty="0"/>
+              <a:t>The &lt;body&gt; element defines the document's body, and is a container for all the visible contents, such as headings, paragraphs, images, hyperlinks, tables, lists, etc.</a:t>
+            </a:r>
+          </a:p>
+          <a:p>
+            <a:r>
+              <a:rPr lang="en-US" dirty="0"/>
+              <a:t>The &lt;h1&gt; element defines a large heading</a:t>
+            </a:r>
+          </a:p>
+          <a:p>
+            <a:r>
+              <a:rPr lang="en-US" dirty="0"/>
+              <a:t>The &lt;p&gt; element defines a paragraph</a:t>
+            </a:r>
+          </a:p>
+        </p:txBody>
+      </p:sp>
+    </p:spTree>
+    <p:extLst>
+      <p:ext uri="{BB962C8B-B14F-4D97-AF65-F5344CB8AC3E}">
+        <p14:creationId xmlns:p14="http://schemas.microsoft.com/office/powerpoint/2010/main" val="1332495351"/>
+      </p:ext>
+    </p:extLst>
+  </p:cSld>
+  <p:clrMapOvr>
+    <a:masterClrMapping/>
+  </p:clrMapOvr>
+</p:sld>
+</file>
+
+<file path=ppt/slides/slide17.xml><?xml version="1.0" encoding="utf-8"?>
+<p:sld xmlns:a="http://schemas.openxmlformats.org/drawingml/2006/main" xmlns:r="http://schemas.openxmlformats.org/officeDocument/2006/relationships" xmlns:p="http://schemas.openxmlformats.org/presentationml/2006/main">
+  <p:cSld>
+    <p:spTree>
+      <p:nvGrpSpPr>
+        <p:cNvPr id="1" name=""/>
+        <p:cNvGrpSpPr/>
+        <p:nvPr/>
+      </p:nvGrpSpPr>
+      <p:grpSpPr>
+        <a:xfrm>
+          <a:off x="0" y="0"/>
+          <a:ext cx="0" cy="0"/>
+          <a:chOff x="0" y="0"/>
+          <a:chExt cx="0" cy="0"/>
+        </a:xfrm>
+      </p:grpSpPr>
+      <p:sp>
+        <p:nvSpPr>
+          <p:cNvPr id="2" name="Title 1">
+            <a:extLst>
+              <a:ext uri="{FF2B5EF4-FFF2-40B4-BE49-F238E27FC236}">
+                <a16:creationId xmlns:a16="http://schemas.microsoft.com/office/drawing/2014/main" id="{D1A19085-5181-48DC-BFDB-E44161D5F1E0}"/>
+              </a:ext>
+            </a:extLst>
+          </p:cNvPr>
+          <p:cNvSpPr>
+            <a:spLocks noGrp="1"/>
+          </p:cNvSpPr>
+          <p:nvPr>
+            <p:ph type="title"/>
+          </p:nvPr>
+        </p:nvSpPr>
+        <p:spPr/>
+        <p:txBody>
+          <a:bodyPr/>
+          <a:lstStyle/>
+          <a:p>
+            <a:r>
+              <a:rPr lang="en-US" dirty="0"/>
+              <a:t>HTML Styles</a:t>
+            </a:r>
+          </a:p>
+        </p:txBody>
+      </p:sp>
+      <p:sp>
+        <p:nvSpPr>
+          <p:cNvPr id="3" name="Content Placeholder 2">
+            <a:extLst>
+              <a:ext uri="{FF2B5EF4-FFF2-40B4-BE49-F238E27FC236}">
+                <a16:creationId xmlns:a16="http://schemas.microsoft.com/office/drawing/2014/main" id="{2DC85936-22EF-4DD5-AE5C-C7ABEDEFDA62}"/>
+              </a:ext>
+            </a:extLst>
+          </p:cNvPr>
+          <p:cNvSpPr>
+            <a:spLocks noGrp="1"/>
+          </p:cNvSpPr>
+          <p:nvPr>
+            <p:ph idx="1"/>
+          </p:nvPr>
+        </p:nvSpPr>
+        <p:spPr/>
+        <p:txBody>
+          <a:bodyPr/>
+          <a:lstStyle/>
+          <a:p>
+            <a:pPr marL="0" indent="0" algn="l">
+              <a:buNone/>
+            </a:pPr>
+            <a:r>
+              <a:rPr lang="en-US" b="0" i="0" dirty="0">
+                <a:solidFill>
+                  <a:srgbClr val="0000CD"/>
+                </a:solidFill>
+                <a:effectLst/>
+                <a:latin typeface="Consolas" panose="020B0609020204030204" pitchFamily="49" charset="0"/>
+              </a:rPr>
+              <a:t>&lt;</a:t>
+            </a:r>
+            <a:r>
+              <a:rPr lang="en-US" b="0" i="1" dirty="0" err="1">
+                <a:solidFill>
+                  <a:srgbClr val="A52A2A"/>
+                </a:solidFill>
+                <a:effectLst/>
+                <a:latin typeface="Consolas" panose="020B0609020204030204" pitchFamily="49" charset="0"/>
+              </a:rPr>
+              <a:t>tagname</a:t>
+            </a:r>
+            <a:r>
+              <a:rPr lang="en-US" b="0" i="0" dirty="0">
+                <a:solidFill>
+                  <a:srgbClr val="FF0000"/>
+                </a:solidFill>
+                <a:effectLst/>
+                <a:latin typeface="Consolas" panose="020B0609020204030204" pitchFamily="49" charset="0"/>
+              </a:rPr>
+              <a:t> style</a:t>
+            </a:r>
+            <a:r>
+              <a:rPr lang="en-US" b="0" i="0" dirty="0">
+                <a:solidFill>
+                  <a:srgbClr val="0000CD"/>
+                </a:solidFill>
+                <a:effectLst/>
+                <a:latin typeface="Consolas" panose="020B0609020204030204" pitchFamily="49" charset="0"/>
+              </a:rPr>
+              <a:t>="</a:t>
+            </a:r>
+            <a:r>
+              <a:rPr lang="en-US" b="0" i="1" dirty="0" err="1">
+                <a:solidFill>
+                  <a:srgbClr val="0000CD"/>
+                </a:solidFill>
+                <a:effectLst/>
+                <a:latin typeface="Consolas" panose="020B0609020204030204" pitchFamily="49" charset="0"/>
+              </a:rPr>
+              <a:t>property</a:t>
+            </a:r>
+            <a:r>
+              <a:rPr lang="en-US" b="0" i="0" dirty="0" err="1">
+                <a:solidFill>
+                  <a:srgbClr val="0000CD"/>
+                </a:solidFill>
+                <a:effectLst/>
+                <a:latin typeface="Consolas" panose="020B0609020204030204" pitchFamily="49" charset="0"/>
+              </a:rPr>
+              <a:t>:</a:t>
+            </a:r>
+            <a:r>
+              <a:rPr lang="en-US" b="0" i="1" dirty="0" err="1">
+                <a:solidFill>
+                  <a:srgbClr val="0000CD"/>
+                </a:solidFill>
+                <a:effectLst/>
+                <a:latin typeface="Consolas" panose="020B0609020204030204" pitchFamily="49" charset="0"/>
+              </a:rPr>
+              <a:t>value</a:t>
+            </a:r>
+            <a:r>
+              <a:rPr lang="en-US" b="0" i="1" dirty="0">
+                <a:solidFill>
+                  <a:srgbClr val="0000CD"/>
+                </a:solidFill>
+                <a:effectLst/>
+                <a:latin typeface="Consolas" panose="020B0609020204030204" pitchFamily="49" charset="0"/>
+              </a:rPr>
+              <a:t>;</a:t>
+            </a:r>
+            <a:r>
+              <a:rPr lang="en-US" b="0" i="0" dirty="0">
+                <a:solidFill>
+                  <a:srgbClr val="0000CD"/>
+                </a:solidFill>
+                <a:effectLst/>
+                <a:latin typeface="Consolas" panose="020B0609020204030204" pitchFamily="49" charset="0"/>
+              </a:rPr>
+              <a:t>"&gt;</a:t>
+            </a:r>
+            <a:endParaRPr lang="en-US" b="0" i="0" dirty="0">
+              <a:solidFill>
+                <a:srgbClr val="000000"/>
+              </a:solidFill>
+              <a:effectLst/>
+              <a:latin typeface="Consolas" panose="020B0609020204030204" pitchFamily="49" charset="0"/>
+            </a:endParaRPr>
+          </a:p>
+          <a:p>
+            <a:pPr marL="0" indent="0">
+              <a:buNone/>
+            </a:pPr>
+            <a:r>
+              <a:rPr lang="en-US" b="0" i="0" dirty="0">
+                <a:solidFill>
+                  <a:srgbClr val="0000CD"/>
+                </a:solidFill>
+                <a:effectLst/>
+                <a:latin typeface="Consolas" panose="020B0609020204030204" pitchFamily="49" charset="0"/>
+              </a:rPr>
+              <a:t>&lt;</a:t>
+            </a:r>
+            <a:r>
+              <a:rPr lang="en-US" b="0" i="0" dirty="0">
+                <a:solidFill>
+                  <a:srgbClr val="A52A2A"/>
+                </a:solidFill>
+                <a:effectLst/>
+                <a:latin typeface="Consolas" panose="020B0609020204030204" pitchFamily="49" charset="0"/>
+              </a:rPr>
+              <a:t>body</a:t>
+            </a:r>
+            <a:r>
+              <a:rPr lang="en-US" b="0" i="0" dirty="0">
+                <a:solidFill>
+                  <a:srgbClr val="FF0000"/>
+                </a:solidFill>
+                <a:effectLst/>
+                <a:latin typeface="Consolas" panose="020B0609020204030204" pitchFamily="49" charset="0"/>
+              </a:rPr>
+              <a:t> style</a:t>
+            </a:r>
+            <a:r>
+              <a:rPr lang="en-US" b="0" i="0" dirty="0">
+                <a:solidFill>
+                  <a:srgbClr val="0000CD"/>
+                </a:solidFill>
+                <a:effectLst/>
+                <a:latin typeface="Consolas" panose="020B0609020204030204" pitchFamily="49" charset="0"/>
+              </a:rPr>
+              <a:t>="</a:t>
+            </a:r>
+            <a:r>
+              <a:rPr lang="en-US" b="0" i="0" dirty="0" err="1">
+                <a:solidFill>
+                  <a:srgbClr val="0000CD"/>
+                </a:solidFill>
+                <a:effectLst/>
+                <a:latin typeface="Consolas" panose="020B0609020204030204" pitchFamily="49" charset="0"/>
+              </a:rPr>
+              <a:t>background-color:powderblue</a:t>
+            </a:r>
+            <a:r>
+              <a:rPr lang="en-US" b="0" i="0" dirty="0">
+                <a:solidFill>
+                  <a:srgbClr val="0000CD"/>
+                </a:solidFill>
+                <a:effectLst/>
+                <a:latin typeface="Consolas" panose="020B0609020204030204" pitchFamily="49" charset="0"/>
+              </a:rPr>
+              <a:t>;"&gt;</a:t>
+            </a:r>
+            <a:br>
+              <a:rPr lang="en-US" dirty="0"/>
+            </a:br>
+            <a:r>
+              <a:rPr lang="en-US" b="0" i="0" dirty="0">
+                <a:solidFill>
+                  <a:srgbClr val="0000CD"/>
+                </a:solidFill>
+                <a:effectLst/>
+                <a:latin typeface="Consolas" panose="020B0609020204030204" pitchFamily="49" charset="0"/>
+              </a:rPr>
+              <a:t>&lt;</a:t>
+            </a:r>
+            <a:r>
+              <a:rPr lang="en-US" b="0" i="0" dirty="0">
+                <a:solidFill>
+                  <a:srgbClr val="A52A2A"/>
+                </a:solidFill>
+                <a:effectLst/>
+                <a:latin typeface="Consolas" panose="020B0609020204030204" pitchFamily="49" charset="0"/>
+              </a:rPr>
+              <a:t>h1</a:t>
+            </a:r>
+            <a:r>
+              <a:rPr lang="en-US" b="0" i="0" dirty="0">
+                <a:solidFill>
+                  <a:srgbClr val="FF0000"/>
+                </a:solidFill>
+                <a:effectLst/>
+                <a:latin typeface="Consolas" panose="020B0609020204030204" pitchFamily="49" charset="0"/>
+              </a:rPr>
+              <a:t> style</a:t>
+            </a:r>
+            <a:r>
+              <a:rPr lang="en-US" b="0" i="0" dirty="0">
+                <a:solidFill>
+                  <a:srgbClr val="0000CD"/>
+                </a:solidFill>
+                <a:effectLst/>
+                <a:latin typeface="Consolas" panose="020B0609020204030204" pitchFamily="49" charset="0"/>
+              </a:rPr>
+              <a:t>="</a:t>
+            </a:r>
+            <a:r>
+              <a:rPr lang="en-US" b="0" i="0" dirty="0" err="1">
+                <a:solidFill>
+                  <a:srgbClr val="0000CD"/>
+                </a:solidFill>
+                <a:effectLst/>
+                <a:latin typeface="Consolas" panose="020B0609020204030204" pitchFamily="49" charset="0"/>
+              </a:rPr>
+              <a:t>color:blue</a:t>
+            </a:r>
+            <a:r>
+              <a:rPr lang="en-US" b="0" i="0" dirty="0">
+                <a:solidFill>
+                  <a:srgbClr val="0000CD"/>
+                </a:solidFill>
+                <a:effectLst/>
+                <a:latin typeface="Consolas" panose="020B0609020204030204" pitchFamily="49" charset="0"/>
+              </a:rPr>
+              <a:t>;"&gt;</a:t>
+            </a:r>
+            <a:r>
+              <a:rPr lang="en-US" b="0" i="0" dirty="0">
+                <a:solidFill>
+                  <a:srgbClr val="000000"/>
+                </a:solidFill>
+                <a:effectLst/>
+                <a:latin typeface="Consolas" panose="020B0609020204030204" pitchFamily="49" charset="0"/>
+              </a:rPr>
+              <a:t>This is a heading</a:t>
+            </a:r>
+            <a:r>
+              <a:rPr lang="en-US" b="0" i="0" dirty="0">
+                <a:solidFill>
+                  <a:srgbClr val="0000CD"/>
+                </a:solidFill>
+                <a:effectLst/>
+                <a:latin typeface="Consolas" panose="020B0609020204030204" pitchFamily="49" charset="0"/>
+              </a:rPr>
+              <a:t>&lt;</a:t>
+            </a:r>
+            <a:r>
+              <a:rPr lang="en-US" b="0" i="0" dirty="0">
+                <a:solidFill>
+                  <a:srgbClr val="A52A2A"/>
+                </a:solidFill>
+                <a:effectLst/>
+                <a:latin typeface="Consolas" panose="020B0609020204030204" pitchFamily="49" charset="0"/>
+              </a:rPr>
+              <a:t>/h1</a:t>
+            </a:r>
+            <a:r>
+              <a:rPr lang="en-US" b="0" i="0" dirty="0">
+                <a:solidFill>
+                  <a:srgbClr val="0000CD"/>
+                </a:solidFill>
+                <a:effectLst/>
+                <a:latin typeface="Consolas" panose="020B0609020204030204" pitchFamily="49" charset="0"/>
+              </a:rPr>
+              <a:t>&gt;</a:t>
+            </a:r>
+            <a:br>
+              <a:rPr lang="en-US" dirty="0"/>
+            </a:br>
+            <a:r>
+              <a:rPr lang="en-US" b="0" i="0" dirty="0">
+                <a:solidFill>
+                  <a:srgbClr val="0000CD"/>
+                </a:solidFill>
+                <a:effectLst/>
+                <a:latin typeface="Consolas" panose="020B0609020204030204" pitchFamily="49" charset="0"/>
+              </a:rPr>
+              <a:t>&lt;</a:t>
+            </a:r>
+            <a:r>
+              <a:rPr lang="en-US" b="0" i="0" dirty="0">
+                <a:solidFill>
+                  <a:srgbClr val="A52A2A"/>
+                </a:solidFill>
+                <a:effectLst/>
+                <a:latin typeface="Consolas" panose="020B0609020204030204" pitchFamily="49" charset="0"/>
+              </a:rPr>
+              <a:t>h1</a:t>
+            </a:r>
+            <a:r>
+              <a:rPr lang="en-US" b="0" i="0" dirty="0">
+                <a:solidFill>
+                  <a:srgbClr val="FF0000"/>
+                </a:solidFill>
+                <a:effectLst/>
+                <a:latin typeface="Consolas" panose="020B0609020204030204" pitchFamily="49" charset="0"/>
+              </a:rPr>
+              <a:t> style</a:t>
+            </a:r>
+            <a:r>
+              <a:rPr lang="en-US" b="0" i="0" dirty="0">
+                <a:solidFill>
+                  <a:srgbClr val="0000CD"/>
+                </a:solidFill>
+                <a:effectLst/>
+                <a:latin typeface="Consolas" panose="020B0609020204030204" pitchFamily="49" charset="0"/>
+              </a:rPr>
+              <a:t>="</a:t>
+            </a:r>
+            <a:r>
+              <a:rPr lang="en-US" b="0" i="0" dirty="0" err="1">
+                <a:solidFill>
+                  <a:srgbClr val="0000CD"/>
+                </a:solidFill>
+                <a:effectLst/>
+                <a:latin typeface="Consolas" panose="020B0609020204030204" pitchFamily="49" charset="0"/>
+              </a:rPr>
+              <a:t>font-family:verdana</a:t>
+            </a:r>
+            <a:r>
+              <a:rPr lang="en-US" b="0" i="0" dirty="0">
+                <a:solidFill>
+                  <a:srgbClr val="0000CD"/>
+                </a:solidFill>
+                <a:effectLst/>
+                <a:latin typeface="Consolas" panose="020B0609020204030204" pitchFamily="49" charset="0"/>
+              </a:rPr>
+              <a:t>;"&gt;</a:t>
+            </a:r>
+            <a:r>
+              <a:rPr lang="en-US" b="0" i="0" dirty="0">
+                <a:solidFill>
+                  <a:srgbClr val="000000"/>
+                </a:solidFill>
+                <a:effectLst/>
+                <a:latin typeface="Consolas" panose="020B0609020204030204" pitchFamily="49" charset="0"/>
+              </a:rPr>
+              <a:t>This is a heading</a:t>
+            </a:r>
+            <a:r>
+              <a:rPr lang="en-US" b="0" i="0" dirty="0">
+                <a:solidFill>
+                  <a:srgbClr val="0000CD"/>
+                </a:solidFill>
+                <a:effectLst/>
+                <a:latin typeface="Consolas" panose="020B0609020204030204" pitchFamily="49" charset="0"/>
+              </a:rPr>
+              <a:t>&lt;</a:t>
+            </a:r>
+            <a:r>
+              <a:rPr lang="en-US" b="0" i="0" dirty="0">
+                <a:solidFill>
+                  <a:srgbClr val="A52A2A"/>
+                </a:solidFill>
+                <a:effectLst/>
+                <a:latin typeface="Consolas" panose="020B0609020204030204" pitchFamily="49" charset="0"/>
+              </a:rPr>
+              <a:t>/h1</a:t>
+            </a:r>
+            <a:r>
+              <a:rPr lang="en-US" b="0" i="0" dirty="0">
+                <a:solidFill>
+                  <a:srgbClr val="0000CD"/>
+                </a:solidFill>
+                <a:effectLst/>
+                <a:latin typeface="Consolas" panose="020B0609020204030204" pitchFamily="49" charset="0"/>
+              </a:rPr>
+              <a:t>&gt;</a:t>
+            </a:r>
+            <a:br>
+              <a:rPr lang="en-US" dirty="0"/>
+            </a:br>
+            <a:r>
+              <a:rPr lang="en-US" b="0" i="0" dirty="0">
+                <a:solidFill>
+                  <a:srgbClr val="0000CD"/>
+                </a:solidFill>
+                <a:effectLst/>
+                <a:latin typeface="Consolas" panose="020B0609020204030204" pitchFamily="49" charset="0"/>
+              </a:rPr>
+              <a:t>&lt;</a:t>
+            </a:r>
+            <a:r>
+              <a:rPr lang="en-US" b="0" i="0" dirty="0">
+                <a:solidFill>
+                  <a:srgbClr val="A52A2A"/>
+                </a:solidFill>
+                <a:effectLst/>
+                <a:latin typeface="Consolas" panose="020B0609020204030204" pitchFamily="49" charset="0"/>
+              </a:rPr>
+              <a:t>h1</a:t>
+            </a:r>
+            <a:r>
+              <a:rPr lang="en-US" b="0" i="0" dirty="0">
+                <a:solidFill>
+                  <a:srgbClr val="FF0000"/>
+                </a:solidFill>
+                <a:effectLst/>
+                <a:latin typeface="Consolas" panose="020B0609020204030204" pitchFamily="49" charset="0"/>
+              </a:rPr>
+              <a:t> style</a:t>
+            </a:r>
+            <a:r>
+              <a:rPr lang="en-US" b="0" i="0" dirty="0">
+                <a:solidFill>
+                  <a:srgbClr val="0000CD"/>
+                </a:solidFill>
+                <a:effectLst/>
+                <a:latin typeface="Consolas" panose="020B0609020204030204" pitchFamily="49" charset="0"/>
+              </a:rPr>
+              <a:t>="font-size:300%;"&gt;</a:t>
+            </a:r>
+            <a:r>
+              <a:rPr lang="en-US" b="0" i="0" dirty="0">
+                <a:solidFill>
+                  <a:srgbClr val="000000"/>
+                </a:solidFill>
+                <a:effectLst/>
+                <a:latin typeface="Consolas" panose="020B0609020204030204" pitchFamily="49" charset="0"/>
+              </a:rPr>
+              <a:t>This is a heading</a:t>
+            </a:r>
+            <a:r>
+              <a:rPr lang="en-US" b="0" i="0" dirty="0">
+                <a:solidFill>
+                  <a:srgbClr val="0000CD"/>
+                </a:solidFill>
+                <a:effectLst/>
+                <a:latin typeface="Consolas" panose="020B0609020204030204" pitchFamily="49" charset="0"/>
+              </a:rPr>
+              <a:t>&lt;</a:t>
+            </a:r>
+            <a:r>
+              <a:rPr lang="en-US" b="0" i="0" dirty="0">
+                <a:solidFill>
+                  <a:srgbClr val="A52A2A"/>
+                </a:solidFill>
+                <a:effectLst/>
+                <a:latin typeface="Consolas" panose="020B0609020204030204" pitchFamily="49" charset="0"/>
+              </a:rPr>
+              <a:t>/h1</a:t>
+            </a:r>
+            <a:r>
+              <a:rPr lang="en-US" b="0" i="0" dirty="0">
+                <a:solidFill>
+                  <a:srgbClr val="0000CD"/>
+                </a:solidFill>
+                <a:effectLst/>
+                <a:latin typeface="Consolas" panose="020B0609020204030204" pitchFamily="49" charset="0"/>
+              </a:rPr>
+              <a:t>&gt;</a:t>
+            </a:r>
+            <a:br>
+              <a:rPr lang="en-US" dirty="0"/>
+            </a:br>
+            <a:r>
+              <a:rPr lang="en-US" b="0" i="0" dirty="0">
+                <a:solidFill>
+                  <a:srgbClr val="0000CD"/>
+                </a:solidFill>
+                <a:effectLst/>
+                <a:latin typeface="Consolas" panose="020B0609020204030204" pitchFamily="49" charset="0"/>
+              </a:rPr>
+              <a:t>&lt;</a:t>
+            </a:r>
+            <a:r>
+              <a:rPr lang="en-US" b="0" i="0" dirty="0">
+                <a:solidFill>
+                  <a:srgbClr val="A52A2A"/>
+                </a:solidFill>
+                <a:effectLst/>
+                <a:latin typeface="Consolas" panose="020B0609020204030204" pitchFamily="49" charset="0"/>
+              </a:rPr>
+              <a:t>h1</a:t>
+            </a:r>
+            <a:r>
+              <a:rPr lang="en-US" b="0" i="0" dirty="0">
+                <a:solidFill>
+                  <a:srgbClr val="FF0000"/>
+                </a:solidFill>
+                <a:effectLst/>
+                <a:latin typeface="Consolas" panose="020B0609020204030204" pitchFamily="49" charset="0"/>
+              </a:rPr>
+              <a:t> style</a:t>
+            </a:r>
+            <a:r>
+              <a:rPr lang="en-US" b="0" i="0" dirty="0">
+                <a:solidFill>
+                  <a:srgbClr val="0000CD"/>
+                </a:solidFill>
+                <a:effectLst/>
+                <a:latin typeface="Consolas" panose="020B0609020204030204" pitchFamily="49" charset="0"/>
+              </a:rPr>
+              <a:t>="</a:t>
+            </a:r>
+            <a:r>
+              <a:rPr lang="en-US" b="0" i="0" dirty="0" err="1">
+                <a:solidFill>
+                  <a:srgbClr val="0000CD"/>
+                </a:solidFill>
+                <a:effectLst/>
+                <a:latin typeface="Consolas" panose="020B0609020204030204" pitchFamily="49" charset="0"/>
+              </a:rPr>
+              <a:t>text-align:center</a:t>
+            </a:r>
+            <a:r>
+              <a:rPr lang="en-US" b="0" i="0" dirty="0">
+                <a:solidFill>
+                  <a:srgbClr val="0000CD"/>
+                </a:solidFill>
+                <a:effectLst/>
+                <a:latin typeface="Consolas" panose="020B0609020204030204" pitchFamily="49" charset="0"/>
+              </a:rPr>
+              <a:t>;"&gt;</a:t>
+            </a:r>
+            <a:r>
+              <a:rPr lang="en-US" b="0" i="0" dirty="0">
+                <a:solidFill>
+                  <a:srgbClr val="000000"/>
+                </a:solidFill>
+                <a:effectLst/>
+                <a:latin typeface="Consolas" panose="020B0609020204030204" pitchFamily="49" charset="0"/>
+              </a:rPr>
+              <a:t>Centered Heading</a:t>
+            </a:r>
+            <a:r>
+              <a:rPr lang="en-US" b="0" i="0" dirty="0">
+                <a:solidFill>
+                  <a:srgbClr val="0000CD"/>
+                </a:solidFill>
+                <a:effectLst/>
+                <a:latin typeface="Consolas" panose="020B0609020204030204" pitchFamily="49" charset="0"/>
+              </a:rPr>
+              <a:t>&lt;</a:t>
+            </a:r>
+            <a:r>
+              <a:rPr lang="en-US" b="0" i="0" dirty="0">
+                <a:solidFill>
+                  <a:srgbClr val="A52A2A"/>
+                </a:solidFill>
+                <a:effectLst/>
+                <a:latin typeface="Consolas" panose="020B0609020204030204" pitchFamily="49" charset="0"/>
+              </a:rPr>
+              <a:t>/h1</a:t>
+            </a:r>
+            <a:r>
+              <a:rPr lang="en-US" b="0" i="0" dirty="0">
+                <a:solidFill>
+                  <a:srgbClr val="0000CD"/>
+                </a:solidFill>
+                <a:effectLst/>
+                <a:latin typeface="Consolas" panose="020B0609020204030204" pitchFamily="49" charset="0"/>
+              </a:rPr>
+              <a:t>&gt;</a:t>
+            </a:r>
+            <a:br>
+              <a:rPr lang="en-US" dirty="0"/>
+            </a:br>
+            <a:endParaRPr lang="en-US" dirty="0"/>
+          </a:p>
+        </p:txBody>
+      </p:sp>
+    </p:spTree>
+    <p:extLst>
+      <p:ext uri="{BB962C8B-B14F-4D97-AF65-F5344CB8AC3E}">
+        <p14:creationId xmlns:p14="http://schemas.microsoft.com/office/powerpoint/2010/main" val="2038142108"/>
+      </p:ext>
+    </p:extLst>
+  </p:cSld>
+  <p:clrMapOvr>
+    <a:masterClrMapping/>
+  </p:clrMapOvr>
+</p:sld>
+</file>
+
+<file path=ppt/slides/slide18.xml><?xml version="1.0" encoding="utf-8"?>
+<p:sld xmlns:a="http://schemas.openxmlformats.org/drawingml/2006/main" xmlns:r="http://schemas.openxmlformats.org/officeDocument/2006/relationships" xmlns:p="http://schemas.openxmlformats.org/presentationml/2006/main">
+  <p:cSld>
+    <p:spTree>
+      <p:nvGrpSpPr>
+        <p:cNvPr id="1" name=""/>
+        <p:cNvGrpSpPr/>
+        <p:nvPr/>
+      </p:nvGrpSpPr>
+      <p:grpSpPr>
+        <a:xfrm>
+          <a:off x="0" y="0"/>
+          <a:ext cx="0" cy="0"/>
+          <a:chOff x="0" y="0"/>
+          <a:chExt cx="0" cy="0"/>
+        </a:xfrm>
+      </p:grpSpPr>
+      <p:sp>
+        <p:nvSpPr>
+          <p:cNvPr id="2" name="Title 1">
+            <a:extLst>
+              <a:ext uri="{FF2B5EF4-FFF2-40B4-BE49-F238E27FC236}">
+                <a16:creationId xmlns:a16="http://schemas.microsoft.com/office/drawing/2014/main" id="{2B50BDC5-EC3A-458A-BAAD-0D21C32711B7}"/>
+              </a:ext>
+            </a:extLst>
+          </p:cNvPr>
+          <p:cNvSpPr>
+            <a:spLocks noGrp="1"/>
+          </p:cNvSpPr>
+          <p:nvPr>
+            <p:ph type="title"/>
+          </p:nvPr>
+        </p:nvSpPr>
+        <p:spPr/>
+        <p:txBody>
+          <a:bodyPr/>
+          <a:lstStyle/>
+          <a:p>
+            <a:r>
+              <a:rPr lang="en-US" dirty="0"/>
+              <a:t>Formatting</a:t>
+            </a:r>
+          </a:p>
+        </p:txBody>
+      </p:sp>
+      <p:sp>
+        <p:nvSpPr>
+          <p:cNvPr id="3" name="Content Placeholder 2">
+            <a:extLst>
+              <a:ext uri="{FF2B5EF4-FFF2-40B4-BE49-F238E27FC236}">
+                <a16:creationId xmlns:a16="http://schemas.microsoft.com/office/drawing/2014/main" id="{6D2A56F5-D0CB-4AA4-8FDF-37AED66FE362}"/>
+              </a:ext>
+            </a:extLst>
+          </p:cNvPr>
+          <p:cNvSpPr>
+            <a:spLocks noGrp="1"/>
+          </p:cNvSpPr>
+          <p:nvPr>
+            <p:ph idx="1"/>
+          </p:nvPr>
+        </p:nvSpPr>
+        <p:spPr/>
+        <p:txBody>
+          <a:bodyPr>
+            <a:normAutofit fontScale="55000" lnSpcReduction="20000"/>
+          </a:bodyPr>
+          <a:lstStyle/>
+          <a:p>
+            <a:endParaRPr lang="en-US" dirty="0"/>
+          </a:p>
+          <a:p>
+            <a:r>
+              <a:rPr lang="en-US" dirty="0"/>
+              <a:t>&lt;b&gt; - Bold text</a:t>
+            </a:r>
+          </a:p>
+          <a:p>
+            <a:r>
+              <a:rPr lang="en-US" dirty="0"/>
+              <a:t>&lt;strong&gt; - Important text</a:t>
+            </a:r>
+          </a:p>
+          <a:p>
+            <a:r>
+              <a:rPr lang="en-US" dirty="0"/>
+              <a:t>&lt;</a:t>
+            </a:r>
+            <a:r>
+              <a:rPr lang="en-US" dirty="0" err="1"/>
+              <a:t>i</a:t>
+            </a:r>
+            <a:r>
+              <a:rPr lang="en-US" dirty="0"/>
+              <a:t>&gt; - Italic text</a:t>
+            </a:r>
+          </a:p>
+          <a:p>
+            <a:r>
+              <a:rPr lang="en-US" dirty="0"/>
+              <a:t>&lt;</a:t>
+            </a:r>
+            <a:r>
+              <a:rPr lang="en-US" dirty="0" err="1"/>
+              <a:t>em</a:t>
+            </a:r>
+            <a:r>
+              <a:rPr lang="en-US" dirty="0"/>
+              <a:t>&gt; - Emphasized text</a:t>
+            </a:r>
+          </a:p>
+          <a:p>
+            <a:r>
+              <a:rPr lang="en-US" dirty="0"/>
+              <a:t>&lt;mark&gt; - Marked text</a:t>
+            </a:r>
+          </a:p>
+          <a:p>
+            <a:r>
+              <a:rPr lang="en-US" dirty="0"/>
+              <a:t>&lt;small&gt; - Smaller text</a:t>
+            </a:r>
+          </a:p>
+          <a:p>
+            <a:r>
+              <a:rPr lang="en-US" dirty="0"/>
+              <a:t>&lt;del&gt; - Deleted text</a:t>
+            </a:r>
+          </a:p>
+          <a:p>
+            <a:r>
+              <a:rPr lang="en-US" dirty="0"/>
+              <a:t>&lt;ins&gt; - Inserted text</a:t>
+            </a:r>
+          </a:p>
+          <a:p>
+            <a:r>
+              <a:rPr lang="en-US" dirty="0"/>
+              <a:t>&lt;sub&gt; - Subscript text</a:t>
+            </a:r>
+          </a:p>
+          <a:p>
+            <a:r>
+              <a:rPr lang="en-US" dirty="0"/>
+              <a:t>&lt;sup&gt; - Superscript text</a:t>
+            </a:r>
+          </a:p>
+        </p:txBody>
+      </p:sp>
+    </p:spTree>
+    <p:extLst>
+      <p:ext uri="{BB962C8B-B14F-4D97-AF65-F5344CB8AC3E}">
+        <p14:creationId xmlns:p14="http://schemas.microsoft.com/office/powerpoint/2010/main" val="2994182655"/>
+      </p:ext>
+    </p:extLst>
+  </p:cSld>
+  <p:clrMapOvr>
+    <a:masterClrMapping/>
+  </p:clrMapOvr>
+</p:sld>
+</file>
+
+<file path=ppt/slides/slide19.xml><?xml version="1.0" encoding="utf-8"?>
+<p:sld xmlns:a="http://schemas.openxmlformats.org/drawingml/2006/main" xmlns:r="http://schemas.openxmlformats.org/officeDocument/2006/relationships" xmlns:p="http://schemas.openxmlformats.org/presentationml/2006/main">
+  <p:cSld>
+    <p:spTree>
+      <p:nvGrpSpPr>
+        <p:cNvPr id="1" name=""/>
+        <p:cNvGrpSpPr/>
+        <p:nvPr/>
+      </p:nvGrpSpPr>
+      <p:grpSpPr>
+        <a:xfrm>
+          <a:off x="0" y="0"/>
+          <a:ext cx="0" cy="0"/>
+          <a:chOff x="0" y="0"/>
+          <a:chExt cx="0" cy="0"/>
+        </a:xfrm>
+      </p:grpSpPr>
+      <p:sp>
+        <p:nvSpPr>
+          <p:cNvPr id="2" name="Title 1">
+            <a:extLst>
+              <a:ext uri="{FF2B5EF4-FFF2-40B4-BE49-F238E27FC236}">
+                <a16:creationId xmlns:a16="http://schemas.microsoft.com/office/drawing/2014/main" id="{B10A7346-87F7-812C-2183-273D0FF30625}"/>
+              </a:ext>
+            </a:extLst>
+          </p:cNvPr>
+          <p:cNvSpPr>
+            <a:spLocks noGrp="1"/>
+          </p:cNvSpPr>
+          <p:nvPr>
+            <p:ph type="title"/>
+          </p:nvPr>
+        </p:nvSpPr>
+        <p:spPr/>
+        <p:txBody>
+          <a:bodyPr/>
+          <a:lstStyle/>
+          <a:p>
+            <a:endParaRPr lang="en-US"/>
+          </a:p>
+        </p:txBody>
+      </p:sp>
+      <p:pic>
+        <p:nvPicPr>
+          <p:cNvPr id="5" name="Content Placeholder 4">
+            <a:extLst>
+              <a:ext uri="{FF2B5EF4-FFF2-40B4-BE49-F238E27FC236}">
+                <a16:creationId xmlns:a16="http://schemas.microsoft.com/office/drawing/2014/main" id="{FD9C4AB2-356C-10FD-0180-475A9AB63433}"/>
+              </a:ext>
+            </a:extLst>
+          </p:cNvPr>
+          <p:cNvPicPr>
+            <a:picLocks noGrp="1" noChangeAspect="1"/>
+          </p:cNvPicPr>
+          <p:nvPr>
+            <p:ph idx="1"/>
+          </p:nvPr>
+        </p:nvPicPr>
+        <p:blipFill>
+          <a:blip r:embed="rId2"/>
+          <a:stretch>
+            <a:fillRect/>
+          </a:stretch>
+        </p:blipFill>
+        <p:spPr>
+          <a:xfrm>
+            <a:off x="1451579" y="0"/>
+            <a:ext cx="9603275" cy="6120882"/>
+          </a:xfrm>
+        </p:spPr>
+      </p:pic>
+    </p:spTree>
+    <p:extLst>
+      <p:ext uri="{BB962C8B-B14F-4D97-AF65-F5344CB8AC3E}">
+        <p14:creationId xmlns:p14="http://schemas.microsoft.com/office/powerpoint/2010/main" val="2555732497"/>
+      </p:ext>
+    </p:extLst>
+  </p:cSld>
+  <p:clrMapOvr>
+    <a:masterClrMapping/>
+  </p:clrMapOvr>
+</p:sld>
+</file>
+
+<file path=ppt/slides/slide2.xml><?xml version="1.0" encoding="utf-8"?>
+<p:sld xmlns:a="http://schemas.openxmlformats.org/drawingml/2006/main" xmlns:r="http://schemas.openxmlformats.org/officeDocument/2006/relationships" xmlns:p="http://schemas.openxmlformats.org/presentationml/2006/main">
+  <p:cSld>
+    <p:spTree>
+      <p:nvGrpSpPr>
+        <p:cNvPr id="1" name=""/>
+        <p:cNvGrpSpPr/>
+        <p:nvPr/>
+      </p:nvGrpSpPr>
+      <p:grpSpPr>
+        <a:xfrm>
+          <a:off x="0" y="0"/>
+          <a:ext cx="0" cy="0"/>
+          <a:chOff x="0" y="0"/>
+          <a:chExt cx="0" cy="0"/>
+        </a:xfrm>
+      </p:grpSpPr>
+      <p:sp>
+        <p:nvSpPr>
+          <p:cNvPr id="2" name="Title 1">
+            <a:extLst>
+              <a:ext uri="{FF2B5EF4-FFF2-40B4-BE49-F238E27FC236}">
+                <a16:creationId xmlns:a16="http://schemas.microsoft.com/office/drawing/2014/main" id="{47230278-804A-46BD-8ADF-29CD63E43E41}"/>
+              </a:ext>
+            </a:extLst>
+          </p:cNvPr>
+          <p:cNvSpPr>
+            <a:spLocks noGrp="1"/>
+          </p:cNvSpPr>
+          <p:nvPr>
+            <p:ph type="title"/>
+          </p:nvPr>
+        </p:nvSpPr>
+        <p:spPr/>
+        <p:txBody>
+          <a:bodyPr/>
+          <a:lstStyle/>
+          <a:p>
+            <a:r>
+              <a:rPr lang="en-US" dirty="0"/>
+              <a:t>History of Markup languages</a:t>
+            </a:r>
+          </a:p>
+        </p:txBody>
+      </p:sp>
+      <p:sp>
+        <p:nvSpPr>
+          <p:cNvPr id="3" name="Content Placeholder 2">
+            <a:extLst>
+              <a:ext uri="{FF2B5EF4-FFF2-40B4-BE49-F238E27FC236}">
+                <a16:creationId xmlns:a16="http://schemas.microsoft.com/office/drawing/2014/main" id="{03CE8E2C-12CF-415A-985E-70A2B868CEA5}"/>
+              </a:ext>
+            </a:extLst>
+          </p:cNvPr>
+          <p:cNvSpPr>
+            <a:spLocks noGrp="1"/>
+          </p:cNvSpPr>
+          <p:nvPr>
+            <p:ph idx="1"/>
+          </p:nvPr>
+        </p:nvSpPr>
+        <p:spPr/>
+        <p:txBody>
+          <a:bodyPr>
+            <a:normAutofit fontScale="92500" lnSpcReduction="20000"/>
+          </a:bodyPr>
+          <a:lstStyle/>
+          <a:p>
+            <a:r>
+              <a:rPr lang="en-US" dirty="0"/>
+              <a:t>XML is derivative of SGML (Standard Generalized Markup Language -1986) but with lesser complexity.</a:t>
+            </a:r>
+          </a:p>
+          <a:p>
+            <a:r>
+              <a:rPr lang="en-US" dirty="0"/>
+              <a:t>SGML – Derived from GML – 1970</a:t>
+            </a:r>
+          </a:p>
+          <a:p>
+            <a:r>
+              <a:rPr lang="en-US" dirty="0"/>
+              <a:t>SGML inspired the invention of Web. </a:t>
+            </a:r>
+          </a:p>
+          <a:p>
+            <a:r>
+              <a:rPr lang="en-US" dirty="0"/>
+              <a:t>Tim Berners-Lee, a British scientist, invented the World Wide Web (WWW) in 1989, while working at CERN.(</a:t>
+            </a:r>
+            <a:r>
+              <a:rPr lang="fr-FR" b="0" i="0" dirty="0">
+                <a:solidFill>
+                  <a:srgbClr val="040C28"/>
+                </a:solidFill>
+                <a:effectLst/>
+                <a:latin typeface="Google Sans"/>
+              </a:rPr>
+              <a:t>Conseil Européen pour la Recherche Nucléaire – </a:t>
+            </a:r>
+            <a:r>
+              <a:rPr lang="fr-FR" b="0" i="0" dirty="0" err="1">
+                <a:solidFill>
+                  <a:srgbClr val="040C28"/>
+                </a:solidFill>
+                <a:effectLst/>
+                <a:latin typeface="Google Sans"/>
+              </a:rPr>
+              <a:t>Europen</a:t>
+            </a:r>
+            <a:r>
+              <a:rPr lang="fr-FR" b="0" i="0" dirty="0">
+                <a:solidFill>
+                  <a:srgbClr val="040C28"/>
+                </a:solidFill>
+                <a:effectLst/>
+                <a:latin typeface="Google Sans"/>
+              </a:rPr>
+              <a:t> </a:t>
+            </a:r>
+            <a:r>
+              <a:rPr lang="fr-FR" b="0" i="0" dirty="0" err="1">
+                <a:solidFill>
+                  <a:srgbClr val="040C28"/>
+                </a:solidFill>
+                <a:effectLst/>
+                <a:latin typeface="Google Sans"/>
+              </a:rPr>
+              <a:t>Laboratory</a:t>
+            </a:r>
+            <a:r>
+              <a:rPr lang="fr-FR" b="0" i="0" dirty="0">
+                <a:solidFill>
+                  <a:srgbClr val="040C28"/>
+                </a:solidFill>
+                <a:effectLst/>
+                <a:latin typeface="Google Sans"/>
+              </a:rPr>
+              <a:t> for </a:t>
+            </a:r>
+            <a:r>
+              <a:rPr lang="fr-FR" b="0" i="0" dirty="0" err="1">
+                <a:solidFill>
+                  <a:srgbClr val="040C28"/>
+                </a:solidFill>
+                <a:effectLst/>
+                <a:latin typeface="Google Sans"/>
+              </a:rPr>
+              <a:t>Particle</a:t>
+            </a:r>
+            <a:r>
+              <a:rPr lang="fr-FR" b="0" i="0" dirty="0">
+                <a:solidFill>
+                  <a:srgbClr val="040C28"/>
+                </a:solidFill>
+                <a:effectLst/>
+                <a:latin typeface="Google Sans"/>
+              </a:rPr>
+              <a:t> </a:t>
+            </a:r>
+            <a:r>
+              <a:rPr lang="fr-FR" b="0" i="0" dirty="0" err="1">
+                <a:solidFill>
+                  <a:srgbClr val="040C28"/>
+                </a:solidFill>
+                <a:effectLst/>
+                <a:latin typeface="Google Sans"/>
+              </a:rPr>
+              <a:t>Physics</a:t>
+            </a:r>
+            <a:r>
+              <a:rPr lang="fr-FR" b="0" i="0" dirty="0">
+                <a:solidFill>
+                  <a:srgbClr val="040C28"/>
+                </a:solidFill>
+                <a:effectLst/>
+                <a:latin typeface="Google Sans"/>
+              </a:rPr>
+              <a:t>) </a:t>
+            </a:r>
+          </a:p>
+          <a:p>
+            <a:r>
+              <a:rPr lang="fr-FR" b="0" i="0" dirty="0">
+                <a:solidFill>
+                  <a:srgbClr val="040C28"/>
+                </a:solidFill>
+                <a:effectLst/>
+                <a:latin typeface="Google Sans"/>
+              </a:rPr>
+              <a:t>He </a:t>
+            </a:r>
+            <a:r>
+              <a:rPr lang="fr-FR" b="0" i="0" dirty="0" err="1">
+                <a:solidFill>
+                  <a:srgbClr val="040C28"/>
+                </a:solidFill>
+                <a:effectLst/>
+                <a:latin typeface="Google Sans"/>
+              </a:rPr>
+              <a:t>used</a:t>
+            </a:r>
+            <a:r>
+              <a:rPr lang="fr-FR" b="0" i="0" dirty="0">
+                <a:solidFill>
+                  <a:srgbClr val="040C28"/>
+                </a:solidFill>
+                <a:effectLst/>
+                <a:latin typeface="Google Sans"/>
+              </a:rPr>
+              <a:t> HTML as </a:t>
+            </a:r>
+            <a:r>
+              <a:rPr lang="fr-FR" b="0" i="0" dirty="0" err="1">
+                <a:solidFill>
+                  <a:srgbClr val="040C28"/>
+                </a:solidFill>
+                <a:effectLst/>
+                <a:latin typeface="Google Sans"/>
+              </a:rPr>
+              <a:t>publishing</a:t>
+            </a:r>
+            <a:r>
+              <a:rPr lang="fr-FR" b="0" i="0" dirty="0">
+                <a:solidFill>
+                  <a:srgbClr val="040C28"/>
+                </a:solidFill>
+                <a:effectLst/>
+                <a:latin typeface="Google Sans"/>
+              </a:rPr>
+              <a:t> </a:t>
+            </a:r>
+            <a:r>
+              <a:rPr lang="fr-FR" b="0" i="0" dirty="0" err="1">
+                <a:solidFill>
+                  <a:srgbClr val="040C28"/>
+                </a:solidFill>
+                <a:effectLst/>
+                <a:latin typeface="Google Sans"/>
+              </a:rPr>
+              <a:t>language</a:t>
+            </a:r>
+            <a:r>
+              <a:rPr lang="fr-FR" b="0" i="0" dirty="0">
+                <a:solidFill>
+                  <a:srgbClr val="040C28"/>
+                </a:solidFill>
+                <a:effectLst/>
+                <a:latin typeface="Google Sans"/>
+              </a:rPr>
+              <a:t>. </a:t>
+            </a:r>
+          </a:p>
+          <a:p>
+            <a:r>
+              <a:rPr lang="en-US" dirty="0"/>
+              <a:t>XML (Extensible Markup Language)</a:t>
+            </a:r>
+          </a:p>
+          <a:p>
+            <a:endParaRPr lang="en-US" dirty="0"/>
+          </a:p>
+        </p:txBody>
+      </p:sp>
+    </p:spTree>
+    <p:extLst>
+      <p:ext uri="{BB962C8B-B14F-4D97-AF65-F5344CB8AC3E}">
+        <p14:creationId xmlns:p14="http://schemas.microsoft.com/office/powerpoint/2010/main" val="2418273590"/>
+      </p:ext>
+    </p:extLst>
+  </p:cSld>
+  <p:clrMapOvr>
+    <a:masterClrMapping/>
+  </p:clrMapOvr>
+</p:sld>
+</file>
+
+<file path=ppt/slides/slide20.xml><?xml version="1.0" encoding="utf-8"?>
+<p:sld xmlns:a="http://schemas.openxmlformats.org/drawingml/2006/main" xmlns:r="http://schemas.openxmlformats.org/officeDocument/2006/relationships" xmlns:p="http://schemas.openxmlformats.org/presentationml/2006/main">
+  <p:cSld>
+    <p:spTree>
+      <p:nvGrpSpPr>
+        <p:cNvPr id="1" name=""/>
+        <p:cNvGrpSpPr/>
+        <p:nvPr/>
+      </p:nvGrpSpPr>
+      <p:grpSpPr>
+        <a:xfrm>
+          <a:off x="0" y="0"/>
+          <a:ext cx="0" cy="0"/>
+          <a:chOff x="0" y="0"/>
+          <a:chExt cx="0" cy="0"/>
+        </a:xfrm>
+      </p:grpSpPr>
+      <p:sp>
+        <p:nvSpPr>
+          <p:cNvPr id="2" name="Title 1">
+            <a:extLst>
+              <a:ext uri="{FF2B5EF4-FFF2-40B4-BE49-F238E27FC236}">
+                <a16:creationId xmlns:a16="http://schemas.microsoft.com/office/drawing/2014/main" id="{F0B1AB91-3CA9-4B6C-B578-8B5362859DAB}"/>
+              </a:ext>
+            </a:extLst>
+          </p:cNvPr>
+          <p:cNvSpPr>
+            <a:spLocks noGrp="1"/>
+          </p:cNvSpPr>
+          <p:nvPr>
+            <p:ph type="title"/>
+          </p:nvPr>
+        </p:nvSpPr>
+        <p:spPr/>
+        <p:txBody>
+          <a:bodyPr/>
+          <a:lstStyle/>
+          <a:p>
+            <a:r>
+              <a:rPr lang="en-US" dirty="0"/>
+              <a:t>XML introduction</a:t>
+            </a:r>
+          </a:p>
+        </p:txBody>
+      </p:sp>
+      <p:sp>
+        <p:nvSpPr>
+          <p:cNvPr id="3" name="Content Placeholder 2">
+            <a:extLst>
+              <a:ext uri="{FF2B5EF4-FFF2-40B4-BE49-F238E27FC236}">
+                <a16:creationId xmlns:a16="http://schemas.microsoft.com/office/drawing/2014/main" id="{A3DEA943-4140-41B8-A86D-42706A78323E}"/>
+              </a:ext>
+            </a:extLst>
+          </p:cNvPr>
+          <p:cNvSpPr>
+            <a:spLocks noGrp="1"/>
+          </p:cNvSpPr>
+          <p:nvPr>
+            <p:ph idx="1"/>
+          </p:nvPr>
+        </p:nvSpPr>
+        <p:spPr/>
+        <p:txBody>
+          <a:bodyPr>
+            <a:normAutofit fontScale="77500" lnSpcReduction="20000"/>
+          </a:bodyPr>
+          <a:lstStyle/>
+          <a:p>
+            <a:pPr algn="l">
+              <a:buFont typeface="Arial" panose="020B0604020202020204" pitchFamily="34" charset="0"/>
+              <a:buChar char="•"/>
+            </a:pPr>
+            <a:r>
+              <a:rPr lang="en-US" b="0" i="0" dirty="0">
+                <a:solidFill>
+                  <a:srgbClr val="000000"/>
+                </a:solidFill>
+                <a:effectLst/>
+                <a:latin typeface="Verdana" panose="020B0604030504040204" pitchFamily="34" charset="0"/>
+              </a:rPr>
+              <a:t>XML was designed to store and transport data</a:t>
+            </a:r>
+          </a:p>
+          <a:p>
+            <a:pPr algn="l">
+              <a:buFont typeface="Arial" panose="020B0604020202020204" pitchFamily="34" charset="0"/>
+              <a:buChar char="•"/>
+            </a:pPr>
+            <a:r>
+              <a:rPr lang="en-US" b="0" i="0" dirty="0">
+                <a:solidFill>
+                  <a:srgbClr val="000000"/>
+                </a:solidFill>
+                <a:effectLst/>
+                <a:latin typeface="Verdana" panose="020B0604030504040204" pitchFamily="34" charset="0"/>
+              </a:rPr>
+              <a:t>XML was designed to be self-descriptive</a:t>
+            </a:r>
+          </a:p>
+          <a:p>
+            <a:pPr algn="l">
+              <a:buFont typeface="Arial" panose="020B0604020202020204" pitchFamily="34" charset="0"/>
+              <a:buChar char="•"/>
+            </a:pPr>
+            <a:r>
+              <a:rPr lang="en-US" b="0" i="0" dirty="0">
+                <a:solidFill>
+                  <a:srgbClr val="000000"/>
+                </a:solidFill>
+                <a:effectLst/>
+                <a:latin typeface="Verdana" panose="020B0604030504040204" pitchFamily="34" charset="0"/>
+              </a:rPr>
+              <a:t>XML is a W3C Recommendation</a:t>
+            </a:r>
+          </a:p>
+          <a:p>
+            <a:r>
+              <a:rPr lang="en-US" dirty="0"/>
+              <a:t>&lt;Student&gt;</a:t>
+            </a:r>
+          </a:p>
+          <a:p>
+            <a:pPr marL="0" indent="0">
+              <a:buNone/>
+            </a:pPr>
+            <a:r>
+              <a:rPr lang="en-US" dirty="0"/>
+              <a:t>        &lt;USN&gt;2BLCS001&lt;USN&gt;</a:t>
+            </a:r>
+          </a:p>
+          <a:p>
+            <a:pPr marL="0" indent="0">
+              <a:buNone/>
+            </a:pPr>
+            <a:r>
+              <a:rPr lang="en-US" dirty="0"/>
+              <a:t>        &lt;Name&gt;Santhosh&lt;/Name&gt;</a:t>
+            </a:r>
+            <a:br>
+              <a:rPr lang="en-US" dirty="0"/>
+            </a:br>
+            <a:r>
+              <a:rPr lang="en-US" dirty="0"/>
+              <a:t>&lt;/Student&gt;</a:t>
+            </a:r>
+          </a:p>
+          <a:p>
+            <a:pPr algn="l"/>
+            <a:r>
+              <a:rPr lang="en-US" b="0" i="0" dirty="0">
+                <a:solidFill>
+                  <a:srgbClr val="000000"/>
+                </a:solidFill>
+                <a:effectLst/>
+                <a:latin typeface="Verdana" panose="020B0604030504040204" pitchFamily="34" charset="0"/>
+              </a:rPr>
+              <a:t>In many HTML applications, XML is used to store or transport data, while HTML is used to format and display the same data.</a:t>
+            </a:r>
+          </a:p>
+          <a:p>
+            <a:pPr algn="l"/>
+            <a:r>
+              <a:rPr lang="en-US" b="0" i="0" dirty="0">
+                <a:solidFill>
+                  <a:srgbClr val="0000CD"/>
+                </a:solidFill>
+                <a:effectLst/>
+                <a:latin typeface="Consolas" panose="020B0609020204030204" pitchFamily="49" charset="0"/>
+              </a:rPr>
+              <a:t>&lt;</a:t>
+            </a:r>
+            <a:r>
+              <a:rPr lang="en-US" b="0" i="0" dirty="0">
+                <a:solidFill>
+                  <a:srgbClr val="A52A2A"/>
+                </a:solidFill>
+                <a:effectLst/>
+                <a:latin typeface="Consolas" panose="020B0609020204030204" pitchFamily="49" charset="0"/>
+              </a:rPr>
+              <a:t>?xml</a:t>
+            </a:r>
+            <a:r>
+              <a:rPr lang="en-US" b="0" i="0" dirty="0">
+                <a:solidFill>
+                  <a:srgbClr val="FF0000"/>
+                </a:solidFill>
+                <a:effectLst/>
+                <a:latin typeface="Consolas" panose="020B0609020204030204" pitchFamily="49" charset="0"/>
+              </a:rPr>
+              <a:t> version</a:t>
+            </a:r>
+            <a:r>
+              <a:rPr lang="en-US" b="0" i="0" dirty="0">
+                <a:solidFill>
+                  <a:srgbClr val="0000CD"/>
+                </a:solidFill>
+                <a:effectLst/>
+                <a:latin typeface="Consolas" panose="020B0609020204030204" pitchFamily="49" charset="0"/>
+              </a:rPr>
+              <a:t>="1.0"</a:t>
+            </a:r>
+            <a:r>
+              <a:rPr lang="en-US" b="0" i="0" dirty="0">
+                <a:solidFill>
+                  <a:srgbClr val="FF0000"/>
+                </a:solidFill>
+                <a:effectLst/>
+                <a:latin typeface="Consolas" panose="020B0609020204030204" pitchFamily="49" charset="0"/>
+              </a:rPr>
+              <a:t> encoding</a:t>
+            </a:r>
+            <a:r>
+              <a:rPr lang="en-US" b="0" i="0" dirty="0">
+                <a:solidFill>
+                  <a:srgbClr val="0000CD"/>
+                </a:solidFill>
+                <a:effectLst/>
+                <a:latin typeface="Consolas" panose="020B0609020204030204" pitchFamily="49" charset="0"/>
+              </a:rPr>
+              <a:t>="UTF-8</a:t>
+            </a:r>
+            <a:r>
+              <a:rPr lang="en-US" b="1" i="0" dirty="0">
+                <a:solidFill>
+                  <a:srgbClr val="0000CD"/>
+                </a:solidFill>
+                <a:effectLst/>
+                <a:latin typeface="Consolas" panose="020B0609020204030204" pitchFamily="49" charset="0"/>
+              </a:rPr>
+              <a:t>"</a:t>
+            </a:r>
+            <a:r>
+              <a:rPr lang="en-US" b="0" i="0" dirty="0">
+                <a:solidFill>
+                  <a:srgbClr val="FF0000"/>
+                </a:solidFill>
+                <a:effectLst/>
+                <a:latin typeface="Consolas" panose="020B0609020204030204" pitchFamily="49" charset="0"/>
+              </a:rPr>
+              <a:t>?</a:t>
+            </a:r>
+            <a:r>
+              <a:rPr lang="en-US" b="0" i="0" dirty="0">
+                <a:solidFill>
+                  <a:srgbClr val="0000CD"/>
+                </a:solidFill>
+                <a:effectLst/>
+                <a:latin typeface="Consolas" panose="020B0609020204030204" pitchFamily="49" charset="0"/>
+              </a:rPr>
+              <a:t>&gt; </a:t>
+            </a:r>
+            <a:r>
+              <a:rPr lang="en-US" b="0" i="0" dirty="0">
+                <a:solidFill>
+                  <a:srgbClr val="002060"/>
+                </a:solidFill>
+                <a:effectLst/>
+                <a:latin typeface="Consolas" panose="020B0609020204030204" pitchFamily="49" charset="0"/>
+              </a:rPr>
+              <a:t>is prolog and optional</a:t>
+            </a:r>
+          </a:p>
+          <a:p>
+            <a:pPr marL="0" indent="0">
+              <a:buNone/>
+            </a:pPr>
+            <a:endParaRPr lang="en-US" dirty="0"/>
+          </a:p>
+        </p:txBody>
+      </p:sp>
+    </p:spTree>
+    <p:extLst>
+      <p:ext uri="{BB962C8B-B14F-4D97-AF65-F5344CB8AC3E}">
+        <p14:creationId xmlns:p14="http://schemas.microsoft.com/office/powerpoint/2010/main" val="1609945871"/>
+      </p:ext>
+    </p:extLst>
+  </p:cSld>
+  <p:clrMapOvr>
+    <a:masterClrMapping/>
+  </p:clrMapOvr>
+</p:sld>
+</file>
+
+<file path=ppt/slides/slide21.xml><?xml version="1.0" encoding="utf-8"?>
+<p:sld xmlns:a="http://schemas.openxmlformats.org/drawingml/2006/main" xmlns:r="http://schemas.openxmlformats.org/officeDocument/2006/relationships" xmlns:p="http://schemas.openxmlformats.org/presentationml/2006/main">
+  <p:cSld>
+    <p:spTree>
+      <p:nvGrpSpPr>
+        <p:cNvPr id="1" name=""/>
+        <p:cNvGrpSpPr/>
+        <p:nvPr/>
+      </p:nvGrpSpPr>
+      <p:grpSpPr>
+        <a:xfrm>
+          <a:off x="0" y="0"/>
+          <a:ext cx="0" cy="0"/>
+          <a:chOff x="0" y="0"/>
+          <a:chExt cx="0" cy="0"/>
+        </a:xfrm>
+      </p:grpSpPr>
+      <p:sp>
+        <p:nvSpPr>
+          <p:cNvPr id="2" name="Title 1">
+            <a:extLst>
+              <a:ext uri="{FF2B5EF4-FFF2-40B4-BE49-F238E27FC236}">
+                <a16:creationId xmlns:a16="http://schemas.microsoft.com/office/drawing/2014/main" id="{CE5E0387-1B97-4B31-9CE9-9638702B2D9E}"/>
+              </a:ext>
+            </a:extLst>
+          </p:cNvPr>
+          <p:cNvSpPr>
+            <a:spLocks noGrp="1"/>
+          </p:cNvSpPr>
+          <p:nvPr>
+            <p:ph type="title"/>
+          </p:nvPr>
+        </p:nvSpPr>
+        <p:spPr/>
+        <p:txBody>
+          <a:bodyPr/>
+          <a:lstStyle/>
+          <a:p>
+            <a:r>
+              <a:rPr lang="en-US" dirty="0"/>
+              <a:t>Namespace and DOM</a:t>
+            </a:r>
+          </a:p>
+        </p:txBody>
+      </p:sp>
+      <p:sp>
+        <p:nvSpPr>
+          <p:cNvPr id="3" name="Content Placeholder 2">
+            <a:extLst>
+              <a:ext uri="{FF2B5EF4-FFF2-40B4-BE49-F238E27FC236}">
+                <a16:creationId xmlns:a16="http://schemas.microsoft.com/office/drawing/2014/main" id="{EFB267B3-66C2-4819-A664-98B7ADA1E55A}"/>
+              </a:ext>
+            </a:extLst>
+          </p:cNvPr>
+          <p:cNvSpPr>
+            <a:spLocks noGrp="1"/>
+          </p:cNvSpPr>
+          <p:nvPr>
+            <p:ph idx="1"/>
+          </p:nvPr>
+        </p:nvSpPr>
+        <p:spPr/>
+        <p:txBody>
+          <a:bodyPr>
+            <a:normAutofit fontScale="92500" lnSpcReduction="20000"/>
+          </a:bodyPr>
+          <a:lstStyle/>
+          <a:p>
+            <a:r>
+              <a:rPr lang="en-US" b="1" i="0" dirty="0">
+                <a:solidFill>
+                  <a:srgbClr val="0000CD"/>
+                </a:solidFill>
+                <a:effectLst/>
+                <a:latin typeface="Consolas" panose="020B0609020204030204" pitchFamily="49" charset="0"/>
+              </a:rPr>
+              <a:t>Namespace</a:t>
+            </a:r>
+            <a:r>
+              <a:rPr lang="en-US" b="0" i="0" dirty="0">
+                <a:solidFill>
+                  <a:srgbClr val="0000CD"/>
+                </a:solidFill>
+                <a:effectLst/>
+                <a:latin typeface="Consolas" panose="020B0609020204030204" pitchFamily="49" charset="0"/>
+              </a:rPr>
+              <a:t> : &lt;</a:t>
+            </a:r>
+            <a:r>
+              <a:rPr lang="en-US" b="0" i="0" dirty="0" err="1">
+                <a:solidFill>
+                  <a:srgbClr val="A52A2A"/>
+                </a:solidFill>
+                <a:effectLst/>
+                <a:latin typeface="Consolas" panose="020B0609020204030204" pitchFamily="49" charset="0"/>
+              </a:rPr>
+              <a:t>h:table</a:t>
+            </a:r>
+            <a:r>
+              <a:rPr lang="en-US" b="0" i="0" dirty="0">
+                <a:solidFill>
+                  <a:srgbClr val="FF0000"/>
+                </a:solidFill>
+                <a:effectLst/>
+                <a:latin typeface="Consolas" panose="020B0609020204030204" pitchFamily="49" charset="0"/>
+              </a:rPr>
+              <a:t> </a:t>
+            </a:r>
+            <a:r>
+              <a:rPr lang="en-US" b="0" i="0" dirty="0" err="1">
+                <a:solidFill>
+                  <a:srgbClr val="FF0000"/>
+                </a:solidFill>
+                <a:effectLst/>
+                <a:latin typeface="Consolas" panose="020B0609020204030204" pitchFamily="49" charset="0"/>
+              </a:rPr>
+              <a:t>xmlns:h</a:t>
+            </a:r>
+            <a:r>
+              <a:rPr lang="en-US" b="0" i="0" dirty="0">
+                <a:solidFill>
+                  <a:srgbClr val="0000CD"/>
+                </a:solidFill>
+                <a:effectLst/>
+                <a:latin typeface="Consolas" panose="020B0609020204030204" pitchFamily="49" charset="0"/>
+              </a:rPr>
+              <a:t>="http://www.w3.org/TR/html4/"&gt;</a:t>
+            </a:r>
+          </a:p>
+          <a:p>
+            <a:pPr algn="l"/>
+            <a:r>
+              <a:rPr lang="en-US" b="0" i="0" dirty="0">
+                <a:solidFill>
+                  <a:srgbClr val="000000"/>
+                </a:solidFill>
+                <a:effectLst/>
+                <a:latin typeface="Verdana" panose="020B0604030504040204" pitchFamily="34" charset="0"/>
+              </a:rPr>
+              <a:t>All HTML elements can be accessed through the </a:t>
+            </a:r>
+            <a:r>
+              <a:rPr lang="en-US" b="1" i="0" dirty="0">
+                <a:solidFill>
+                  <a:srgbClr val="000000"/>
+                </a:solidFill>
+                <a:effectLst/>
+                <a:latin typeface="Verdana" panose="020B0604030504040204" pitchFamily="34" charset="0"/>
+              </a:rPr>
+              <a:t>HTML DOM</a:t>
+            </a:r>
+            <a:r>
+              <a:rPr lang="en-US" b="0" i="0" dirty="0">
+                <a:solidFill>
+                  <a:srgbClr val="000000"/>
+                </a:solidFill>
+                <a:effectLst/>
+                <a:latin typeface="Verdana" panose="020B0604030504040204" pitchFamily="34" charset="0"/>
+              </a:rPr>
+              <a:t>.</a:t>
+            </a:r>
+          </a:p>
+          <a:p>
+            <a:pPr marL="0" indent="0" algn="l">
+              <a:buNone/>
+            </a:pPr>
+            <a:r>
+              <a:rPr lang="en-US" b="0" i="0" dirty="0">
+                <a:solidFill>
+                  <a:srgbClr val="0000CD"/>
+                </a:solidFill>
+                <a:effectLst/>
+                <a:latin typeface="Consolas" panose="020B0609020204030204" pitchFamily="49" charset="0"/>
+              </a:rPr>
+              <a:t>&lt;</a:t>
+            </a:r>
+            <a:r>
+              <a:rPr lang="en-US" b="0" i="0" dirty="0">
+                <a:solidFill>
+                  <a:srgbClr val="A52A2A"/>
+                </a:solidFill>
+                <a:effectLst/>
+                <a:latin typeface="Consolas" panose="020B0609020204030204" pitchFamily="49" charset="0"/>
+              </a:rPr>
+              <a:t>h1</a:t>
+            </a:r>
+            <a:r>
+              <a:rPr lang="en-US" b="0" i="0" dirty="0">
+                <a:solidFill>
+                  <a:srgbClr val="FF0000"/>
+                </a:solidFill>
+                <a:effectLst/>
+                <a:latin typeface="Consolas" panose="020B0609020204030204" pitchFamily="49" charset="0"/>
+              </a:rPr>
+              <a:t> id</a:t>
+            </a:r>
+            <a:r>
+              <a:rPr lang="en-US" b="0" i="0" dirty="0">
+                <a:solidFill>
+                  <a:srgbClr val="0000CD"/>
+                </a:solidFill>
+                <a:effectLst/>
+                <a:latin typeface="Consolas" panose="020B0609020204030204" pitchFamily="49" charset="0"/>
+              </a:rPr>
+              <a:t>="demo"&gt;</a:t>
+            </a:r>
+            <a:r>
+              <a:rPr lang="en-US" b="0" i="0" dirty="0">
+                <a:solidFill>
+                  <a:srgbClr val="000000"/>
+                </a:solidFill>
+                <a:effectLst/>
+                <a:latin typeface="Consolas" panose="020B0609020204030204" pitchFamily="49" charset="0"/>
+              </a:rPr>
+              <a:t>This is a Heading</a:t>
+            </a:r>
+            <a:r>
+              <a:rPr lang="en-US" b="0" i="0" dirty="0">
+                <a:solidFill>
+                  <a:srgbClr val="0000CD"/>
+                </a:solidFill>
+                <a:effectLst/>
+                <a:latin typeface="Consolas" panose="020B0609020204030204" pitchFamily="49" charset="0"/>
+              </a:rPr>
+              <a:t>&lt;</a:t>
+            </a:r>
+            <a:r>
+              <a:rPr lang="en-US" b="0" i="0" dirty="0">
+                <a:solidFill>
+                  <a:srgbClr val="A52A2A"/>
+                </a:solidFill>
+                <a:effectLst/>
+                <a:latin typeface="Consolas" panose="020B0609020204030204" pitchFamily="49" charset="0"/>
+              </a:rPr>
+              <a:t>/h1</a:t>
+            </a:r>
+            <a:r>
+              <a:rPr lang="en-US" b="0" i="0" dirty="0">
+                <a:solidFill>
+                  <a:srgbClr val="0000CD"/>
+                </a:solidFill>
+                <a:effectLst/>
+                <a:latin typeface="Consolas" panose="020B0609020204030204" pitchFamily="49" charset="0"/>
+              </a:rPr>
+              <a:t>&gt;</a:t>
+            </a:r>
+            <a:br>
+              <a:rPr lang="en-US" b="0" i="0" dirty="0">
+                <a:solidFill>
+                  <a:srgbClr val="000000"/>
+                </a:solidFill>
+                <a:effectLst/>
+                <a:latin typeface="Consolas" panose="020B0609020204030204" pitchFamily="49" charset="0"/>
+              </a:rPr>
+            </a:br>
+            <a:br>
+              <a:rPr lang="en-US" b="0" i="0" dirty="0">
+                <a:solidFill>
+                  <a:srgbClr val="000000"/>
+                </a:solidFill>
+                <a:effectLst/>
+                <a:latin typeface="Consolas" panose="020B0609020204030204" pitchFamily="49" charset="0"/>
+              </a:rPr>
+            </a:br>
+            <a:r>
+              <a:rPr lang="en-US" b="0" i="0" dirty="0">
+                <a:solidFill>
+                  <a:srgbClr val="0000CD"/>
+                </a:solidFill>
+                <a:effectLst/>
+                <a:latin typeface="Consolas" panose="020B0609020204030204" pitchFamily="49" charset="0"/>
+              </a:rPr>
+              <a:t>&lt;</a:t>
+            </a:r>
+            <a:r>
+              <a:rPr lang="en-US" b="0" i="0" dirty="0">
+                <a:solidFill>
+                  <a:srgbClr val="A52A2A"/>
+                </a:solidFill>
+                <a:effectLst/>
+                <a:latin typeface="Consolas" panose="020B0609020204030204" pitchFamily="49" charset="0"/>
+              </a:rPr>
+              <a:t>button</a:t>
+            </a:r>
+            <a:r>
+              <a:rPr lang="en-US" b="0" i="0" dirty="0">
+                <a:solidFill>
+                  <a:srgbClr val="FF0000"/>
+                </a:solidFill>
+                <a:effectLst/>
+                <a:latin typeface="Consolas" panose="020B0609020204030204" pitchFamily="49" charset="0"/>
+              </a:rPr>
+              <a:t> type</a:t>
+            </a:r>
+            <a:r>
+              <a:rPr lang="en-US" b="0" i="0" dirty="0">
+                <a:solidFill>
+                  <a:srgbClr val="0000CD"/>
+                </a:solidFill>
+                <a:effectLst/>
+                <a:latin typeface="Consolas" panose="020B0609020204030204" pitchFamily="49" charset="0"/>
+              </a:rPr>
+              <a:t>="button"</a:t>
+            </a:r>
+            <a:br>
+              <a:rPr lang="en-US" b="0" i="0" dirty="0">
+                <a:solidFill>
+                  <a:srgbClr val="FF0000"/>
+                </a:solidFill>
+                <a:effectLst/>
+                <a:latin typeface="Consolas" panose="020B0609020204030204" pitchFamily="49" charset="0"/>
+              </a:rPr>
+            </a:br>
+            <a:r>
+              <a:rPr lang="en-US" b="0" i="0" dirty="0">
+                <a:solidFill>
+                  <a:srgbClr val="FF0000"/>
+                </a:solidFill>
+                <a:effectLst/>
+                <a:latin typeface="Consolas" panose="020B0609020204030204" pitchFamily="49" charset="0"/>
+              </a:rPr>
+              <a:t>onclick</a:t>
+            </a:r>
+            <a:r>
+              <a:rPr lang="en-US" b="0" i="0" dirty="0">
+                <a:solidFill>
+                  <a:srgbClr val="0000CD"/>
+                </a:solidFill>
+                <a:effectLst/>
+                <a:latin typeface="Consolas" panose="020B0609020204030204" pitchFamily="49" charset="0"/>
+              </a:rPr>
+              <a:t>="</a:t>
+            </a:r>
+            <a:r>
+              <a:rPr lang="en-US" b="0" i="0" dirty="0" err="1">
+                <a:solidFill>
+                  <a:srgbClr val="0000CD"/>
+                </a:solidFill>
+                <a:effectLst/>
+                <a:latin typeface="Consolas" panose="020B0609020204030204" pitchFamily="49" charset="0"/>
+              </a:rPr>
+              <a:t>document.getElementById</a:t>
+            </a:r>
+            <a:r>
+              <a:rPr lang="en-US" b="0" i="0" dirty="0">
+                <a:solidFill>
+                  <a:srgbClr val="0000CD"/>
+                </a:solidFill>
+                <a:effectLst/>
+                <a:latin typeface="Consolas" panose="020B0609020204030204" pitchFamily="49" charset="0"/>
+              </a:rPr>
+              <a:t>('demo').</a:t>
+            </a:r>
+            <a:r>
+              <a:rPr lang="en-US" b="0" i="0" dirty="0" err="1">
+                <a:solidFill>
+                  <a:srgbClr val="0000CD"/>
+                </a:solidFill>
+                <a:effectLst/>
+                <a:latin typeface="Consolas" panose="020B0609020204030204" pitchFamily="49" charset="0"/>
+              </a:rPr>
+              <a:t>innerHTML</a:t>
+            </a:r>
+            <a:r>
+              <a:rPr lang="en-US" b="0" i="0" dirty="0">
+                <a:solidFill>
+                  <a:srgbClr val="0000CD"/>
+                </a:solidFill>
+                <a:effectLst/>
+                <a:latin typeface="Consolas" panose="020B0609020204030204" pitchFamily="49" charset="0"/>
+              </a:rPr>
+              <a:t> = 'Hello World!'"&gt;</a:t>
+            </a:r>
+            <a:r>
+              <a:rPr lang="en-US" b="0" i="0" dirty="0">
+                <a:solidFill>
+                  <a:srgbClr val="000000"/>
+                </a:solidFill>
+                <a:effectLst/>
+                <a:latin typeface="Consolas" panose="020B0609020204030204" pitchFamily="49" charset="0"/>
+              </a:rPr>
+              <a:t>Click Me!</a:t>
+            </a:r>
+            <a:br>
+              <a:rPr lang="en-US" b="0" i="0" dirty="0">
+                <a:solidFill>
+                  <a:srgbClr val="000000"/>
+                </a:solidFill>
+                <a:effectLst/>
+                <a:latin typeface="Consolas" panose="020B0609020204030204" pitchFamily="49" charset="0"/>
+              </a:rPr>
+            </a:br>
+            <a:r>
+              <a:rPr lang="en-US" b="0" i="0" dirty="0">
+                <a:solidFill>
+                  <a:srgbClr val="0000CD"/>
+                </a:solidFill>
+                <a:effectLst/>
+                <a:latin typeface="Consolas" panose="020B0609020204030204" pitchFamily="49" charset="0"/>
+              </a:rPr>
+              <a:t>&lt;</a:t>
+            </a:r>
+            <a:r>
+              <a:rPr lang="en-US" b="0" i="0" dirty="0">
+                <a:solidFill>
+                  <a:srgbClr val="A52A2A"/>
+                </a:solidFill>
+                <a:effectLst/>
+                <a:latin typeface="Consolas" panose="020B0609020204030204" pitchFamily="49" charset="0"/>
+              </a:rPr>
+              <a:t>/button</a:t>
+            </a:r>
+            <a:r>
+              <a:rPr lang="en-US" b="0" i="0" dirty="0">
+                <a:solidFill>
+                  <a:srgbClr val="0000CD"/>
+                </a:solidFill>
+                <a:effectLst/>
+                <a:latin typeface="Consolas" panose="020B0609020204030204" pitchFamily="49" charset="0"/>
+              </a:rPr>
+              <a:t>&gt;</a:t>
+            </a:r>
+            <a:endParaRPr lang="en-US" b="0" i="0" dirty="0">
+              <a:solidFill>
+                <a:srgbClr val="000000"/>
+              </a:solidFill>
+              <a:effectLst/>
+              <a:latin typeface="Consolas" panose="020B0609020204030204" pitchFamily="49" charset="0"/>
+            </a:endParaRPr>
+          </a:p>
+          <a:p>
+            <a:pPr marL="0" indent="0" algn="l">
+              <a:buNone/>
+            </a:pPr>
+            <a:br>
+              <a:rPr lang="en-US" dirty="0"/>
+            </a:br>
+            <a:endParaRPr lang="en-US" dirty="0"/>
+          </a:p>
+        </p:txBody>
+      </p:sp>
+    </p:spTree>
+    <p:extLst>
+      <p:ext uri="{BB962C8B-B14F-4D97-AF65-F5344CB8AC3E}">
+        <p14:creationId xmlns:p14="http://schemas.microsoft.com/office/powerpoint/2010/main" val="2485841501"/>
+      </p:ext>
+    </p:extLst>
+  </p:cSld>
+  <p:clrMapOvr>
+    <a:masterClrMapping/>
+  </p:clrMapOvr>
+</p:sld>
+</file>
+
+<file path=ppt/slides/slide22.xml><?xml version="1.0" encoding="utf-8"?>
+<p:sld xmlns:a="http://schemas.openxmlformats.org/drawingml/2006/main" xmlns:r="http://schemas.openxmlformats.org/officeDocument/2006/relationships" xmlns:p="http://schemas.openxmlformats.org/presentationml/2006/main">
+  <p:cSld>
+    <p:spTree>
+      <p:nvGrpSpPr>
+        <p:cNvPr id="1" name=""/>
+        <p:cNvGrpSpPr/>
+        <p:nvPr/>
+      </p:nvGrpSpPr>
+      <p:grpSpPr>
+        <a:xfrm>
+          <a:off x="0" y="0"/>
+          <a:ext cx="0" cy="0"/>
+          <a:chOff x="0" y="0"/>
+          <a:chExt cx="0" cy="0"/>
+        </a:xfrm>
+      </p:grpSpPr>
+      <p:sp>
+        <p:nvSpPr>
+          <p:cNvPr id="2" name="Title 1">
+            <a:extLst>
+              <a:ext uri="{FF2B5EF4-FFF2-40B4-BE49-F238E27FC236}">
                 <a16:creationId xmlns:a16="http://schemas.microsoft.com/office/drawing/2014/main" id="{2B1CFAAD-7930-4EF3-B96E-CD0CF9C98DB7}"/>
               </a:ext>
             </a:extLst>
@@ -6347,7 +7919,7 @@
 </p:sld>
 </file>
 
-<file path=ppt/slides/slide17.xml><?xml version="1.0" encoding="utf-8"?>
+<file path=ppt/slides/slide23.xml><?xml version="1.0" encoding="utf-8"?>
 <p:sld xmlns:a="http://schemas.openxmlformats.org/drawingml/2006/main" xmlns:r="http://schemas.openxmlformats.org/officeDocument/2006/relationships" xmlns:p="http://schemas.openxmlformats.org/presentationml/2006/main">
   <p:cSld>
     <p:spTree>
@@ -7507,7 +9079,7 @@
 </p:sld>
 </file>
 
-<file path=ppt/slides/slide18.xml><?xml version="1.0" encoding="utf-8"?>
+<file path=ppt/slides/slide24.xml><?xml version="1.0" encoding="utf-8"?>
 <p:sld xmlns:a="http://schemas.openxmlformats.org/drawingml/2006/main" xmlns:r="http://schemas.openxmlformats.org/officeDocument/2006/relationships" xmlns:p="http://schemas.openxmlformats.org/presentationml/2006/main">
   <p:cSld>
     <p:spTree>
@@ -7665,7 +9237,7 @@
 </p:sld>
 </file>
 
-<file path=ppt/slides/slide19.xml><?xml version="1.0" encoding="utf-8"?>
+<file path=ppt/slides/slide25.xml><?xml version="1.0" encoding="utf-8"?>
 <p:sld xmlns:a="http://schemas.openxmlformats.org/drawingml/2006/main" xmlns:r="http://schemas.openxmlformats.org/officeDocument/2006/relationships" xmlns:p="http://schemas.openxmlformats.org/presentationml/2006/main">
   <p:cSld>
     <p:spTree>
@@ -7781,283 +9353,6 @@
     <p:extLst>
       <p:ext uri="{BB962C8B-B14F-4D97-AF65-F5344CB8AC3E}">
         <p14:creationId xmlns:p14="http://schemas.microsoft.com/office/powerpoint/2010/main" val="1069135652"/>
-      </p:ext>
-    </p:extLst>
-  </p:cSld>
-  <p:clrMapOvr>
-    <a:masterClrMapping/>
-  </p:clrMapOvr>
-</p:sld>
-</file>
-
-<file path=ppt/slides/slide2.xml><?xml version="1.0" encoding="utf-8"?>
-<p:sld xmlns:a="http://schemas.openxmlformats.org/drawingml/2006/main" xmlns:r="http://schemas.openxmlformats.org/officeDocument/2006/relationships" xmlns:p="http://schemas.openxmlformats.org/presentationml/2006/main">
-  <p:cSld>
-    <p:spTree>
-      <p:nvGrpSpPr>
-        <p:cNvPr id="1" name=""/>
-        <p:cNvGrpSpPr/>
-        <p:nvPr/>
-      </p:nvGrpSpPr>
-      <p:grpSpPr>
-        <a:xfrm>
-          <a:off x="0" y="0"/>
-          <a:ext cx="0" cy="0"/>
-          <a:chOff x="0" y="0"/>
-          <a:chExt cx="0" cy="0"/>
-        </a:xfrm>
-      </p:grpSpPr>
-      <p:sp>
-        <p:nvSpPr>
-          <p:cNvPr id="2" name="Title 1">
-            <a:extLst>
-              <a:ext uri="{FF2B5EF4-FFF2-40B4-BE49-F238E27FC236}">
-                <a16:creationId xmlns:a16="http://schemas.microsoft.com/office/drawing/2014/main" id="{47230278-804A-46BD-8ADF-29CD63E43E41}"/>
-              </a:ext>
-            </a:extLst>
-          </p:cNvPr>
-          <p:cNvSpPr>
-            <a:spLocks noGrp="1"/>
-          </p:cNvSpPr>
-          <p:nvPr>
-            <p:ph type="title"/>
-          </p:nvPr>
-        </p:nvSpPr>
-        <p:spPr/>
-        <p:txBody>
-          <a:bodyPr/>
-          <a:lstStyle/>
-          <a:p>
-            <a:r>
-              <a:rPr lang="en-US" dirty="0"/>
-              <a:t>History of Markup languages</a:t>
-            </a:r>
-          </a:p>
-        </p:txBody>
-      </p:sp>
-      <p:sp>
-        <p:nvSpPr>
-          <p:cNvPr id="3" name="Content Placeholder 2">
-            <a:extLst>
-              <a:ext uri="{FF2B5EF4-FFF2-40B4-BE49-F238E27FC236}">
-                <a16:creationId xmlns:a16="http://schemas.microsoft.com/office/drawing/2014/main" id="{03CE8E2C-12CF-415A-985E-70A2B868CEA5}"/>
-              </a:ext>
-            </a:extLst>
-          </p:cNvPr>
-          <p:cNvSpPr>
-            <a:spLocks noGrp="1"/>
-          </p:cNvSpPr>
-          <p:nvPr>
-            <p:ph idx="1"/>
-          </p:nvPr>
-        </p:nvSpPr>
-        <p:spPr/>
-        <p:txBody>
-          <a:bodyPr>
-            <a:normAutofit fontScale="92500" lnSpcReduction="20000"/>
-          </a:bodyPr>
-          <a:lstStyle/>
-          <a:p>
-            <a:r>
-              <a:rPr lang="en-US" dirty="0"/>
-              <a:t>XML is derivative of SGML (Standard Generalized Markup Language -1986) but with lesser complexity.</a:t>
-            </a:r>
-          </a:p>
-          <a:p>
-            <a:r>
-              <a:rPr lang="en-US" dirty="0"/>
-              <a:t>SGML – Derived from GML – 1970</a:t>
-            </a:r>
-          </a:p>
-          <a:p>
-            <a:r>
-              <a:rPr lang="en-US" dirty="0"/>
-              <a:t>SGML inspired the invention of Web. </a:t>
-            </a:r>
-          </a:p>
-          <a:p>
-            <a:r>
-              <a:rPr lang="en-US" dirty="0"/>
-              <a:t>Tim Berners-Lee, a British scientist, invented the World Wide Web (WWW) in 1989, while working at CERN.(</a:t>
-            </a:r>
-            <a:r>
-              <a:rPr lang="fr-FR" b="0" i="0" dirty="0">
-                <a:solidFill>
-                  <a:srgbClr val="040C28"/>
-                </a:solidFill>
-                <a:effectLst/>
-                <a:latin typeface="Google Sans"/>
-              </a:rPr>
-              <a:t>Conseil Européen pour la Recherche Nucléaire – </a:t>
-            </a:r>
-            <a:r>
-              <a:rPr lang="fr-FR" b="0" i="0" dirty="0" err="1">
-                <a:solidFill>
-                  <a:srgbClr val="040C28"/>
-                </a:solidFill>
-                <a:effectLst/>
-                <a:latin typeface="Google Sans"/>
-              </a:rPr>
-              <a:t>Europen</a:t>
-            </a:r>
-            <a:r>
-              <a:rPr lang="fr-FR" b="0" i="0" dirty="0">
-                <a:solidFill>
-                  <a:srgbClr val="040C28"/>
-                </a:solidFill>
-                <a:effectLst/>
-                <a:latin typeface="Google Sans"/>
-              </a:rPr>
-              <a:t> </a:t>
-            </a:r>
-            <a:r>
-              <a:rPr lang="fr-FR" b="0" i="0" dirty="0" err="1">
-                <a:solidFill>
-                  <a:srgbClr val="040C28"/>
-                </a:solidFill>
-                <a:effectLst/>
-                <a:latin typeface="Google Sans"/>
-              </a:rPr>
-              <a:t>Laboratory</a:t>
-            </a:r>
-            <a:r>
-              <a:rPr lang="fr-FR" b="0" i="0" dirty="0">
-                <a:solidFill>
-                  <a:srgbClr val="040C28"/>
-                </a:solidFill>
-                <a:effectLst/>
-                <a:latin typeface="Google Sans"/>
-              </a:rPr>
-              <a:t> for </a:t>
-            </a:r>
-            <a:r>
-              <a:rPr lang="fr-FR" b="0" i="0" dirty="0" err="1">
-                <a:solidFill>
-                  <a:srgbClr val="040C28"/>
-                </a:solidFill>
-                <a:effectLst/>
-                <a:latin typeface="Google Sans"/>
-              </a:rPr>
-              <a:t>Particle</a:t>
-            </a:r>
-            <a:r>
-              <a:rPr lang="fr-FR" b="0" i="0" dirty="0">
-                <a:solidFill>
-                  <a:srgbClr val="040C28"/>
-                </a:solidFill>
-                <a:effectLst/>
-                <a:latin typeface="Google Sans"/>
-              </a:rPr>
-              <a:t> </a:t>
-            </a:r>
-            <a:r>
-              <a:rPr lang="fr-FR" b="0" i="0" dirty="0" err="1">
-                <a:solidFill>
-                  <a:srgbClr val="040C28"/>
-                </a:solidFill>
-                <a:effectLst/>
-                <a:latin typeface="Google Sans"/>
-              </a:rPr>
-              <a:t>Physics</a:t>
-            </a:r>
-            <a:r>
-              <a:rPr lang="fr-FR" b="0" i="0" dirty="0">
-                <a:solidFill>
-                  <a:srgbClr val="040C28"/>
-                </a:solidFill>
-                <a:effectLst/>
-                <a:latin typeface="Google Sans"/>
-              </a:rPr>
-              <a:t>) </a:t>
-            </a:r>
-          </a:p>
-          <a:p>
-            <a:r>
-              <a:rPr lang="fr-FR" b="0" i="0" dirty="0">
-                <a:solidFill>
-                  <a:srgbClr val="040C28"/>
-                </a:solidFill>
-                <a:effectLst/>
-                <a:latin typeface="Google Sans"/>
-              </a:rPr>
-              <a:t>He </a:t>
-            </a:r>
-            <a:r>
-              <a:rPr lang="fr-FR" b="0" i="0" dirty="0" err="1">
-                <a:solidFill>
-                  <a:srgbClr val="040C28"/>
-                </a:solidFill>
-                <a:effectLst/>
-                <a:latin typeface="Google Sans"/>
-              </a:rPr>
-              <a:t>used</a:t>
-            </a:r>
-            <a:r>
-              <a:rPr lang="fr-FR" b="0" i="0" dirty="0">
-                <a:solidFill>
-                  <a:srgbClr val="040C28"/>
-                </a:solidFill>
-                <a:effectLst/>
-                <a:latin typeface="Google Sans"/>
-              </a:rPr>
-              <a:t> HTML as </a:t>
-            </a:r>
-            <a:r>
-              <a:rPr lang="fr-FR" b="0" i="0" dirty="0" err="1">
-                <a:solidFill>
-                  <a:srgbClr val="040C28"/>
-                </a:solidFill>
-                <a:effectLst/>
-                <a:latin typeface="Google Sans"/>
-              </a:rPr>
-              <a:t>publishing</a:t>
-            </a:r>
-            <a:r>
-              <a:rPr lang="fr-FR" b="0" i="0" dirty="0">
-                <a:solidFill>
-                  <a:srgbClr val="040C28"/>
-                </a:solidFill>
-                <a:effectLst/>
-                <a:latin typeface="Google Sans"/>
-              </a:rPr>
-              <a:t> </a:t>
-            </a:r>
-            <a:r>
-              <a:rPr lang="fr-FR" b="0" i="0" dirty="0" err="1">
-                <a:solidFill>
-                  <a:srgbClr val="040C28"/>
-                </a:solidFill>
-                <a:effectLst/>
-                <a:latin typeface="Google Sans"/>
-              </a:rPr>
-              <a:t>language</a:t>
-            </a:r>
-            <a:r>
-              <a:rPr lang="fr-FR" b="0" i="0" dirty="0">
-                <a:solidFill>
-                  <a:srgbClr val="040C28"/>
-                </a:solidFill>
-                <a:effectLst/>
-                <a:latin typeface="Google Sans"/>
-              </a:rPr>
-              <a:t>. </a:t>
-            </a:r>
-          </a:p>
-          <a:p>
-            <a:r>
-              <a:rPr lang="en-US" dirty="0"/>
-              <a:t>XML (Extensible Markup Language)</a:t>
-            </a:r>
-          </a:p>
-          <a:p>
-            <a:endParaRPr lang="en-US" dirty="0"/>
-          </a:p>
-        </p:txBody>
-      </p:sp>
-    </p:spTree>
-    <p:extLst>
-      <p:ext uri="{BB962C8B-B14F-4D97-AF65-F5344CB8AC3E}">
-        <p14:creationId xmlns:p14="http://schemas.microsoft.com/office/powerpoint/2010/main" val="2418273590"/>
       </p:ext>
     </p:extLst>
   </p:cSld>
@@ -8430,6 +9725,226 @@
           <p:cNvPr id="2" name="Title 1">
             <a:extLst>
               <a:ext uri="{FF2B5EF4-FFF2-40B4-BE49-F238E27FC236}">
+                <a16:creationId xmlns:a16="http://schemas.microsoft.com/office/drawing/2014/main" id="{89BE1158-33F1-468C-E11C-F6AC6AB624BC}"/>
+              </a:ext>
+            </a:extLst>
+          </p:cNvPr>
+          <p:cNvSpPr>
+            <a:spLocks noGrp="1"/>
+          </p:cNvSpPr>
+          <p:nvPr>
+            <p:ph type="title"/>
+          </p:nvPr>
+        </p:nvSpPr>
+        <p:spPr/>
+        <p:txBody>
+          <a:bodyPr/>
+          <a:lstStyle/>
+          <a:p>
+            <a:endParaRPr lang="en-US"/>
+          </a:p>
+        </p:txBody>
+      </p:sp>
+      <p:sp>
+        <p:nvSpPr>
+          <p:cNvPr id="3" name="Content Placeholder 2">
+            <a:extLst>
+              <a:ext uri="{FF2B5EF4-FFF2-40B4-BE49-F238E27FC236}">
+                <a16:creationId xmlns:a16="http://schemas.microsoft.com/office/drawing/2014/main" id="{A153B9D6-41CA-AA0F-BA90-1F92568D2A98}"/>
+              </a:ext>
+            </a:extLst>
+          </p:cNvPr>
+          <p:cNvSpPr>
+            <a:spLocks noGrp="1"/>
+          </p:cNvSpPr>
+          <p:nvPr>
+            <p:ph idx="1"/>
+          </p:nvPr>
+        </p:nvSpPr>
+        <p:spPr/>
+        <p:txBody>
+          <a:bodyPr/>
+          <a:lstStyle/>
+          <a:p>
+            <a:endParaRPr lang="en-US"/>
+          </a:p>
+        </p:txBody>
+      </p:sp>
+      <p:pic>
+        <p:nvPicPr>
+          <p:cNvPr id="5" name="Picture 4">
+            <a:extLst>
+              <a:ext uri="{FF2B5EF4-FFF2-40B4-BE49-F238E27FC236}">
+                <a16:creationId xmlns:a16="http://schemas.microsoft.com/office/drawing/2014/main" id="{3706BC60-B890-0DA2-81DF-F38041094D80}"/>
+              </a:ext>
+            </a:extLst>
+          </p:cNvPr>
+          <p:cNvPicPr>
+            <a:picLocks noChangeAspect="1"/>
+          </p:cNvPicPr>
+          <p:nvPr/>
+        </p:nvPicPr>
+        <p:blipFill>
+          <a:blip r:embed="rId2"/>
+          <a:stretch>
+            <a:fillRect/>
+          </a:stretch>
+        </p:blipFill>
+        <p:spPr>
+          <a:xfrm>
+            <a:off x="251927" y="0"/>
+            <a:ext cx="11663265" cy="6167536"/>
+          </a:xfrm>
+          <a:prstGeom prst="rect">
+            <a:avLst/>
+          </a:prstGeom>
+        </p:spPr>
+      </p:pic>
+    </p:spTree>
+    <p:extLst>
+      <p:ext uri="{BB962C8B-B14F-4D97-AF65-F5344CB8AC3E}">
+        <p14:creationId xmlns:p14="http://schemas.microsoft.com/office/powerpoint/2010/main" val="169232174"/>
+      </p:ext>
+    </p:extLst>
+  </p:cSld>
+  <p:clrMapOvr>
+    <a:masterClrMapping/>
+  </p:clrMapOvr>
+</p:sld>
+</file>
+
+<file path=ppt/slides/slide7.xml><?xml version="1.0" encoding="utf-8"?>
+<p:sld xmlns:a="http://schemas.openxmlformats.org/drawingml/2006/main" xmlns:r="http://schemas.openxmlformats.org/officeDocument/2006/relationships" xmlns:p="http://schemas.openxmlformats.org/presentationml/2006/main">
+  <p:cSld>
+    <p:spTree>
+      <p:nvGrpSpPr>
+        <p:cNvPr id="1" name=""/>
+        <p:cNvGrpSpPr/>
+        <p:nvPr/>
+      </p:nvGrpSpPr>
+      <p:grpSpPr>
+        <a:xfrm>
+          <a:off x="0" y="0"/>
+          <a:ext cx="0" cy="0"/>
+          <a:chOff x="0" y="0"/>
+          <a:chExt cx="0" cy="0"/>
+        </a:xfrm>
+      </p:grpSpPr>
+      <p:sp>
+        <p:nvSpPr>
+          <p:cNvPr id="2" name="Title 1">
+            <a:extLst>
+              <a:ext uri="{FF2B5EF4-FFF2-40B4-BE49-F238E27FC236}">
+                <a16:creationId xmlns:a16="http://schemas.microsoft.com/office/drawing/2014/main" id="{A151944E-FE17-4A6C-C891-ADF62877C4DB}"/>
+              </a:ext>
+            </a:extLst>
+          </p:cNvPr>
+          <p:cNvSpPr>
+            <a:spLocks noGrp="1"/>
+          </p:cNvSpPr>
+          <p:nvPr>
+            <p:ph type="title"/>
+          </p:nvPr>
+        </p:nvSpPr>
+        <p:spPr/>
+        <p:txBody>
+          <a:bodyPr/>
+          <a:lstStyle/>
+          <a:p>
+            <a:endParaRPr lang="en-US"/>
+          </a:p>
+        </p:txBody>
+      </p:sp>
+      <p:sp>
+        <p:nvSpPr>
+          <p:cNvPr id="3" name="Content Placeholder 2">
+            <a:extLst>
+              <a:ext uri="{FF2B5EF4-FFF2-40B4-BE49-F238E27FC236}">
+                <a16:creationId xmlns:a16="http://schemas.microsoft.com/office/drawing/2014/main" id="{577FB7E8-7411-DDF5-0057-B81591C230C7}"/>
+              </a:ext>
+            </a:extLst>
+          </p:cNvPr>
+          <p:cNvSpPr>
+            <a:spLocks noGrp="1"/>
+          </p:cNvSpPr>
+          <p:nvPr>
+            <p:ph idx="1"/>
+          </p:nvPr>
+        </p:nvSpPr>
+        <p:spPr/>
+        <p:txBody>
+          <a:bodyPr/>
+          <a:lstStyle/>
+          <a:p>
+            <a:endParaRPr lang="en-US"/>
+          </a:p>
+        </p:txBody>
+      </p:sp>
+      <p:pic>
+        <p:nvPicPr>
+          <p:cNvPr id="5" name="Picture 4">
+            <a:extLst>
+              <a:ext uri="{FF2B5EF4-FFF2-40B4-BE49-F238E27FC236}">
+                <a16:creationId xmlns:a16="http://schemas.microsoft.com/office/drawing/2014/main" id="{39E4DB29-99D4-2DEF-EE0D-5D6A67CD9B3C}"/>
+              </a:ext>
+            </a:extLst>
+          </p:cNvPr>
+          <p:cNvPicPr>
+            <a:picLocks noChangeAspect="1"/>
+          </p:cNvPicPr>
+          <p:nvPr/>
+        </p:nvPicPr>
+        <p:blipFill>
+          <a:blip r:embed="rId2"/>
+          <a:stretch>
+            <a:fillRect/>
+          </a:stretch>
+        </p:blipFill>
+        <p:spPr>
+          <a:xfrm>
+            <a:off x="1451579" y="0"/>
+            <a:ext cx="9603275" cy="6053481"/>
+          </a:xfrm>
+          <a:prstGeom prst="rect">
+            <a:avLst/>
+          </a:prstGeom>
+        </p:spPr>
+      </p:pic>
+    </p:spTree>
+    <p:extLst>
+      <p:ext uri="{BB962C8B-B14F-4D97-AF65-F5344CB8AC3E}">
+        <p14:creationId xmlns:p14="http://schemas.microsoft.com/office/powerpoint/2010/main" val="3025193672"/>
+      </p:ext>
+    </p:extLst>
+  </p:cSld>
+  <p:clrMapOvr>
+    <a:masterClrMapping/>
+  </p:clrMapOvr>
+</p:sld>
+</file>
+
+<file path=ppt/slides/slide8.xml><?xml version="1.0" encoding="utf-8"?>
+<p:sld xmlns:a="http://schemas.openxmlformats.org/drawingml/2006/main" xmlns:r="http://schemas.openxmlformats.org/officeDocument/2006/relationships" xmlns:p="http://schemas.openxmlformats.org/presentationml/2006/main">
+  <p:cSld>
+    <p:spTree>
+      <p:nvGrpSpPr>
+        <p:cNvPr id="1" name=""/>
+        <p:cNvGrpSpPr/>
+        <p:nvPr/>
+      </p:nvGrpSpPr>
+      <p:grpSpPr>
+        <a:xfrm>
+          <a:off x="0" y="0"/>
+          <a:ext cx="0" cy="0"/>
+          <a:chOff x="0" y="0"/>
+          <a:chExt cx="0" cy="0"/>
+        </a:xfrm>
+      </p:grpSpPr>
+      <p:sp>
+        <p:nvSpPr>
+          <p:cNvPr id="2" name="Title 1">
+            <a:extLst>
+              <a:ext uri="{FF2B5EF4-FFF2-40B4-BE49-F238E27FC236}">
                 <a16:creationId xmlns:a16="http://schemas.microsoft.com/office/drawing/2014/main" id="{7A2597A9-9F3A-41B8-98EF-2A15B261D7A0}"/>
               </a:ext>
             </a:extLst>
@@ -8541,7 +10056,7 @@
 </p:sld>
 </file>
 
-<file path=ppt/slides/slide7.xml><?xml version="1.0" encoding="utf-8"?>
+<file path=ppt/slides/slide9.xml><?xml version="1.0" encoding="utf-8"?>
 <p:sld xmlns:a="http://schemas.openxmlformats.org/drawingml/2006/main" xmlns:r="http://schemas.openxmlformats.org/officeDocument/2006/relationships" xmlns:p="http://schemas.openxmlformats.org/presentationml/2006/main">
   <p:cSld>
     <p:spTree>
@@ -8900,876 +10415,6 @@
     <p:extLst>
       <p:ext uri="{BB962C8B-B14F-4D97-AF65-F5344CB8AC3E}">
         <p14:creationId xmlns:p14="http://schemas.microsoft.com/office/powerpoint/2010/main" val="1005268121"/>
-      </p:ext>
-    </p:extLst>
-  </p:cSld>
-  <p:clrMapOvr>
-    <a:masterClrMapping/>
-  </p:clrMapOvr>
-</p:sld>
-</file>
-
-<file path=ppt/slides/slide8.xml><?xml version="1.0" encoding="utf-8"?>
-<p:sld xmlns:a="http://schemas.openxmlformats.org/drawingml/2006/main" xmlns:r="http://schemas.openxmlformats.org/officeDocument/2006/relationships" xmlns:p="http://schemas.openxmlformats.org/presentationml/2006/main">
-  <p:cSld>
-    <p:spTree>
-      <p:nvGrpSpPr>
-        <p:cNvPr id="1" name=""/>
-        <p:cNvGrpSpPr/>
-        <p:nvPr/>
-      </p:nvGrpSpPr>
-      <p:grpSpPr>
-        <a:xfrm>
-          <a:off x="0" y="0"/>
-          <a:ext cx="0" cy="0"/>
-          <a:chOff x="0" y="0"/>
-          <a:chExt cx="0" cy="0"/>
-        </a:xfrm>
-      </p:grpSpPr>
-      <p:sp>
-        <p:nvSpPr>
-          <p:cNvPr id="2" name="Title 1">
-            <a:extLst>
-              <a:ext uri="{FF2B5EF4-FFF2-40B4-BE49-F238E27FC236}">
-                <a16:creationId xmlns:a16="http://schemas.microsoft.com/office/drawing/2014/main" id="{20DB9FD8-DF4A-4BD2-AA29-E47BD88AD94A}"/>
-              </a:ext>
-            </a:extLst>
-          </p:cNvPr>
-          <p:cNvSpPr>
-            <a:spLocks noGrp="1"/>
-          </p:cNvSpPr>
-          <p:nvPr>
-            <p:ph type="title"/>
-          </p:nvPr>
-        </p:nvSpPr>
-        <p:spPr/>
-        <p:txBody>
-          <a:bodyPr/>
-          <a:lstStyle/>
-          <a:p>
-            <a:r>
-              <a:rPr lang="en-US" dirty="0"/>
-              <a:t>URL, URI and URN</a:t>
-            </a:r>
-          </a:p>
-        </p:txBody>
-      </p:sp>
-      <p:sp>
-        <p:nvSpPr>
-          <p:cNvPr id="3" name="Content Placeholder 2">
-            <a:extLst>
-              <a:ext uri="{FF2B5EF4-FFF2-40B4-BE49-F238E27FC236}">
-                <a16:creationId xmlns:a16="http://schemas.microsoft.com/office/drawing/2014/main" id="{43AA2C27-E973-4F3A-945D-C790D2CD1DBD}"/>
-              </a:ext>
-            </a:extLst>
-          </p:cNvPr>
-          <p:cNvSpPr>
-            <a:spLocks noGrp="1"/>
-          </p:cNvSpPr>
-          <p:nvPr>
-            <p:ph idx="1"/>
-          </p:nvPr>
-        </p:nvSpPr>
-        <p:spPr/>
-        <p:txBody>
-          <a:bodyPr/>
-          <a:lstStyle/>
-          <a:p>
-            <a:r>
-              <a:rPr lang="en-US" dirty="0"/>
-              <a:t>Uniform Resource Name, Uniform Resource Identifier, Uniform Resource Locator</a:t>
-            </a:r>
-          </a:p>
-          <a:p>
-            <a:endParaRPr lang="en-US" dirty="0"/>
-          </a:p>
-          <a:p>
-            <a:endParaRPr lang="en-US" dirty="0"/>
-          </a:p>
-          <a:p>
-            <a:endParaRPr lang="en-US" dirty="0"/>
-          </a:p>
-          <a:p>
-            <a:endParaRPr lang="en-US" dirty="0"/>
-          </a:p>
-          <a:p>
-            <a:endParaRPr lang="en-US" dirty="0"/>
-          </a:p>
-          <a:p>
-            <a:r>
-              <a:rPr lang="en-US" dirty="0"/>
-              <a:t>URL is subset of URI. URI identifies the resource and URL identifies location.</a:t>
-            </a:r>
-          </a:p>
-        </p:txBody>
-      </p:sp>
-      <p:sp>
-        <p:nvSpPr>
-          <p:cNvPr id="4" name="Rectangle 3">
-            <a:extLst>
-              <a:ext uri="{FF2B5EF4-FFF2-40B4-BE49-F238E27FC236}">
-                <a16:creationId xmlns:a16="http://schemas.microsoft.com/office/drawing/2014/main" id="{C5057F6F-8914-46E9-8F5C-9D5995B7E6B0}"/>
-              </a:ext>
-            </a:extLst>
-          </p:cNvPr>
-          <p:cNvSpPr/>
-          <p:nvPr/>
-        </p:nvSpPr>
-        <p:spPr>
-          <a:xfrm>
-            <a:off x="1451579" y="2603863"/>
-            <a:ext cx="5419738" cy="2351314"/>
-          </a:xfrm>
-          <a:prstGeom prst="rect">
-            <a:avLst/>
-          </a:prstGeom>
-        </p:spPr>
-        <p:style>
-          <a:lnRef idx="2">
-            <a:schemeClr val="accent4">
-              <a:shade val="50000"/>
-            </a:schemeClr>
-          </a:lnRef>
-          <a:fillRef idx="1">
-            <a:schemeClr val="accent4"/>
-          </a:fillRef>
-          <a:effectRef idx="0">
-            <a:schemeClr val="accent4"/>
-          </a:effectRef>
-          <a:fontRef idx="minor">
-            <a:schemeClr val="lt1"/>
-          </a:fontRef>
-        </p:style>
-        <p:txBody>
-          <a:bodyPr rtlCol="0" anchor="ctr"/>
-          <a:lstStyle/>
-          <a:p>
-            <a:pPr algn="ctr"/>
-            <a:endParaRPr lang="en-US" dirty="0"/>
-          </a:p>
-          <a:p>
-            <a:pPr algn="ctr"/>
-            <a:endParaRPr lang="en-US" dirty="0"/>
-          </a:p>
-          <a:p>
-            <a:pPr algn="ctr"/>
-            <a:endParaRPr lang="en-US" dirty="0"/>
-          </a:p>
-          <a:p>
-            <a:pPr algn="ctr"/>
-            <a:r>
-              <a:rPr lang="en-US" dirty="0"/>
-              <a:t>+</a:t>
-            </a:r>
-          </a:p>
-          <a:p>
-            <a:pPr algn="ctr"/>
-            <a:endParaRPr lang="en-US" dirty="0"/>
-          </a:p>
-          <a:p>
-            <a:pPr algn="ctr"/>
-            <a:r>
-              <a:rPr lang="en-US" dirty="0"/>
-              <a:t>=</a:t>
-            </a:r>
-          </a:p>
-          <a:p>
-            <a:pPr algn="ctr"/>
-            <a:endParaRPr lang="en-US" dirty="0"/>
-          </a:p>
-          <a:p>
-            <a:pPr algn="ctr"/>
-            <a:r>
-              <a:rPr lang="en-US" dirty="0"/>
-              <a:t>URI</a:t>
-            </a:r>
-          </a:p>
-        </p:txBody>
-      </p:sp>
-      <p:sp>
-        <p:nvSpPr>
-          <p:cNvPr id="5" name="Rectangle 4">
-            <a:extLst>
-              <a:ext uri="{FF2B5EF4-FFF2-40B4-BE49-F238E27FC236}">
-                <a16:creationId xmlns:a16="http://schemas.microsoft.com/office/drawing/2014/main" id="{9B049205-24B7-44BC-8774-0F3D5FE1CDD3}"/>
-              </a:ext>
-            </a:extLst>
-          </p:cNvPr>
-          <p:cNvSpPr/>
-          <p:nvPr/>
-        </p:nvSpPr>
-        <p:spPr>
-          <a:xfrm>
-            <a:off x="1702801" y="3100251"/>
-            <a:ext cx="1933303" cy="1166949"/>
-          </a:xfrm>
-          <a:prstGeom prst="rect">
-            <a:avLst/>
-          </a:prstGeom>
-        </p:spPr>
-        <p:style>
-          <a:lnRef idx="2">
-            <a:schemeClr val="accent6">
-              <a:shade val="50000"/>
-            </a:schemeClr>
-          </a:lnRef>
-          <a:fillRef idx="1">
-            <a:schemeClr val="accent6"/>
-          </a:fillRef>
-          <a:effectRef idx="0">
-            <a:schemeClr val="accent6"/>
-          </a:effectRef>
-          <a:fontRef idx="minor">
-            <a:schemeClr val="lt1"/>
-          </a:fontRef>
-        </p:style>
-        <p:txBody>
-          <a:bodyPr rtlCol="0" anchor="ctr"/>
-          <a:lstStyle/>
-          <a:p>
-            <a:pPr algn="ctr"/>
-            <a:r>
-              <a:rPr lang="en-US" dirty="0"/>
-              <a:t>URN</a:t>
-            </a:r>
-          </a:p>
-        </p:txBody>
-      </p:sp>
-      <p:sp>
-        <p:nvSpPr>
-          <p:cNvPr id="7" name="Rectangle 6">
-            <a:extLst>
-              <a:ext uri="{FF2B5EF4-FFF2-40B4-BE49-F238E27FC236}">
-                <a16:creationId xmlns:a16="http://schemas.microsoft.com/office/drawing/2014/main" id="{A3C4DF8C-E490-4A5D-B88D-DFEE122BCB7A}"/>
-              </a:ext>
-            </a:extLst>
-          </p:cNvPr>
-          <p:cNvSpPr/>
-          <p:nvPr/>
-        </p:nvSpPr>
-        <p:spPr>
-          <a:xfrm>
-            <a:off x="4668070" y="3100251"/>
-            <a:ext cx="1933303" cy="1166949"/>
-          </a:xfrm>
-          <a:prstGeom prst="rect">
-            <a:avLst/>
-          </a:prstGeom>
-        </p:spPr>
-        <p:style>
-          <a:lnRef idx="2">
-            <a:schemeClr val="accent6">
-              <a:shade val="50000"/>
-            </a:schemeClr>
-          </a:lnRef>
-          <a:fillRef idx="1">
-            <a:schemeClr val="accent6"/>
-          </a:fillRef>
-          <a:effectRef idx="0">
-            <a:schemeClr val="accent6"/>
-          </a:effectRef>
-          <a:fontRef idx="minor">
-            <a:schemeClr val="lt1"/>
-          </a:fontRef>
-        </p:style>
-        <p:txBody>
-          <a:bodyPr rtlCol="0" anchor="ctr"/>
-          <a:lstStyle/>
-          <a:p>
-            <a:pPr algn="ctr"/>
-            <a:r>
-              <a:rPr lang="en-US" dirty="0"/>
-              <a:t>URL</a:t>
-            </a:r>
-          </a:p>
-        </p:txBody>
-      </p:sp>
-      <p:pic>
-        <p:nvPicPr>
-          <p:cNvPr id="9" name="Picture 8">
-            <a:extLst>
-              <a:ext uri="{FF2B5EF4-FFF2-40B4-BE49-F238E27FC236}">
-                <a16:creationId xmlns:a16="http://schemas.microsoft.com/office/drawing/2014/main" id="{40AE2559-2524-4BF1-A94E-AF5106991F11}"/>
-              </a:ext>
-            </a:extLst>
-          </p:cNvPr>
-          <p:cNvPicPr>
-            <a:picLocks noChangeAspect="1"/>
-          </p:cNvPicPr>
-          <p:nvPr/>
-        </p:nvPicPr>
-        <p:blipFill>
-          <a:blip r:embed="rId2"/>
-          <a:stretch>
-            <a:fillRect/>
-          </a:stretch>
-        </p:blipFill>
-        <p:spPr>
-          <a:xfrm>
-            <a:off x="7367006" y="2558227"/>
-            <a:ext cx="4453481" cy="2446020"/>
-          </a:xfrm>
-          <a:prstGeom prst="rect">
-            <a:avLst/>
-          </a:prstGeom>
-        </p:spPr>
-      </p:pic>
-    </p:spTree>
-    <p:extLst>
-      <p:ext uri="{BB962C8B-B14F-4D97-AF65-F5344CB8AC3E}">
-        <p14:creationId xmlns:p14="http://schemas.microsoft.com/office/powerpoint/2010/main" val="1022714928"/>
-      </p:ext>
-    </p:extLst>
-  </p:cSld>
-  <p:clrMapOvr>
-    <a:masterClrMapping/>
-  </p:clrMapOvr>
-</p:sld>
-</file>
-
-<file path=ppt/slides/slide9.xml><?xml version="1.0" encoding="utf-8"?>
-<p:sld xmlns:a="http://schemas.openxmlformats.org/drawingml/2006/main" xmlns:r="http://schemas.openxmlformats.org/officeDocument/2006/relationships" xmlns:p="http://schemas.openxmlformats.org/presentationml/2006/main">
-  <p:cSld>
-    <p:spTree>
-      <p:nvGrpSpPr>
-        <p:cNvPr id="1" name=""/>
-        <p:cNvGrpSpPr/>
-        <p:nvPr/>
-      </p:nvGrpSpPr>
-      <p:grpSpPr>
-        <a:xfrm>
-          <a:off x="0" y="0"/>
-          <a:ext cx="0" cy="0"/>
-          <a:chOff x="0" y="0"/>
-          <a:chExt cx="0" cy="0"/>
-        </a:xfrm>
-      </p:grpSpPr>
-      <p:sp>
-        <p:nvSpPr>
-          <p:cNvPr id="2" name="Title 1">
-            <a:extLst>
-              <a:ext uri="{FF2B5EF4-FFF2-40B4-BE49-F238E27FC236}">
-                <a16:creationId xmlns:a16="http://schemas.microsoft.com/office/drawing/2014/main" id="{95045FED-EFF6-49C4-BC63-67B44A36B2D5}"/>
-              </a:ext>
-            </a:extLst>
-          </p:cNvPr>
-          <p:cNvSpPr>
-            <a:spLocks noGrp="1"/>
-          </p:cNvSpPr>
-          <p:nvPr>
-            <p:ph type="title"/>
-          </p:nvPr>
-        </p:nvSpPr>
-        <p:spPr/>
-        <p:txBody>
-          <a:bodyPr/>
-          <a:lstStyle/>
-          <a:p>
-            <a:r>
-              <a:rPr lang="en-US" dirty="0"/>
-              <a:t>Html structure</a:t>
-            </a:r>
-          </a:p>
-        </p:txBody>
-      </p:sp>
-      <p:sp>
-        <p:nvSpPr>
-          <p:cNvPr id="3" name="Content Placeholder 2">
-            <a:extLst>
-              <a:ext uri="{FF2B5EF4-FFF2-40B4-BE49-F238E27FC236}">
-                <a16:creationId xmlns:a16="http://schemas.microsoft.com/office/drawing/2014/main" id="{97FA0FEE-94B4-4271-AD47-71D636A88E15}"/>
-              </a:ext>
-            </a:extLst>
-          </p:cNvPr>
-          <p:cNvSpPr>
-            <a:spLocks noGrp="1"/>
-          </p:cNvSpPr>
-          <p:nvPr>
-            <p:ph idx="1"/>
-          </p:nvPr>
-        </p:nvSpPr>
-        <p:spPr/>
-        <p:txBody>
-          <a:bodyPr>
-            <a:normAutofit fontScale="85000" lnSpcReduction="20000"/>
-          </a:bodyPr>
-          <a:lstStyle/>
-          <a:p>
-            <a:r>
-              <a:rPr lang="en-US" b="0" i="0" dirty="0">
-                <a:solidFill>
-                  <a:srgbClr val="0000CD"/>
-                </a:solidFill>
-                <a:effectLst/>
-                <a:latin typeface="Consolas" panose="020B0609020204030204" pitchFamily="49" charset="0"/>
-              </a:rPr>
-              <a:t>&lt;</a:t>
-            </a:r>
-            <a:r>
-              <a:rPr lang="en-US" b="0" i="0" dirty="0">
-                <a:solidFill>
-                  <a:srgbClr val="A52A2A"/>
-                </a:solidFill>
-                <a:effectLst/>
-                <a:latin typeface="Consolas" panose="020B0609020204030204" pitchFamily="49" charset="0"/>
-              </a:rPr>
-              <a:t>!DOCTYPE</a:t>
-            </a:r>
-            <a:r>
-              <a:rPr lang="en-US" b="0" i="0" dirty="0">
-                <a:solidFill>
-                  <a:srgbClr val="FF0000"/>
-                </a:solidFill>
-                <a:effectLst/>
-                <a:latin typeface="Consolas" panose="020B0609020204030204" pitchFamily="49" charset="0"/>
-              </a:rPr>
-              <a:t> html</a:t>
-            </a:r>
-            <a:r>
-              <a:rPr lang="en-US" b="0" i="0" dirty="0">
-                <a:solidFill>
-                  <a:srgbClr val="0000CD"/>
-                </a:solidFill>
-                <a:effectLst/>
-                <a:latin typeface="Consolas" panose="020B0609020204030204" pitchFamily="49" charset="0"/>
-              </a:rPr>
-              <a:t>&gt;</a:t>
-            </a:r>
-            <a:br>
-              <a:rPr lang="en-US" dirty="0"/>
-            </a:br>
-            <a:r>
-              <a:rPr lang="en-US" b="0" i="0" dirty="0">
-                <a:solidFill>
-                  <a:srgbClr val="0000CD"/>
-                </a:solidFill>
-                <a:effectLst/>
-                <a:latin typeface="Consolas" panose="020B0609020204030204" pitchFamily="49" charset="0"/>
-              </a:rPr>
-              <a:t>&lt;</a:t>
-            </a:r>
-            <a:r>
-              <a:rPr lang="en-US" b="0" i="0" dirty="0">
-                <a:solidFill>
-                  <a:srgbClr val="A52A2A"/>
-                </a:solidFill>
-                <a:effectLst/>
-                <a:latin typeface="Consolas" panose="020B0609020204030204" pitchFamily="49" charset="0"/>
-              </a:rPr>
-              <a:t>html</a:t>
-            </a:r>
-            <a:r>
-              <a:rPr lang="en-US" b="0" i="0" dirty="0">
-                <a:solidFill>
-                  <a:srgbClr val="0000CD"/>
-                </a:solidFill>
-                <a:effectLst/>
-                <a:latin typeface="Consolas" panose="020B0609020204030204" pitchFamily="49" charset="0"/>
-              </a:rPr>
-              <a:t>&gt;</a:t>
-            </a:r>
-            <a:br>
-              <a:rPr lang="en-US" dirty="0"/>
-            </a:br>
-            <a:r>
-              <a:rPr lang="en-US" b="0" i="0" dirty="0">
-                <a:solidFill>
-                  <a:srgbClr val="0000CD"/>
-                </a:solidFill>
-                <a:effectLst/>
-                <a:latin typeface="Consolas" panose="020B0609020204030204" pitchFamily="49" charset="0"/>
-              </a:rPr>
-              <a:t>&lt;</a:t>
-            </a:r>
-            <a:r>
-              <a:rPr lang="en-US" b="0" i="0" dirty="0">
-                <a:solidFill>
-                  <a:srgbClr val="A52A2A"/>
-                </a:solidFill>
-                <a:effectLst/>
-                <a:latin typeface="Consolas" panose="020B0609020204030204" pitchFamily="49" charset="0"/>
-              </a:rPr>
-              <a:t>head</a:t>
-            </a:r>
-            <a:r>
-              <a:rPr lang="en-US" b="0" i="0" dirty="0">
-                <a:solidFill>
-                  <a:srgbClr val="0000CD"/>
-                </a:solidFill>
-                <a:effectLst/>
-                <a:latin typeface="Consolas" panose="020B0609020204030204" pitchFamily="49" charset="0"/>
-              </a:rPr>
-              <a:t>&gt;</a:t>
-            </a:r>
-            <a:br>
-              <a:rPr lang="en-US" dirty="0"/>
-            </a:br>
-            <a:r>
-              <a:rPr lang="en-US" b="0" i="0" dirty="0">
-                <a:solidFill>
-                  <a:srgbClr val="0000CD"/>
-                </a:solidFill>
-                <a:effectLst/>
-                <a:latin typeface="Consolas" panose="020B0609020204030204" pitchFamily="49" charset="0"/>
-              </a:rPr>
-              <a:t>&lt;</a:t>
-            </a:r>
-            <a:r>
-              <a:rPr lang="en-US" b="0" i="0" dirty="0">
-                <a:solidFill>
-                  <a:srgbClr val="A52A2A"/>
-                </a:solidFill>
-                <a:effectLst/>
-                <a:latin typeface="Consolas" panose="020B0609020204030204" pitchFamily="49" charset="0"/>
-              </a:rPr>
-              <a:t>title</a:t>
-            </a:r>
-            <a:r>
-              <a:rPr lang="en-US" b="0" i="0" dirty="0">
-                <a:solidFill>
-                  <a:srgbClr val="0000CD"/>
-                </a:solidFill>
-                <a:effectLst/>
-                <a:latin typeface="Consolas" panose="020B0609020204030204" pitchFamily="49" charset="0"/>
-              </a:rPr>
-              <a:t>&gt;</a:t>
-            </a:r>
-            <a:r>
-              <a:rPr lang="en-US" b="0" i="0" dirty="0">
-                <a:solidFill>
-                  <a:srgbClr val="000000"/>
-                </a:solidFill>
-                <a:effectLst/>
-                <a:latin typeface="Consolas" panose="020B0609020204030204" pitchFamily="49" charset="0"/>
-              </a:rPr>
-              <a:t>Page Title</a:t>
-            </a:r>
-            <a:r>
-              <a:rPr lang="en-US" b="0" i="0" dirty="0">
-                <a:solidFill>
-                  <a:srgbClr val="0000CD"/>
-                </a:solidFill>
-                <a:effectLst/>
-                <a:latin typeface="Consolas" panose="020B0609020204030204" pitchFamily="49" charset="0"/>
-              </a:rPr>
-              <a:t>&lt;</a:t>
-            </a:r>
-            <a:r>
-              <a:rPr lang="en-US" b="0" i="0" dirty="0">
-                <a:solidFill>
-                  <a:srgbClr val="A52A2A"/>
-                </a:solidFill>
-                <a:effectLst/>
-                <a:latin typeface="Consolas" panose="020B0609020204030204" pitchFamily="49" charset="0"/>
-              </a:rPr>
-              <a:t>/title</a:t>
-            </a:r>
-            <a:r>
-              <a:rPr lang="en-US" b="0" i="0" dirty="0">
-                <a:solidFill>
-                  <a:srgbClr val="0000CD"/>
-                </a:solidFill>
-                <a:effectLst/>
-                <a:latin typeface="Consolas" panose="020B0609020204030204" pitchFamily="49" charset="0"/>
-              </a:rPr>
-              <a:t>&gt;</a:t>
-            </a:r>
-            <a:br>
-              <a:rPr lang="en-US" dirty="0"/>
-            </a:br>
-            <a:r>
-              <a:rPr lang="en-US" b="0" i="0" dirty="0">
-                <a:solidFill>
-                  <a:srgbClr val="0000CD"/>
-                </a:solidFill>
-                <a:effectLst/>
-                <a:latin typeface="Consolas" panose="020B0609020204030204" pitchFamily="49" charset="0"/>
-              </a:rPr>
-              <a:t>&lt;</a:t>
-            </a:r>
-            <a:r>
-              <a:rPr lang="en-US" b="0" i="0" dirty="0">
-                <a:solidFill>
-                  <a:srgbClr val="A52A2A"/>
-                </a:solidFill>
-                <a:effectLst/>
-                <a:latin typeface="Consolas" panose="020B0609020204030204" pitchFamily="49" charset="0"/>
-              </a:rPr>
-              <a:t>/head</a:t>
-            </a:r>
-            <a:r>
-              <a:rPr lang="en-US" b="0" i="0" dirty="0">
-                <a:solidFill>
-                  <a:srgbClr val="0000CD"/>
-                </a:solidFill>
-                <a:effectLst/>
-                <a:latin typeface="Consolas" panose="020B0609020204030204" pitchFamily="49" charset="0"/>
-              </a:rPr>
-              <a:t>&gt;</a:t>
-            </a:r>
-            <a:br>
-              <a:rPr lang="en-US" dirty="0"/>
-            </a:br>
-            <a:r>
-              <a:rPr lang="en-US" b="0" i="0" dirty="0">
-                <a:solidFill>
-                  <a:srgbClr val="0000CD"/>
-                </a:solidFill>
-                <a:effectLst/>
-                <a:latin typeface="Consolas" panose="020B0609020204030204" pitchFamily="49" charset="0"/>
-              </a:rPr>
-              <a:t>&lt;</a:t>
-            </a:r>
-            <a:r>
-              <a:rPr lang="en-US" b="0" i="0" dirty="0">
-                <a:solidFill>
-                  <a:srgbClr val="A52A2A"/>
-                </a:solidFill>
-                <a:effectLst/>
-                <a:latin typeface="Consolas" panose="020B0609020204030204" pitchFamily="49" charset="0"/>
-              </a:rPr>
-              <a:t>body</a:t>
-            </a:r>
-            <a:r>
-              <a:rPr lang="en-US" b="0" i="0" dirty="0">
-                <a:solidFill>
-                  <a:srgbClr val="0000CD"/>
-                </a:solidFill>
-                <a:effectLst/>
-                <a:latin typeface="Consolas" panose="020B0609020204030204" pitchFamily="49" charset="0"/>
-              </a:rPr>
-              <a:t>&gt;</a:t>
-            </a:r>
-            <a:br>
-              <a:rPr lang="en-US" dirty="0"/>
-            </a:br>
-            <a:br>
-              <a:rPr lang="en-US" dirty="0"/>
-            </a:br>
-            <a:r>
-              <a:rPr lang="en-US" b="0" i="0" dirty="0">
-                <a:solidFill>
-                  <a:srgbClr val="0000CD"/>
-                </a:solidFill>
-                <a:effectLst/>
-                <a:latin typeface="Consolas" panose="020B0609020204030204" pitchFamily="49" charset="0"/>
-              </a:rPr>
-              <a:t>&lt;</a:t>
-            </a:r>
-            <a:r>
-              <a:rPr lang="en-US" b="0" i="0" dirty="0">
-                <a:solidFill>
-                  <a:srgbClr val="A52A2A"/>
-                </a:solidFill>
-                <a:effectLst/>
-                <a:latin typeface="Consolas" panose="020B0609020204030204" pitchFamily="49" charset="0"/>
-              </a:rPr>
-              <a:t>h1</a:t>
-            </a:r>
-            <a:r>
-              <a:rPr lang="en-US" b="0" i="0" dirty="0">
-                <a:solidFill>
-                  <a:srgbClr val="0000CD"/>
-                </a:solidFill>
-                <a:effectLst/>
-                <a:latin typeface="Consolas" panose="020B0609020204030204" pitchFamily="49" charset="0"/>
-              </a:rPr>
-              <a:t>&gt;</a:t>
-            </a:r>
-            <a:r>
-              <a:rPr lang="en-US" b="0" i="0" dirty="0">
-                <a:solidFill>
-                  <a:srgbClr val="000000"/>
-                </a:solidFill>
-                <a:effectLst/>
-                <a:latin typeface="Consolas" panose="020B0609020204030204" pitchFamily="49" charset="0"/>
-              </a:rPr>
-              <a:t>My First Heading</a:t>
-            </a:r>
-            <a:r>
-              <a:rPr lang="en-US" b="0" i="0" dirty="0">
-                <a:solidFill>
-                  <a:srgbClr val="0000CD"/>
-                </a:solidFill>
-                <a:effectLst/>
-                <a:latin typeface="Consolas" panose="020B0609020204030204" pitchFamily="49" charset="0"/>
-              </a:rPr>
-              <a:t>&lt;</a:t>
-            </a:r>
-            <a:r>
-              <a:rPr lang="en-US" b="0" i="0" dirty="0">
-                <a:solidFill>
-                  <a:srgbClr val="A52A2A"/>
-                </a:solidFill>
-                <a:effectLst/>
-                <a:latin typeface="Consolas" panose="020B0609020204030204" pitchFamily="49" charset="0"/>
-              </a:rPr>
-              <a:t>/h1</a:t>
-            </a:r>
-            <a:r>
-              <a:rPr lang="en-US" b="0" i="0" dirty="0">
-                <a:solidFill>
-                  <a:srgbClr val="0000CD"/>
-                </a:solidFill>
-                <a:effectLst/>
-                <a:latin typeface="Consolas" panose="020B0609020204030204" pitchFamily="49" charset="0"/>
-              </a:rPr>
-              <a:t>&gt;</a:t>
-            </a:r>
-            <a:br>
-              <a:rPr lang="en-US" dirty="0"/>
-            </a:br>
-            <a:r>
-              <a:rPr lang="en-US" b="0" i="0" dirty="0">
-                <a:solidFill>
-                  <a:srgbClr val="0000CD"/>
-                </a:solidFill>
-                <a:effectLst/>
-                <a:latin typeface="Consolas" panose="020B0609020204030204" pitchFamily="49" charset="0"/>
-              </a:rPr>
-              <a:t>&lt;</a:t>
-            </a:r>
-            <a:r>
-              <a:rPr lang="en-US" b="0" i="0" dirty="0">
-                <a:solidFill>
-                  <a:srgbClr val="A52A2A"/>
-                </a:solidFill>
-                <a:effectLst/>
-                <a:latin typeface="Consolas" panose="020B0609020204030204" pitchFamily="49" charset="0"/>
-              </a:rPr>
-              <a:t>p</a:t>
-            </a:r>
-            <a:r>
-              <a:rPr lang="en-US" b="0" i="0" dirty="0">
-                <a:solidFill>
-                  <a:srgbClr val="0000CD"/>
-                </a:solidFill>
-                <a:effectLst/>
-                <a:latin typeface="Consolas" panose="020B0609020204030204" pitchFamily="49" charset="0"/>
-              </a:rPr>
-              <a:t>&gt;</a:t>
-            </a:r>
-            <a:r>
-              <a:rPr lang="en-US" b="0" i="0" dirty="0">
-                <a:solidFill>
-                  <a:srgbClr val="000000"/>
-                </a:solidFill>
-                <a:effectLst/>
-                <a:latin typeface="Consolas" panose="020B0609020204030204" pitchFamily="49" charset="0"/>
-              </a:rPr>
-              <a:t>My first paragraph.</a:t>
-            </a:r>
-            <a:r>
-              <a:rPr lang="en-US" b="0" i="0" dirty="0">
-                <a:solidFill>
-                  <a:srgbClr val="0000CD"/>
-                </a:solidFill>
-                <a:effectLst/>
-                <a:latin typeface="Consolas" panose="020B0609020204030204" pitchFamily="49" charset="0"/>
-              </a:rPr>
-              <a:t>&lt;</a:t>
-            </a:r>
-            <a:r>
-              <a:rPr lang="en-US" b="0" i="0" dirty="0">
-                <a:solidFill>
-                  <a:srgbClr val="A52A2A"/>
-                </a:solidFill>
-                <a:effectLst/>
-                <a:latin typeface="Consolas" panose="020B0609020204030204" pitchFamily="49" charset="0"/>
-              </a:rPr>
-              <a:t>/p</a:t>
-            </a:r>
-            <a:r>
-              <a:rPr lang="en-US" b="0" i="0" dirty="0">
-                <a:solidFill>
-                  <a:srgbClr val="0000CD"/>
-                </a:solidFill>
-                <a:effectLst/>
-                <a:latin typeface="Consolas" panose="020B0609020204030204" pitchFamily="49" charset="0"/>
-              </a:rPr>
-              <a:t>&gt;</a:t>
-            </a:r>
-            <a:br>
-              <a:rPr lang="en-US" dirty="0"/>
-            </a:br>
-            <a:br>
-              <a:rPr lang="en-US" dirty="0"/>
-            </a:br>
-            <a:r>
-              <a:rPr lang="en-US" b="0" i="0" dirty="0">
-                <a:solidFill>
-                  <a:srgbClr val="0000CD"/>
-                </a:solidFill>
-                <a:effectLst/>
-                <a:latin typeface="Consolas" panose="020B0609020204030204" pitchFamily="49" charset="0"/>
-              </a:rPr>
-              <a:t>&lt;</a:t>
-            </a:r>
-            <a:r>
-              <a:rPr lang="en-US" b="0" i="0" dirty="0">
-                <a:solidFill>
-                  <a:srgbClr val="A52A2A"/>
-                </a:solidFill>
-                <a:effectLst/>
-                <a:latin typeface="Consolas" panose="020B0609020204030204" pitchFamily="49" charset="0"/>
-              </a:rPr>
-              <a:t>/body</a:t>
-            </a:r>
-            <a:r>
-              <a:rPr lang="en-US" b="0" i="0" dirty="0">
-                <a:solidFill>
-                  <a:srgbClr val="0000CD"/>
-                </a:solidFill>
-                <a:effectLst/>
-                <a:latin typeface="Consolas" panose="020B0609020204030204" pitchFamily="49" charset="0"/>
-              </a:rPr>
-              <a:t>&gt;</a:t>
-            </a:r>
-            <a:br>
-              <a:rPr lang="en-US" dirty="0"/>
-            </a:br>
-            <a:r>
-              <a:rPr lang="en-US" b="0" i="0" dirty="0">
-                <a:solidFill>
-                  <a:srgbClr val="0000CD"/>
-                </a:solidFill>
-                <a:effectLst/>
-                <a:latin typeface="Consolas" panose="020B0609020204030204" pitchFamily="49" charset="0"/>
-              </a:rPr>
-              <a:t>&lt;</a:t>
-            </a:r>
-            <a:r>
-              <a:rPr lang="en-US" b="0" i="0" dirty="0">
-                <a:solidFill>
-                  <a:srgbClr val="A52A2A"/>
-                </a:solidFill>
-                <a:effectLst/>
-                <a:latin typeface="Consolas" panose="020B0609020204030204" pitchFamily="49" charset="0"/>
-              </a:rPr>
-              <a:t>/html</a:t>
-            </a:r>
-            <a:r>
-              <a:rPr lang="en-US" b="0" i="0" dirty="0">
-                <a:solidFill>
-                  <a:srgbClr val="002060"/>
-                </a:solidFill>
-                <a:effectLst/>
-                <a:latin typeface="Consolas" panose="020B0609020204030204" pitchFamily="49" charset="0"/>
-              </a:rPr>
-              <a:t>&gt;</a:t>
-            </a:r>
-            <a:endParaRPr lang="en-US" dirty="0">
-              <a:solidFill>
-                <a:srgbClr val="002060"/>
-              </a:solidFill>
-            </a:endParaRPr>
-          </a:p>
-        </p:txBody>
-      </p:sp>
-    </p:spTree>
-    <p:extLst>
-      <p:ext uri="{BB962C8B-B14F-4D97-AF65-F5344CB8AC3E}">
-        <p14:creationId xmlns:p14="http://schemas.microsoft.com/office/powerpoint/2010/main" val="3032092202"/>
       </p:ext>
     </p:extLst>
   </p:cSld>
